--- a/Automation-FrontEnd-With-Gruntjs.pptx
+++ b/Automation-FrontEnd-With-Gruntjs.pptx
@@ -5,23 +5,34 @@
     <p:sldMasterId id="2147483768" r:id="rId1"/>
   </p:sldMasterIdLst>
   <p:notesMasterIdLst>
-    <p:notesMasterId r:id="rId16"/>
+    <p:notesMasterId r:id="rId27"/>
   </p:notesMasterIdLst>
   <p:sldIdLst>
     <p:sldId id="256" r:id="rId2"/>
-    <p:sldId id="268" r:id="rId3"/>
-    <p:sldId id="257" r:id="rId4"/>
-    <p:sldId id="261" r:id="rId5"/>
-    <p:sldId id="258" r:id="rId6"/>
-    <p:sldId id="269" r:id="rId7"/>
-    <p:sldId id="259" r:id="rId8"/>
-    <p:sldId id="260" r:id="rId9"/>
+    <p:sldId id="271" r:id="rId3"/>
+    <p:sldId id="268" r:id="rId4"/>
+    <p:sldId id="257" r:id="rId5"/>
+    <p:sldId id="261" r:id="rId6"/>
+    <p:sldId id="258" r:id="rId7"/>
+    <p:sldId id="269" r:id="rId8"/>
+    <p:sldId id="259" r:id="rId9"/>
     <p:sldId id="266" r:id="rId10"/>
-    <p:sldId id="267" r:id="rId11"/>
-    <p:sldId id="265" r:id="rId12"/>
-    <p:sldId id="263" r:id="rId13"/>
-    <p:sldId id="270" r:id="rId14"/>
-    <p:sldId id="264" r:id="rId15"/>
+    <p:sldId id="260" r:id="rId11"/>
+    <p:sldId id="267" r:id="rId12"/>
+    <p:sldId id="272" r:id="rId13"/>
+    <p:sldId id="263" r:id="rId14"/>
+    <p:sldId id="270" r:id="rId15"/>
+    <p:sldId id="273" r:id="rId16"/>
+    <p:sldId id="277" r:id="rId17"/>
+    <p:sldId id="280" r:id="rId18"/>
+    <p:sldId id="279" r:id="rId19"/>
+    <p:sldId id="281" r:id="rId20"/>
+    <p:sldId id="278" r:id="rId21"/>
+    <p:sldId id="276" r:id="rId22"/>
+    <p:sldId id="274" r:id="rId23"/>
+    <p:sldId id="275" r:id="rId24"/>
+    <p:sldId id="282" r:id="rId25"/>
+    <p:sldId id="264" r:id="rId26"/>
   </p:sldIdLst>
   <p:sldSz cx="9144000" cy="6858000" type="screen4x3"/>
   <p:notesSz cx="6858000" cy="9144000"/>
@@ -4504,7 +4515,7 @@
             <a:fld id="{D36758FF-DEA5-427D-ACCB-D0271A24585B}" type="datetimeFigureOut">
               <a:rPr lang="en-US" smtClean="0"/>
               <a:pPr/>
-              <a:t>3/27/2016</a:t>
+              <a:t>3/28/2016</a:t>
             </a:fld>
             <a:endParaRPr lang="en-US"/>
           </a:p>
@@ -4890,7 +4901,7 @@
             <a:fld id="{665FB4FC-62BE-46E2-9038-3E7EEB4A9B69}" type="slidenum">
               <a:rPr lang="en-US" smtClean="0"/>
               <a:pPr/>
-              <a:t>7</a:t>
+              <a:t>8</a:t>
             </a:fld>
             <a:endParaRPr lang="en-US"/>
           </a:p>
@@ -4950,6 +4961,58 @@
           </a:bodyPr>
           <a:lstStyle/>
           <a:p>
+            <a:pPr>
+              <a:buFont typeface="Arial" pitchFamily="34" charset="0"/>
+              <a:buChar char="•"/>
+            </a:pPr>
+            <a:r>
+              <a:rPr lang="en-US" dirty="0" err="1" smtClean="0"/>
+              <a:t>grunt.loadNpmTasks</a:t>
+            </a:r>
+            <a:r>
+              <a:rPr lang="en-US" dirty="0" smtClean="0"/>
+              <a:t>('grunt-</a:t>
+            </a:r>
+            <a:r>
+              <a:rPr lang="en-US" dirty="0" err="1" smtClean="0"/>
+              <a:t>htmlhint</a:t>
+            </a:r>
+            <a:r>
+              <a:rPr lang="en-US" dirty="0" smtClean="0"/>
+              <a:t>');</a:t>
+            </a:r>
+          </a:p>
+          <a:p>
+            <a:endParaRPr lang="en-US" dirty="0" smtClean="0"/>
+          </a:p>
+          <a:p>
+            <a:pPr>
+              <a:buFont typeface="Arial" pitchFamily="34" charset="0"/>
+              <a:buChar char="•"/>
+            </a:pPr>
+            <a:r>
+              <a:rPr lang="en-US" dirty="0" smtClean="0"/>
+              <a:t>Defines a wrapper function with</a:t>
+            </a:r>
+            <a:r>
+              <a:rPr lang="en-US" baseline="0" dirty="0" smtClean="0"/>
+              <a:t> </a:t>
+            </a:r>
+            <a:r>
+              <a:rPr lang="en-US" dirty="0" smtClean="0"/>
+              <a:t>“grunt” is taken as an argument</a:t>
+            </a:r>
+          </a:p>
+          <a:p>
+            <a:r>
+              <a:rPr lang="en-US" dirty="0" smtClean="0"/>
+              <a:t>~1.2.3 := &gt;=1.2.3-0 &lt;1.3.0-0 "Reasonably close to 1.2.3". When using tilde operators, prerelease versions are supported as well, but a prerelease of the next significant digit will NOT be satisfactory, so 1.3.0-beta will not satisfy ~1.2.3.</a:t>
+            </a:r>
+          </a:p>
+          <a:p>
+            <a:endParaRPr lang="en-US" dirty="0" smtClean="0"/>
+          </a:p>
+          <a:p>
             <a:endParaRPr lang="en-US" dirty="0"/>
           </a:p>
         </p:txBody>
@@ -4972,7 +5035,7 @@
             <a:fld id="{665FB4FC-62BE-46E2-9038-3E7EEB4A9B69}" type="slidenum">
               <a:rPr lang="en-US" smtClean="0"/>
               <a:pPr/>
-              <a:t>8</a:t>
+              <a:t>9</a:t>
             </a:fld>
             <a:endParaRPr lang="en-US"/>
           </a:p>
@@ -5032,58 +5095,6 @@
           </a:bodyPr>
           <a:lstStyle/>
           <a:p>
-            <a:pPr>
-              <a:buFont typeface="Arial" pitchFamily="34" charset="0"/>
-              <a:buChar char="•"/>
-            </a:pPr>
-            <a:r>
-              <a:rPr lang="en-US" dirty="0" err="1" smtClean="0"/>
-              <a:t>grunt.loadNpmTasks</a:t>
-            </a:r>
-            <a:r>
-              <a:rPr lang="en-US" dirty="0" smtClean="0"/>
-              <a:t>('grunt-</a:t>
-            </a:r>
-            <a:r>
-              <a:rPr lang="en-US" dirty="0" err="1" smtClean="0"/>
-              <a:t>htmlhint</a:t>
-            </a:r>
-            <a:r>
-              <a:rPr lang="en-US" dirty="0" smtClean="0"/>
-              <a:t>');</a:t>
-            </a:r>
-          </a:p>
-          <a:p>
-            <a:endParaRPr lang="en-US" dirty="0" smtClean="0"/>
-          </a:p>
-          <a:p>
-            <a:pPr>
-              <a:buFont typeface="Arial" pitchFamily="34" charset="0"/>
-              <a:buChar char="•"/>
-            </a:pPr>
-            <a:r>
-              <a:rPr lang="en-US" dirty="0" smtClean="0"/>
-              <a:t>Defines a wrapper function with</a:t>
-            </a:r>
-            <a:r>
-              <a:rPr lang="en-US" baseline="0" dirty="0" smtClean="0"/>
-              <a:t> </a:t>
-            </a:r>
-            <a:r>
-              <a:rPr lang="en-US" dirty="0" smtClean="0"/>
-              <a:t>“grunt” is taken as an argument</a:t>
-            </a:r>
-          </a:p>
-          <a:p>
-            <a:r>
-              <a:rPr lang="en-US" dirty="0" smtClean="0"/>
-              <a:t>~1.2.3 := &gt;=1.2.3-0 &lt;1.3.0-0 "Reasonably close to 1.2.3". When using tilde operators, prerelease versions are supported as well, but a prerelease of the next significant digit will NOT be satisfactory, so 1.3.0-beta will not satisfy ~1.2.3.</a:t>
-            </a:r>
-          </a:p>
-          <a:p>
-            <a:endParaRPr lang="en-US" dirty="0" smtClean="0"/>
-          </a:p>
-          <a:p>
             <a:endParaRPr lang="en-US" dirty="0"/>
           </a:p>
         </p:txBody>
@@ -5106,7 +5117,7 @@
             <a:fld id="{665FB4FC-62BE-46E2-9038-3E7EEB4A9B69}" type="slidenum">
               <a:rPr lang="en-US" smtClean="0"/>
               <a:pPr/>
-              <a:t>9</a:t>
+              <a:t>10</a:t>
             </a:fld>
             <a:endParaRPr lang="en-US"/>
           </a:p>
@@ -5746,7 +5757,7 @@
             <a:fld id="{D94E15C5-240B-4504-9BEB-347730CFAA86}" type="datetimeFigureOut">
               <a:rPr lang="en-US" smtClean="0"/>
               <a:pPr/>
-              <a:t>3/27/2016</a:t>
+              <a:t>3/28/2016</a:t>
             </a:fld>
             <a:endParaRPr lang="en-US"/>
           </a:p>
@@ -5944,7 +5955,7 @@
             <a:fld id="{D94E15C5-240B-4504-9BEB-347730CFAA86}" type="datetimeFigureOut">
               <a:rPr lang="en-US" smtClean="0"/>
               <a:pPr/>
-              <a:t>3/27/2016</a:t>
+              <a:t>3/28/2016</a:t>
             </a:fld>
             <a:endParaRPr lang="en-US"/>
           </a:p>
@@ -6131,7 +6142,7 @@
             <a:fld id="{D94E15C5-240B-4504-9BEB-347730CFAA86}" type="datetimeFigureOut">
               <a:rPr lang="en-US" smtClean="0"/>
               <a:pPr/>
-              <a:t>3/27/2016</a:t>
+              <a:t>3/28/2016</a:t>
             </a:fld>
             <a:endParaRPr lang="en-US"/>
           </a:p>
@@ -6283,7 +6294,7 @@
             <a:fld id="{D94E15C5-240B-4504-9BEB-347730CFAA86}" type="datetimeFigureOut">
               <a:rPr lang="en-US" smtClean="0"/>
               <a:pPr/>
-              <a:t>3/27/2016</a:t>
+              <a:t>3/28/2016</a:t>
             </a:fld>
             <a:endParaRPr lang="en-US"/>
           </a:p>
@@ -6540,7 +6551,7 @@
             <a:fld id="{D94E15C5-240B-4504-9BEB-347730CFAA86}" type="datetimeFigureOut">
               <a:rPr lang="en-US" smtClean="0"/>
               <a:pPr/>
-              <a:t>3/27/2016</a:t>
+              <a:t>3/28/2016</a:t>
             </a:fld>
             <a:endParaRPr lang="en-US"/>
           </a:p>
@@ -6951,7 +6962,7 @@
             <a:fld id="{D94E15C5-240B-4504-9BEB-347730CFAA86}" type="datetimeFigureOut">
               <a:rPr lang="en-US" smtClean="0"/>
               <a:pPr/>
-              <a:t>3/27/2016</a:t>
+              <a:t>3/28/2016</a:t>
             </a:fld>
             <a:endParaRPr lang="en-US"/>
           </a:p>
@@ -7399,7 +7410,7 @@
             <a:fld id="{D94E15C5-240B-4504-9BEB-347730CFAA86}" type="datetimeFigureOut">
               <a:rPr lang="en-US" smtClean="0"/>
               <a:pPr/>
-              <a:t>3/27/2016</a:t>
+              <a:t>3/28/2016</a:t>
             </a:fld>
             <a:endParaRPr lang="en-US"/>
           </a:p>
@@ -7502,7 +7513,7 @@
             <a:fld id="{D94E15C5-240B-4504-9BEB-347730CFAA86}" type="datetimeFigureOut">
               <a:rPr lang="en-US" smtClean="0"/>
               <a:pPr/>
-              <a:t>3/27/2016</a:t>
+              <a:t>3/28/2016</a:t>
             </a:fld>
             <a:endParaRPr lang="en-US"/>
           </a:p>
@@ -7625,7 +7636,7 @@
             <a:fld id="{D94E15C5-240B-4504-9BEB-347730CFAA86}" type="datetimeFigureOut">
               <a:rPr lang="en-US" smtClean="0"/>
               <a:pPr/>
-              <a:t>3/27/2016</a:t>
+              <a:t>3/28/2016</a:t>
             </a:fld>
             <a:endParaRPr lang="en-US"/>
           </a:p>
@@ -7901,7 +7912,7 @@
             <a:fld id="{D94E15C5-240B-4504-9BEB-347730CFAA86}" type="datetimeFigureOut">
               <a:rPr lang="en-US" smtClean="0"/>
               <a:pPr/>
-              <a:t>3/27/2016</a:t>
+              <a:t>3/28/2016</a:t>
             </a:fld>
             <a:endParaRPr lang="en-US"/>
           </a:p>
@@ -8108,7 +8119,7 @@
             <a:fld id="{D94E15C5-240B-4504-9BEB-347730CFAA86}" type="datetimeFigureOut">
               <a:rPr lang="en-US" smtClean="0"/>
               <a:pPr/>
-              <a:t>3/27/2016</a:t>
+              <a:t>3/28/2016</a:t>
             </a:fld>
             <a:endParaRPr lang="en-US"/>
           </a:p>
@@ -9219,7 +9230,7 @@
             <a:fld id="{D94E15C5-240B-4504-9BEB-347730CFAA86}" type="datetimeFigureOut">
               <a:rPr lang="en-US" smtClean="0"/>
               <a:pPr/>
-              <a:t>3/27/2016</a:t>
+              <a:t>3/28/2016</a:t>
             </a:fld>
             <a:endParaRPr lang="en-US"/>
           </a:p>
@@ -9674,19 +9685,7 @@
           <a:p>
             <a:r>
               <a:rPr lang="en-US" dirty="0" smtClean="0"/>
-              <a:t>Grunt as a build </a:t>
-            </a:r>
-            <a:r>
-              <a:rPr lang="en-US" dirty="0" smtClean="0"/>
-              <a:t>tool </a:t>
-            </a:r>
-            <a:r>
-              <a:rPr lang="en-US" dirty="0" smtClean="0"/>
-              <a:t>for </a:t>
-            </a:r>
-            <a:r>
-              <a:rPr lang="en-US" dirty="0" smtClean="0"/>
-              <a:t>JS</a:t>
+              <a:t>Grunt as a build tool for JS</a:t>
             </a:r>
           </a:p>
           <a:p>
@@ -9740,6 +9739,412 @@
       </p:grpSpPr>
       <p:sp>
         <p:nvSpPr>
+          <p:cNvPr id="3" name="Content Placeholder 2"/>
+          <p:cNvSpPr>
+            <a:spLocks noGrp="1"/>
+          </p:cNvSpPr>
+          <p:nvPr>
+            <p:ph idx="1"/>
+          </p:nvPr>
+        </p:nvSpPr>
+        <p:spPr/>
+        <p:txBody>
+          <a:bodyPr>
+            <a:normAutofit/>
+          </a:bodyPr>
+          <a:lstStyle/>
+          <a:p>
+            <a:r>
+              <a:rPr lang="en-US" sz="2400" dirty="0" smtClean="0"/>
+              <a:t>Install locally using command line and add it as dependency to </a:t>
+            </a:r>
+            <a:r>
+              <a:rPr lang="en-US" sz="2400" dirty="0" err="1" smtClean="0"/>
+              <a:t>package.json</a:t>
+            </a:r>
+            <a:endParaRPr lang="en-US" sz="2400" dirty="0" smtClean="0"/>
+          </a:p>
+          <a:p>
+            <a:pPr>
+              <a:buNone/>
+            </a:pPr>
+            <a:r>
+              <a:rPr lang="en-US" sz="1400" dirty="0" err="1" smtClean="0">
+                <a:latin typeface="Courier New" pitchFamily="49" charset="0"/>
+                <a:cs typeface="Courier New" pitchFamily="49" charset="0"/>
+              </a:rPr>
+              <a:t>npm</a:t>
+            </a:r>
+            <a:r>
+              <a:rPr lang="en-US" sz="1400" dirty="0" smtClean="0">
+                <a:latin typeface="Courier New" pitchFamily="49" charset="0"/>
+                <a:cs typeface="Courier New" pitchFamily="49" charset="0"/>
+              </a:rPr>
+              <a:t> install &lt;</a:t>
+            </a:r>
+            <a:r>
+              <a:rPr lang="en-US" sz="1400" dirty="0" err="1" smtClean="0">
+                <a:latin typeface="Courier New" pitchFamily="49" charset="0"/>
+                <a:cs typeface="Courier New" pitchFamily="49" charset="0"/>
+              </a:rPr>
+              <a:t>plugin</a:t>
+            </a:r>
+            <a:r>
+              <a:rPr lang="en-US" sz="1400" dirty="0" smtClean="0">
+                <a:latin typeface="Courier New" pitchFamily="49" charset="0"/>
+                <a:cs typeface="Courier New" pitchFamily="49" charset="0"/>
+              </a:rPr>
+              <a:t>&gt; --save-dependency</a:t>
+            </a:r>
+          </a:p>
+          <a:p>
+            <a:pPr>
+              <a:buNone/>
+            </a:pPr>
+            <a:endParaRPr lang="en-US" sz="1400" dirty="0" smtClean="0">
+              <a:latin typeface="Courier New" pitchFamily="49" charset="0"/>
+              <a:cs typeface="Courier New" pitchFamily="49" charset="0"/>
+            </a:endParaRPr>
+          </a:p>
+          <a:p>
+            <a:r>
+              <a:rPr lang="en-US" sz="2400" dirty="0" smtClean="0"/>
+              <a:t>Or manually add dependency to </a:t>
+            </a:r>
+            <a:r>
+              <a:rPr lang="en-US" sz="2400" dirty="0" err="1" smtClean="0"/>
+              <a:t>package.json</a:t>
+            </a:r>
+            <a:endParaRPr lang="en-US" sz="2400" dirty="0" smtClean="0"/>
+          </a:p>
+          <a:p>
+            <a:pPr>
+              <a:buNone/>
+            </a:pPr>
+            <a:r>
+              <a:rPr lang="en-US" sz="2400" dirty="0" smtClean="0"/>
+              <a:t>Sample:</a:t>
+            </a:r>
+          </a:p>
+          <a:p>
+            <a:pPr>
+              <a:buNone/>
+            </a:pPr>
+            <a:r>
+              <a:rPr lang="en-US" sz="1200" dirty="0" smtClean="0">
+                <a:latin typeface="Courier New" pitchFamily="49" charset="0"/>
+                <a:cs typeface="Courier New" pitchFamily="49" charset="0"/>
+              </a:rPr>
+              <a:t> "</a:t>
+            </a:r>
+            <a:r>
+              <a:rPr lang="en-US" sz="1200" dirty="0" err="1" smtClean="0">
+                <a:latin typeface="Courier New" pitchFamily="49" charset="0"/>
+                <a:cs typeface="Courier New" pitchFamily="49" charset="0"/>
+              </a:rPr>
+              <a:t>devDependencies</a:t>
+            </a:r>
+            <a:r>
+              <a:rPr lang="en-US" sz="1200" dirty="0" smtClean="0">
+                <a:latin typeface="Courier New" pitchFamily="49" charset="0"/>
+                <a:cs typeface="Courier New" pitchFamily="49" charset="0"/>
+              </a:rPr>
+              <a:t>": {    </a:t>
+            </a:r>
+          </a:p>
+          <a:p>
+            <a:pPr>
+              <a:buNone/>
+            </a:pPr>
+            <a:r>
+              <a:rPr lang="en-US" sz="1200" dirty="0" smtClean="0">
+                <a:latin typeface="Courier New" pitchFamily="49" charset="0"/>
+                <a:cs typeface="Courier New" pitchFamily="49" charset="0"/>
+              </a:rPr>
+              <a:t>	"grunt": "~0.4.2",    </a:t>
+            </a:r>
+          </a:p>
+          <a:p>
+            <a:pPr>
+              <a:buNone/>
+            </a:pPr>
+            <a:r>
+              <a:rPr lang="en-US" sz="1200" dirty="0" smtClean="0">
+                <a:latin typeface="Courier New" pitchFamily="49" charset="0"/>
+                <a:cs typeface="Courier New" pitchFamily="49" charset="0"/>
+              </a:rPr>
+              <a:t>	"grunt-</a:t>
+            </a:r>
+            <a:r>
+              <a:rPr lang="en-US" sz="1200" dirty="0" err="1" smtClean="0">
+                <a:latin typeface="Courier New" pitchFamily="49" charset="0"/>
+                <a:cs typeface="Courier New" pitchFamily="49" charset="0"/>
+              </a:rPr>
+              <a:t>htmlhint</a:t>
+            </a:r>
+            <a:r>
+              <a:rPr lang="en-US" sz="1200" dirty="0" smtClean="0">
+                <a:latin typeface="Courier New" pitchFamily="49" charset="0"/>
+                <a:cs typeface="Courier New" pitchFamily="49" charset="0"/>
+              </a:rPr>
+              <a:t>": "*",</a:t>
+            </a:r>
+          </a:p>
+          <a:p>
+            <a:pPr>
+              <a:buNone/>
+            </a:pPr>
+            <a:r>
+              <a:rPr lang="en-US" sz="1200" dirty="0" smtClean="0">
+                <a:latin typeface="Courier New" pitchFamily="49" charset="0"/>
+                <a:cs typeface="Courier New" pitchFamily="49" charset="0"/>
+              </a:rPr>
+              <a:t>   "</a:t>
+            </a:r>
+            <a:r>
+              <a:rPr lang="en-US" sz="1200" dirty="0" err="1" smtClean="0">
+                <a:latin typeface="Courier New" pitchFamily="49" charset="0"/>
+                <a:cs typeface="Courier New" pitchFamily="49" charset="0"/>
+              </a:rPr>
+              <a:t>matchdep</a:t>
+            </a:r>
+            <a:r>
+              <a:rPr lang="en-US" sz="1200" dirty="0" smtClean="0">
+                <a:latin typeface="Courier New" pitchFamily="49" charset="0"/>
+                <a:cs typeface="Courier New" pitchFamily="49" charset="0"/>
+              </a:rPr>
+              <a:t>": "*",    </a:t>
+            </a:r>
+          </a:p>
+          <a:p>
+            <a:pPr>
+              <a:buNone/>
+            </a:pPr>
+            <a:r>
+              <a:rPr lang="en-US" sz="1200" dirty="0" smtClean="0">
+                <a:latin typeface="Courier New" pitchFamily="49" charset="0"/>
+                <a:cs typeface="Courier New" pitchFamily="49" charset="0"/>
+              </a:rPr>
+              <a:t>   "grunt-</a:t>
+            </a:r>
+            <a:r>
+              <a:rPr lang="en-US" sz="1200" dirty="0" err="1" smtClean="0">
+                <a:latin typeface="Courier New" pitchFamily="49" charset="0"/>
+                <a:cs typeface="Courier New" pitchFamily="49" charset="0"/>
+              </a:rPr>
+              <a:t>contrib</a:t>
+            </a:r>
+            <a:r>
+              <a:rPr lang="en-US" sz="1200" dirty="0" smtClean="0">
+                <a:latin typeface="Courier New" pitchFamily="49" charset="0"/>
+                <a:cs typeface="Courier New" pitchFamily="49" charset="0"/>
+              </a:rPr>
+              <a:t>-watch": "*",    </a:t>
+            </a:r>
+          </a:p>
+          <a:p>
+            <a:pPr>
+              <a:buNone/>
+            </a:pPr>
+            <a:r>
+              <a:rPr lang="en-US" sz="1200" dirty="0" smtClean="0">
+                <a:latin typeface="Courier New" pitchFamily="49" charset="0"/>
+                <a:cs typeface="Courier New" pitchFamily="49" charset="0"/>
+              </a:rPr>
+              <a:t>   "grunt-</a:t>
+            </a:r>
+            <a:r>
+              <a:rPr lang="en-US" sz="1200" dirty="0" err="1" smtClean="0">
+                <a:latin typeface="Courier New" pitchFamily="49" charset="0"/>
+                <a:cs typeface="Courier New" pitchFamily="49" charset="0"/>
+              </a:rPr>
+              <a:t>contrib</a:t>
+            </a:r>
+            <a:r>
+              <a:rPr lang="en-US" sz="1200" dirty="0" smtClean="0">
+                <a:latin typeface="Courier New" pitchFamily="49" charset="0"/>
+                <a:cs typeface="Courier New" pitchFamily="49" charset="0"/>
+              </a:rPr>
+              <a:t>-clean": "~0.5.0",    </a:t>
+            </a:r>
+          </a:p>
+          <a:p>
+            <a:pPr>
+              <a:buNone/>
+            </a:pPr>
+            <a:r>
+              <a:rPr lang="en-US" sz="1200" dirty="0" smtClean="0">
+                <a:latin typeface="Courier New" pitchFamily="49" charset="0"/>
+                <a:cs typeface="Courier New" pitchFamily="49" charset="0"/>
+              </a:rPr>
+              <a:t>   "grunt-</a:t>
+            </a:r>
+            <a:r>
+              <a:rPr lang="en-US" sz="1200" dirty="0" err="1" smtClean="0">
+                <a:latin typeface="Courier New" pitchFamily="49" charset="0"/>
+                <a:cs typeface="Courier New" pitchFamily="49" charset="0"/>
+              </a:rPr>
+              <a:t>contrib</a:t>
+            </a:r>
+            <a:r>
+              <a:rPr lang="en-US" sz="1200" dirty="0" smtClean="0">
+                <a:latin typeface="Courier New" pitchFamily="49" charset="0"/>
+                <a:cs typeface="Courier New" pitchFamily="49" charset="0"/>
+              </a:rPr>
+              <a:t>-</a:t>
+            </a:r>
+            <a:r>
+              <a:rPr lang="en-US" sz="1200" dirty="0" err="1" smtClean="0">
+                <a:latin typeface="Courier New" pitchFamily="49" charset="0"/>
+                <a:cs typeface="Courier New" pitchFamily="49" charset="0"/>
+              </a:rPr>
+              <a:t>jshint</a:t>
+            </a:r>
+            <a:r>
+              <a:rPr lang="en-US" sz="1200" dirty="0" smtClean="0">
+                <a:latin typeface="Courier New" pitchFamily="49" charset="0"/>
+                <a:cs typeface="Courier New" pitchFamily="49" charset="0"/>
+              </a:rPr>
+              <a:t>": "~0.8.0",    </a:t>
+            </a:r>
+          </a:p>
+          <a:p>
+            <a:pPr>
+              <a:buNone/>
+            </a:pPr>
+            <a:r>
+              <a:rPr lang="en-US" sz="1200" dirty="0" smtClean="0">
+                <a:latin typeface="Courier New" pitchFamily="49" charset="0"/>
+                <a:cs typeface="Courier New" pitchFamily="49" charset="0"/>
+              </a:rPr>
+              <a:t>   "grunt-bump": "0.0.13",    </a:t>
+            </a:r>
+          </a:p>
+          <a:p>
+            <a:pPr>
+              <a:buNone/>
+            </a:pPr>
+            <a:r>
+              <a:rPr lang="en-US" sz="1200" dirty="0" smtClean="0">
+                <a:latin typeface="Courier New" pitchFamily="49" charset="0"/>
+                <a:cs typeface="Courier New" pitchFamily="49" charset="0"/>
+              </a:rPr>
+              <a:t>   "grunt-</a:t>
+            </a:r>
+            <a:r>
+              <a:rPr lang="en-US" sz="1200" dirty="0" err="1" smtClean="0">
+                <a:latin typeface="Courier New" pitchFamily="49" charset="0"/>
+                <a:cs typeface="Courier New" pitchFamily="49" charset="0"/>
+              </a:rPr>
+              <a:t>contrib</a:t>
+            </a:r>
+            <a:r>
+              <a:rPr lang="en-US" sz="1200" dirty="0" smtClean="0">
+                <a:latin typeface="Courier New" pitchFamily="49" charset="0"/>
+                <a:cs typeface="Courier New" pitchFamily="49" charset="0"/>
+              </a:rPr>
+              <a:t>-</a:t>
+            </a:r>
+            <a:r>
+              <a:rPr lang="en-US" sz="1200" dirty="0" err="1" smtClean="0">
+                <a:latin typeface="Courier New" pitchFamily="49" charset="0"/>
+                <a:cs typeface="Courier New" pitchFamily="49" charset="0"/>
+              </a:rPr>
+              <a:t>cssmin</a:t>
+            </a:r>
+            <a:r>
+              <a:rPr lang="en-US" sz="1200" dirty="0" smtClean="0">
+                <a:latin typeface="Courier New" pitchFamily="49" charset="0"/>
+                <a:cs typeface="Courier New" pitchFamily="49" charset="0"/>
+              </a:rPr>
+              <a:t>": "~0.7.0"  </a:t>
+            </a:r>
+          </a:p>
+          <a:p>
+            <a:pPr>
+              <a:buNone/>
+            </a:pPr>
+            <a:r>
+              <a:rPr lang="en-US" sz="1200" dirty="0" smtClean="0">
+                <a:latin typeface="Courier New" pitchFamily="49" charset="0"/>
+                <a:cs typeface="Courier New" pitchFamily="49" charset="0"/>
+              </a:rPr>
+              <a:t>}</a:t>
+            </a:r>
+          </a:p>
+          <a:p>
+            <a:endParaRPr lang="en-US" sz="1200" dirty="0" smtClean="0">
+              <a:latin typeface="Courier New" pitchFamily="49" charset="0"/>
+              <a:cs typeface="Courier New" pitchFamily="49" charset="0"/>
+            </a:endParaRPr>
+          </a:p>
+        </p:txBody>
+      </p:sp>
+      <p:sp>
+        <p:nvSpPr>
+          <p:cNvPr id="2" name="Title 1"/>
+          <p:cNvSpPr>
+            <a:spLocks noGrp="1"/>
+          </p:cNvSpPr>
+          <p:nvPr>
+            <p:ph type="title"/>
+          </p:nvPr>
+        </p:nvSpPr>
+        <p:spPr/>
+        <p:txBody>
+          <a:bodyPr/>
+          <a:lstStyle/>
+          <a:p>
+            <a:r>
+              <a:rPr lang="en-US" dirty="0" smtClean="0"/>
+              <a:t>Adding a </a:t>
+            </a:r>
+            <a:r>
+              <a:rPr lang="en-US" dirty="0" err="1" smtClean="0"/>
+              <a:t>plugin</a:t>
+            </a:r>
+            <a:r>
+              <a:rPr lang="en-US" dirty="0" smtClean="0"/>
+              <a:t> to Gruntfile.js</a:t>
+            </a:r>
+            <a:endParaRPr lang="en-US" dirty="0"/>
+          </a:p>
+        </p:txBody>
+      </p:sp>
+    </p:spTree>
+  </p:cSld>
+  <p:clrMapOvr>
+    <a:masterClrMapping/>
+  </p:clrMapOvr>
+  <p:timing>
+    <p:tnLst>
+      <p:par>
+        <p:cTn id="1" dur="indefinite" restart="never" nodeType="tmRoot"/>
+      </p:par>
+    </p:tnLst>
+  </p:timing>
+</p:sld>
+</file>
+
+<file path=ppt/slides/slide11.xml><?xml version="1.0" encoding="utf-8"?>
+<p:sld xmlns:a="http://schemas.openxmlformats.org/drawingml/2006/main" xmlns:r="http://schemas.openxmlformats.org/officeDocument/2006/relationships" xmlns:p="http://schemas.openxmlformats.org/presentationml/2006/main">
+  <p:cSld>
+    <p:spTree>
+      <p:nvGrpSpPr>
+        <p:cNvPr id="1" name=""/>
+        <p:cNvGrpSpPr/>
+        <p:nvPr/>
+      </p:nvGrpSpPr>
+      <p:grpSpPr>
+        <a:xfrm>
+          <a:off x="0" y="0"/>
+          <a:ext cx="0" cy="0"/>
+          <a:chOff x="0" y="0"/>
+          <a:chExt cx="0" cy="0"/>
+        </a:xfrm>
+      </p:grpSpPr>
+      <p:sp>
+        <p:nvSpPr>
           <p:cNvPr id="3" name="Title 2"/>
           <p:cNvSpPr>
             <a:spLocks noGrp="1"/>
@@ -9757,11 +10162,7 @@
           <a:p>
             <a:r>
               <a:rPr lang="en-US" sz="3200" dirty="0" smtClean="0"/>
-              <a:t>Simple </a:t>
-            </a:r>
-            <a:r>
-              <a:rPr lang="en-US" sz="3200" dirty="0" smtClean="0"/>
-              <a:t>GruntFile.js </a:t>
+              <a:t>Simple GruntFile.js </a:t>
             </a:r>
             <a:r>
               <a:rPr lang="en-US" sz="3200" dirty="0" err="1" smtClean="0"/>
@@ -9844,231 +10245,6 @@
 </p:sld>
 </file>
 
-<file path=ppt/slides/slide11.xml><?xml version="1.0" encoding="utf-8"?>
-<p:sld xmlns:a="http://schemas.openxmlformats.org/drawingml/2006/main" xmlns:r="http://schemas.openxmlformats.org/officeDocument/2006/relationships" xmlns:p="http://schemas.openxmlformats.org/presentationml/2006/main">
-  <p:cSld>
-    <p:spTree>
-      <p:nvGrpSpPr>
-        <p:cNvPr id="1" name=""/>
-        <p:cNvGrpSpPr/>
-        <p:nvPr/>
-      </p:nvGrpSpPr>
-      <p:grpSpPr>
-        <a:xfrm>
-          <a:off x="0" y="0"/>
-          <a:ext cx="0" cy="0"/>
-          <a:chOff x="0" y="0"/>
-          <a:chExt cx="0" cy="0"/>
-        </a:xfrm>
-      </p:grpSpPr>
-      <p:sp>
-        <p:nvSpPr>
-          <p:cNvPr id="3" name="Title 2"/>
-          <p:cNvSpPr>
-            <a:spLocks noGrp="1"/>
-          </p:cNvSpPr>
-          <p:nvPr>
-            <p:ph type="title"/>
-          </p:nvPr>
-        </p:nvSpPr>
-        <p:spPr/>
-        <p:txBody>
-          <a:bodyPr/>
-          <a:lstStyle/>
-          <a:p>
-            <a:r>
-              <a:rPr lang="en-US" dirty="0" smtClean="0"/>
-              <a:t>Custom tasks</a:t>
-            </a:r>
-            <a:endParaRPr lang="en-US" dirty="0"/>
-          </a:p>
-        </p:txBody>
-      </p:sp>
-      <p:sp>
-        <p:nvSpPr>
-          <p:cNvPr id="5" name="Content Placeholder 4"/>
-          <p:cNvSpPr>
-            <a:spLocks noGrp="1"/>
-          </p:cNvSpPr>
-          <p:nvPr>
-            <p:ph idx="1"/>
-          </p:nvPr>
-        </p:nvSpPr>
-        <p:spPr>
-          <a:xfrm>
-            <a:off x="457200" y="1481329"/>
-            <a:ext cx="8229600" cy="4233672"/>
-          </a:xfrm>
-        </p:spPr>
-        <p:txBody>
-          <a:bodyPr>
-            <a:normAutofit/>
-          </a:bodyPr>
-          <a:lstStyle/>
-          <a:p>
-            <a:r>
-              <a:rPr lang="en-US" dirty="0" smtClean="0"/>
-              <a:t>Custom project-specific tasks may be defined in external .</a:t>
-            </a:r>
-            <a:r>
-              <a:rPr lang="en-US" dirty="0" err="1" smtClean="0"/>
-              <a:t>js</a:t>
-            </a:r>
-            <a:r>
-              <a:rPr lang="en-US" dirty="0" smtClean="0"/>
-              <a:t> files and loaded via the </a:t>
-            </a:r>
-            <a:r>
-              <a:rPr lang="en-US" dirty="0" err="1" smtClean="0"/>
-              <a:t>grunt.loadTasks</a:t>
-            </a:r>
-            <a:r>
-              <a:rPr lang="en-US" dirty="0" smtClean="0"/>
-              <a:t> method.</a:t>
-            </a:r>
-          </a:p>
-          <a:p>
-            <a:r>
-              <a:rPr lang="en-US" dirty="0" smtClean="0"/>
-              <a:t>Simple tasks can be added to Gruntfile.js</a:t>
-            </a:r>
-            <a:endParaRPr lang="en-US" dirty="0"/>
-          </a:p>
-        </p:txBody>
-      </p:sp>
-      <p:sp>
-        <p:nvSpPr>
-          <p:cNvPr id="6" name="Rectangle 5"/>
-          <p:cNvSpPr/>
-          <p:nvPr/>
-        </p:nvSpPr>
-        <p:spPr>
-          <a:xfrm>
-            <a:off x="914400" y="3429000"/>
-            <a:ext cx="7696200" cy="2438400"/>
-          </a:xfrm>
-          <a:prstGeom prst="rect">
-            <a:avLst/>
-          </a:prstGeom>
-        </p:spPr>
-        <p:style>
-          <a:lnRef idx="1">
-            <a:schemeClr val="dk1"/>
-          </a:lnRef>
-          <a:fillRef idx="3">
-            <a:schemeClr val="dk1"/>
-          </a:fillRef>
-          <a:effectRef idx="2">
-            <a:schemeClr val="dk1"/>
-          </a:effectRef>
-          <a:fontRef idx="minor">
-            <a:schemeClr val="lt1"/>
-          </a:fontRef>
-        </p:style>
-        <p:txBody>
-          <a:bodyPr rtlCol="0" anchor="ctr"/>
-          <a:lstStyle/>
-          <a:p>
-            <a:r>
-              <a:rPr lang="en-US" sz="1600" dirty="0" err="1" smtClean="0">
-                <a:latin typeface="Courier New" pitchFamily="49" charset="0"/>
-                <a:cs typeface="Courier New" pitchFamily="49" charset="0"/>
-              </a:rPr>
-              <a:t>module.exports</a:t>
-            </a:r>
-            <a:r>
-              <a:rPr lang="en-US" sz="1600" dirty="0" smtClean="0">
-                <a:latin typeface="Courier New" pitchFamily="49" charset="0"/>
-                <a:cs typeface="Courier New" pitchFamily="49" charset="0"/>
-              </a:rPr>
-              <a:t> = function(grunt) { </a:t>
-            </a:r>
-          </a:p>
-          <a:p>
-            <a:r>
-              <a:rPr lang="en-US" sz="1600" dirty="0" smtClean="0">
-                <a:latin typeface="Courier New" pitchFamily="49" charset="0"/>
-                <a:cs typeface="Courier New" pitchFamily="49" charset="0"/>
-              </a:rPr>
-              <a:t>  // A very basic default task. </a:t>
-            </a:r>
-          </a:p>
-          <a:p>
-            <a:r>
-              <a:rPr lang="en-US" sz="1600" dirty="0" smtClean="0">
-                <a:latin typeface="Courier New" pitchFamily="49" charset="0"/>
-                <a:cs typeface="Courier New" pitchFamily="49" charset="0"/>
-              </a:rPr>
-              <a:t>  </a:t>
-            </a:r>
-            <a:r>
-              <a:rPr lang="en-US" sz="1600" dirty="0" err="1" smtClean="0">
-                <a:latin typeface="Courier New" pitchFamily="49" charset="0"/>
-                <a:cs typeface="Courier New" pitchFamily="49" charset="0"/>
-              </a:rPr>
-              <a:t>grunt.registerTask</a:t>
-            </a:r>
-            <a:r>
-              <a:rPr lang="en-US" sz="1600" dirty="0" smtClean="0">
-                <a:latin typeface="Courier New" pitchFamily="49" charset="0"/>
-                <a:cs typeface="Courier New" pitchFamily="49" charset="0"/>
-              </a:rPr>
-              <a:t>('default', 'Log some stuff.‘, function() { 	</a:t>
-            </a:r>
-            <a:r>
-              <a:rPr lang="en-US" sz="1600" dirty="0" err="1" smtClean="0">
-                <a:latin typeface="Courier New" pitchFamily="49" charset="0"/>
-                <a:cs typeface="Courier New" pitchFamily="49" charset="0"/>
-              </a:rPr>
-              <a:t>grunt.log.write</a:t>
-            </a:r>
-            <a:r>
-              <a:rPr lang="en-US" sz="1600" dirty="0" smtClean="0">
-                <a:latin typeface="Courier New" pitchFamily="49" charset="0"/>
-                <a:cs typeface="Courier New" pitchFamily="49" charset="0"/>
-              </a:rPr>
-              <a:t>('Logging some stuff...').ok();</a:t>
-            </a:r>
-          </a:p>
-          <a:p>
-            <a:r>
-              <a:rPr lang="en-US" sz="1600" dirty="0" smtClean="0">
-                <a:latin typeface="Courier New" pitchFamily="49" charset="0"/>
-                <a:cs typeface="Courier New" pitchFamily="49" charset="0"/>
-              </a:rPr>
-              <a:t>    });</a:t>
-            </a:r>
-          </a:p>
-          <a:p>
-            <a:r>
-              <a:rPr lang="en-US" sz="1600" dirty="0" smtClean="0">
-                <a:latin typeface="Courier New" pitchFamily="49" charset="0"/>
-                <a:cs typeface="Courier New" pitchFamily="49" charset="0"/>
-              </a:rPr>
-              <a:t>};</a:t>
-            </a:r>
-            <a:endParaRPr lang="en-US" sz="1600" dirty="0">
-              <a:latin typeface="Courier New" pitchFamily="49" charset="0"/>
-              <a:cs typeface="Courier New" pitchFamily="49" charset="0"/>
-            </a:endParaRPr>
-          </a:p>
-        </p:txBody>
-      </p:sp>
-    </p:spTree>
-  </p:cSld>
-  <p:clrMapOvr>
-    <a:masterClrMapping/>
-  </p:clrMapOvr>
-  <p:timing>
-    <p:tnLst>
-      <p:par>
-        <p:cTn id="1" dur="indefinite" restart="never" nodeType="tmRoot"/>
-      </p:par>
-    </p:tnLst>
-  </p:timing>
-</p:sld>
-</file>
-
 <file path=ppt/slides/slide12.xml><?xml version="1.0" encoding="utf-8"?>
 <p:sld xmlns:a="http://schemas.openxmlformats.org/drawingml/2006/main" xmlns:r="http://schemas.openxmlformats.org/officeDocument/2006/relationships" xmlns:p="http://schemas.openxmlformats.org/presentationml/2006/main">
   <p:cSld>
@@ -10088,90 +10264,6 @@
       </p:grpSpPr>
       <p:sp>
         <p:nvSpPr>
-          <p:cNvPr id="2" name="Content Placeholder 1"/>
-          <p:cNvSpPr>
-            <a:spLocks noGrp="1"/>
-          </p:cNvSpPr>
-          <p:nvPr>
-            <p:ph idx="1"/>
-          </p:nvPr>
-        </p:nvSpPr>
-        <p:spPr/>
-        <p:txBody>
-          <a:bodyPr>
-            <a:normAutofit/>
-          </a:bodyPr>
-          <a:lstStyle/>
-          <a:p>
-            <a:r>
-              <a:rPr lang="en-US" dirty="0" smtClean="0"/>
-              <a:t>Good community support</a:t>
-            </a:r>
-          </a:p>
-          <a:p>
-            <a:endParaRPr lang="en-US" dirty="0" smtClean="0"/>
-          </a:p>
-          <a:p>
-            <a:r>
-              <a:rPr lang="en-US" dirty="0" smtClean="0"/>
-              <a:t>Built on top on </a:t>
-            </a:r>
-            <a:r>
-              <a:rPr lang="en-US" dirty="0" err="1" smtClean="0"/>
-              <a:t>NodeJS</a:t>
-            </a:r>
-            <a:endParaRPr lang="en-US" dirty="0" smtClean="0"/>
-          </a:p>
-          <a:p>
-            <a:endParaRPr lang="en-US" dirty="0" smtClean="0"/>
-          </a:p>
-          <a:p>
-            <a:r>
-              <a:rPr lang="en-US" dirty="0" smtClean="0"/>
-              <a:t>Readily available </a:t>
-            </a:r>
-            <a:r>
-              <a:rPr lang="en-US" dirty="0" err="1" smtClean="0"/>
-              <a:t>plugins</a:t>
-            </a:r>
-            <a:r>
-              <a:rPr lang="en-US" dirty="0" smtClean="0"/>
-              <a:t> for basic tasks</a:t>
-            </a:r>
-          </a:p>
-          <a:p>
-            <a:endParaRPr lang="en-US" dirty="0" smtClean="0"/>
-          </a:p>
-          <a:p>
-            <a:r>
-              <a:rPr lang="en-US" dirty="0" smtClean="0"/>
-              <a:t>Can add custom tasks </a:t>
-            </a:r>
-          </a:p>
-          <a:p>
-            <a:endParaRPr lang="en-US" dirty="0" smtClean="0"/>
-          </a:p>
-          <a:p>
-            <a:r>
-              <a:rPr lang="en-US" b="1" dirty="0" smtClean="0"/>
-              <a:t>Can be integrated with </a:t>
-            </a:r>
-            <a:r>
-              <a:rPr lang="en-US" b="1" dirty="0" err="1" smtClean="0"/>
-              <a:t>Gradle</a:t>
-            </a:r>
-            <a:endParaRPr lang="en-US" b="1" dirty="0" smtClean="0"/>
-          </a:p>
-          <a:p>
-            <a:endParaRPr lang="en-US" dirty="0" smtClean="0"/>
-          </a:p>
-          <a:p>
-            <a:endParaRPr lang="en-US" dirty="0" smtClean="0"/>
-          </a:p>
-        </p:txBody>
-      </p:sp>
-      <p:sp>
-        <p:nvSpPr>
           <p:cNvPr id="3" name="Title 2"/>
           <p:cNvSpPr>
             <a:spLocks noGrp="1"/>
@@ -10182,17 +10274,71 @@
         </p:nvSpPr>
         <p:spPr/>
         <p:txBody>
+          <a:bodyPr>
+            <a:normAutofit/>
+          </a:bodyPr>
+          <a:lstStyle/>
+          <a:p>
+            <a:r>
+              <a:rPr lang="en-US" dirty="0" smtClean="0"/>
+              <a:t>More sample configuration</a:t>
+            </a:r>
+            <a:endParaRPr lang="en-US" dirty="0"/>
+          </a:p>
+        </p:txBody>
+      </p:sp>
+      <p:sp>
+        <p:nvSpPr>
+          <p:cNvPr id="5" name="Content Placeholder 4"/>
+          <p:cNvSpPr>
+            <a:spLocks noGrp="1"/>
+          </p:cNvSpPr>
+          <p:nvPr>
+            <p:ph idx="1"/>
+          </p:nvPr>
+        </p:nvSpPr>
+        <p:spPr/>
+        <p:txBody>
           <a:bodyPr/>
           <a:lstStyle/>
           <a:p>
-            <a:r>
-              <a:rPr lang="en-US" dirty="0" smtClean="0"/>
-              <a:t>Advantages</a:t>
-            </a:r>
-            <a:endParaRPr lang="en-US" dirty="0"/>
+            <a:endParaRPr lang="en-US"/>
           </a:p>
         </p:txBody>
       </p:sp>
+      <p:pic>
+        <p:nvPicPr>
+          <p:cNvPr id="1027" name="Picture 3"/>
+          <p:cNvPicPr>
+            <a:picLocks noChangeAspect="1" noChangeArrowheads="1"/>
+          </p:cNvPicPr>
+          <p:nvPr/>
+        </p:nvPicPr>
+        <p:blipFill>
+          <a:blip r:embed="rId2"/>
+          <a:srcRect/>
+          <a:stretch>
+            <a:fillRect/>
+          </a:stretch>
+        </p:blipFill>
+        <p:spPr bwMode="auto">
+          <a:xfrm>
+            <a:off x="0" y="1828800"/>
+            <a:ext cx="8788401" cy="4038600"/>
+          </a:xfrm>
+          <a:prstGeom prst="rect">
+            <a:avLst/>
+          </a:prstGeom>
+          <a:noFill/>
+          <a:ln w="9525">
+            <a:noFill/>
+            <a:miter lim="800000"/>
+            <a:headEnd/>
+            <a:tailEnd/>
+          </a:ln>
+          <a:effectLst/>
+        </p:spPr>
+      </p:pic>
     </p:spTree>
   </p:cSld>
   <p:clrMapOvr>
@@ -10237,62 +10383,68 @@
         </p:nvSpPr>
         <p:spPr/>
         <p:txBody>
-          <a:bodyPr/>
+          <a:bodyPr>
+            <a:normAutofit lnSpcReduction="10000"/>
+          </a:bodyPr>
           <a:lstStyle/>
           <a:p>
             <a:r>
               <a:rPr lang="en-US" dirty="0" smtClean="0"/>
-              <a:t>Mocha </a:t>
-            </a:r>
+              <a:t>Good community support</a:t>
+            </a:r>
+          </a:p>
+          <a:p>
+            <a:endParaRPr lang="en-US" dirty="0" smtClean="0"/>
+          </a:p>
+          <a:p>
             <a:r>
               <a:rPr lang="en-US" dirty="0" smtClean="0"/>
-              <a:t>[ˈ </a:t>
+              <a:t>Built on top on </a:t>
             </a:r>
             <a:r>
               <a:rPr lang="en-US" dirty="0" err="1" smtClean="0"/>
-              <a:t>mɒkə</a:t>
-            </a:r>
+              <a:t>NodeJS</a:t>
+            </a:r>
+            <a:endParaRPr lang="en-US" dirty="0" smtClean="0"/>
+          </a:p>
+          <a:p>
+            <a:endParaRPr lang="en-US" dirty="0" smtClean="0"/>
+          </a:p>
+          <a:p>
             <a:r>
               <a:rPr lang="en-US" dirty="0" smtClean="0"/>
-              <a:t>]: https://mochajs.org/</a:t>
-            </a:r>
+              <a:t>Readily available </a:t>
+            </a:r>
+            <a:r>
+              <a:rPr lang="en-US" dirty="0" err="1" smtClean="0"/>
+              <a:t>plugins</a:t>
+            </a:r>
+            <a:r>
+              <a:rPr lang="en-US" dirty="0" smtClean="0"/>
+              <a:t> for basic tasks</a:t>
+            </a:r>
+          </a:p>
+          <a:p>
             <a:endParaRPr lang="en-US" dirty="0" smtClean="0"/>
           </a:p>
           <a:p>
-            <a:pPr lvl="1"/>
             <a:r>
               <a:rPr lang="en-US" dirty="0" smtClean="0"/>
-              <a:t>Framework </a:t>
-            </a:r>
+              <a:t>Can add custom tasks </a:t>
+            </a:r>
+            <a:endParaRPr lang="en-US" dirty="0" smtClean="0"/>
+          </a:p>
+          <a:p>
+            <a:endParaRPr lang="en-US" dirty="0" smtClean="0"/>
+          </a:p>
+          <a:p>
             <a:r>
               <a:rPr lang="en-US" dirty="0" smtClean="0"/>
-              <a:t>for writing tests. </a:t>
-            </a:r>
-            <a:endParaRPr lang="en-US" dirty="0" smtClean="0"/>
-          </a:p>
-          <a:p>
-            <a:pPr lvl="1"/>
-            <a:r>
-              <a:rPr lang="en-US" dirty="0" smtClean="0"/>
-              <a:t>Install: </a:t>
+              <a:t>More </a:t>
             </a:r>
             <a:r>
               <a:rPr lang="en-US" dirty="0" err="1" smtClean="0"/>
-              <a:t>n</a:t>
-            </a:r>
-            <a:r>
-              <a:rPr lang="en-US" dirty="0" err="1" smtClean="0"/>
-              <a:t>pm</a:t>
-            </a:r>
-            <a:r>
-              <a:rPr lang="en-US" dirty="0" smtClean="0"/>
-              <a:t> install mocha –save-dev</a:t>
-            </a:r>
-          </a:p>
-          <a:p>
-            <a:r>
-              <a:rPr lang="en-US" dirty="0" err="1" smtClean="0"/>
-              <a:t>Chai</a:t>
+              <a:t>config</a:t>
             </a:r>
             <a:r>
               <a:rPr lang="en-US" dirty="0" smtClean="0"/>
@@ -10300,120 +10452,18 @@
             </a:r>
             <a:r>
               <a:rPr lang="en-US" dirty="0" smtClean="0"/>
-              <a:t>[</a:t>
-            </a:r>
-            <a:r>
-              <a:rPr lang="en-US" dirty="0" err="1" smtClean="0"/>
-              <a:t>tʃʌɪ</a:t>
-            </a:r>
-            <a:r>
-              <a:rPr lang="en-US" dirty="0" smtClean="0"/>
-              <a:t>]: http://chaijs.com/</a:t>
+              <a:t>at http://gruntjs.com/sample-gruntfile</a:t>
             </a:r>
             <a:endParaRPr lang="en-US" dirty="0" smtClean="0"/>
           </a:p>
           <a:p>
-            <a:pPr lvl="1"/>
-            <a:r>
-              <a:rPr lang="en-US" dirty="0" smtClean="0"/>
-              <a:t>BDD / TDD assertion </a:t>
-            </a:r>
-            <a:r>
-              <a:rPr lang="en-US" dirty="0" smtClean="0"/>
-              <a:t>library</a:t>
-            </a:r>
-          </a:p>
-          <a:p>
-            <a:pPr lvl="1"/>
-            <a:r>
-              <a:rPr lang="en-US" dirty="0" smtClean="0"/>
-              <a:t>An assertion </a:t>
-            </a:r>
-            <a:r>
-              <a:rPr lang="en-US" dirty="0" smtClean="0"/>
-              <a:t>library</a:t>
-            </a:r>
-          </a:p>
-          <a:p>
-            <a:pPr lvl="1"/>
-            <a:r>
-              <a:rPr lang="en-US" dirty="0" smtClean="0"/>
-              <a:t>Install: </a:t>
-            </a:r>
-            <a:r>
-              <a:rPr lang="en-US" dirty="0" err="1" smtClean="0"/>
-              <a:t>npm</a:t>
-            </a:r>
-            <a:r>
-              <a:rPr lang="en-US" dirty="0" smtClean="0"/>
-              <a:t> install </a:t>
-            </a:r>
-            <a:r>
-              <a:rPr lang="en-US" dirty="0" err="1" smtClean="0"/>
-              <a:t>chai</a:t>
-            </a:r>
-            <a:r>
-              <a:rPr lang="en-US" dirty="0" smtClean="0"/>
-              <a:t> – save-dev</a:t>
-            </a:r>
-          </a:p>
-          <a:p>
-            <a:r>
-              <a:rPr lang="en-US" dirty="0" err="1" smtClean="0"/>
-              <a:t>Sinon</a:t>
-            </a:r>
-            <a:r>
-              <a:rPr lang="en-US" dirty="0" smtClean="0"/>
-              <a:t>: </a:t>
-            </a:r>
-            <a:r>
-              <a:rPr lang="en-US" dirty="0" smtClean="0"/>
-              <a:t>http://sinonjs.com</a:t>
-            </a:r>
-          </a:p>
-          <a:p>
-            <a:pPr lvl="1"/>
-            <a:r>
-              <a:rPr lang="en-US" dirty="0" smtClean="0"/>
-              <a:t>Test </a:t>
-            </a:r>
-            <a:r>
-              <a:rPr lang="en-US" dirty="0" smtClean="0"/>
-              <a:t>spies, stubs and mocks for </a:t>
-            </a:r>
-            <a:r>
-              <a:rPr lang="en-US" dirty="0" smtClean="0"/>
-              <a:t>JavaScript</a:t>
-            </a:r>
-          </a:p>
-          <a:p>
-            <a:pPr lvl="1"/>
-            <a:r>
-              <a:rPr lang="en-US" dirty="0" smtClean="0"/>
-              <a:t>Install: </a:t>
-            </a:r>
-            <a:r>
-              <a:rPr lang="en-US" dirty="0" err="1" smtClean="0"/>
-              <a:t>npm</a:t>
-            </a:r>
-            <a:r>
-              <a:rPr lang="en-US" dirty="0" smtClean="0"/>
-              <a:t> install </a:t>
-            </a:r>
-            <a:r>
-              <a:rPr lang="en-US" dirty="0" err="1" smtClean="0"/>
-              <a:t>sinon</a:t>
-            </a:r>
-            <a:r>
-              <a:rPr lang="en-US" dirty="0" smtClean="0"/>
-              <a:t> –save-dev</a:t>
-            </a:r>
-          </a:p>
-          <a:p>
-            <a:pPr lvl="1">
-              <a:buNone/>
-            </a:pPr>
-            <a:endParaRPr lang="en-US" dirty="0"/>
+            <a:endParaRPr lang="en-US" dirty="0" smtClean="0"/>
+          </a:p>
+          <a:p>
+            <a:endParaRPr lang="en-US" dirty="0" smtClean="0"/>
+          </a:p>
+          <a:p>
+            <a:endParaRPr lang="en-US" dirty="0" smtClean="0"/>
           </a:p>
         </p:txBody>
       </p:sp>
@@ -10429,29 +10479,12 @@
         </p:nvSpPr>
         <p:spPr/>
         <p:txBody>
-          <a:bodyPr>
-            <a:normAutofit fontScale="90000"/>
-          </a:bodyPr>
+          <a:bodyPr/>
           <a:lstStyle/>
           <a:p>
             <a:r>
               <a:rPr lang="en-US" dirty="0" smtClean="0"/>
-              <a:t/>
-            </a:r>
-            <a:br>
-              <a:rPr lang="en-US" dirty="0" smtClean="0"/>
-            </a:br>
-            <a:r>
-              <a:rPr lang="en-US" dirty="0" smtClean="0"/>
-              <a:t>Part II: Unit testing for </a:t>
-            </a:r>
-            <a:r>
-              <a:rPr lang="en-US" dirty="0" err="1" smtClean="0"/>
-              <a:t>Javascript</a:t>
-            </a:r>
-            <a:r>
-              <a:rPr lang="en-US" dirty="0" smtClean="0"/>
-              <a:t>	</a:t>
+              <a:t>Advantages</a:t>
             </a:r>
             <a:endParaRPr lang="en-US" dirty="0"/>
           </a:p>
@@ -10505,53 +10538,140 @@
           <a:lstStyle/>
           <a:p>
             <a:r>
-              <a:rPr lang="en-US" dirty="0" smtClean="0">
-                <a:hlinkClick r:id="rId2"/>
-              </a:rPr>
-              <a:t>http://gruntjs.com/getting-started</a:t>
-            </a:r>
-            <a:endParaRPr lang="en-US" dirty="0" smtClean="0"/>
-          </a:p>
-          <a:p>
-            <a:r>
-              <a:rPr lang="en-US" b="1" dirty="0" smtClean="0"/>
-              <a:t>Demo </a:t>
-            </a:r>
-            <a:r>
-              <a:rPr lang="en-US" b="1" dirty="0" smtClean="0"/>
-              <a:t>app</a:t>
+              <a:rPr lang="en-US" dirty="0" smtClean="0"/>
+              <a:t>Mocha [ˈ </a:t>
+            </a:r>
+            <a:r>
+              <a:rPr lang="en-US" dirty="0" err="1" smtClean="0"/>
+              <a:t>mɒkə</a:t>
+            </a:r>
+            <a:r>
+              <a:rPr lang="en-US" dirty="0" smtClean="0"/>
+              <a:t>]: https://mochajs.org/</a:t>
             </a:r>
           </a:p>
           <a:p>
             <a:pPr lvl="1"/>
             <a:r>
-              <a:rPr lang="en-US" dirty="0" smtClean="0">
-                <a:hlinkClick r:id="rId3"/>
-              </a:rPr>
-              <a:t>https://</a:t>
-            </a:r>
-            <a:r>
-              <a:rPr lang="en-US" dirty="0" smtClean="0">
-                <a:hlinkClick r:id="rId3"/>
-              </a:rPr>
-              <a:t>github.com/jerrykid/Automation-FrontEnd-With-Gruntjs</a:t>
-            </a:r>
-            <a:endParaRPr lang="en-US" dirty="0" smtClean="0"/>
+              <a:rPr lang="en-US" dirty="0" smtClean="0"/>
+              <a:t>Framework for writing tests. </a:t>
+            </a:r>
+          </a:p>
+          <a:p>
+            <a:pPr lvl="1"/>
+            <a:r>
+              <a:rPr lang="en-US" dirty="0" smtClean="0"/>
+              <a:t>Install: </a:t>
+            </a:r>
+            <a:r>
+              <a:rPr lang="en-US" dirty="0" err="1" smtClean="0"/>
+              <a:t>npm</a:t>
+            </a:r>
+            <a:r>
+              <a:rPr lang="en-US" dirty="0" smtClean="0"/>
+              <a:t> install mocha –save-dev</a:t>
+            </a:r>
+          </a:p>
+          <a:p>
+            <a:r>
+              <a:rPr lang="en-US" dirty="0" err="1" smtClean="0"/>
+              <a:t>Chai</a:t>
+            </a:r>
+            <a:r>
+              <a:rPr lang="en-US" dirty="0" smtClean="0"/>
+              <a:t> [</a:t>
+            </a:r>
+            <a:r>
+              <a:rPr lang="en-US" dirty="0" err="1" smtClean="0"/>
+              <a:t>tʃʌɪ</a:t>
+            </a:r>
+            <a:r>
+              <a:rPr lang="en-US" dirty="0" smtClean="0"/>
+              <a:t>]: http://chaijs.com/</a:t>
+            </a:r>
+          </a:p>
+          <a:p>
+            <a:pPr lvl="1"/>
+            <a:r>
+              <a:rPr lang="en-US" dirty="0" smtClean="0"/>
+              <a:t>BDD / TDD assertion library</a:t>
+            </a:r>
+          </a:p>
+          <a:p>
+            <a:pPr lvl="1"/>
+            <a:r>
+              <a:rPr lang="en-US" dirty="0" smtClean="0"/>
+              <a:t>An assertion library</a:t>
+            </a:r>
+          </a:p>
+          <a:p>
+            <a:pPr lvl="1"/>
+            <a:r>
+              <a:rPr lang="en-US" dirty="0" smtClean="0"/>
+              <a:t>Install: </a:t>
+            </a:r>
+            <a:r>
+              <a:rPr lang="en-US" dirty="0" err="1" smtClean="0"/>
+              <a:t>npm</a:t>
+            </a:r>
+            <a:r>
+              <a:rPr lang="en-US" dirty="0" smtClean="0"/>
+              <a:t> install </a:t>
+            </a:r>
+            <a:r>
+              <a:rPr lang="en-US" dirty="0" err="1" smtClean="0"/>
+              <a:t>chai</a:t>
+            </a:r>
+            <a:r>
+              <a:rPr lang="en-US" dirty="0" smtClean="0"/>
+              <a:t> – save-dev</a:t>
+            </a:r>
+          </a:p>
+          <a:p>
+            <a:r>
+              <a:rPr lang="en-US" dirty="0" err="1" smtClean="0"/>
+              <a:t>Sinon</a:t>
+            </a:r>
+            <a:r>
+              <a:rPr lang="en-US" dirty="0" smtClean="0"/>
+              <a:t>: http://sinonjs.com</a:t>
+            </a:r>
+          </a:p>
+          <a:p>
+            <a:pPr lvl="1"/>
+            <a:r>
+              <a:rPr lang="en-US" dirty="0" smtClean="0"/>
+              <a:t>Test spies, stubs and mocks for JavaScript</a:t>
+            </a:r>
+          </a:p>
+          <a:p>
+            <a:pPr lvl="1"/>
+            <a:r>
+              <a:rPr lang="en-US" dirty="0" smtClean="0"/>
+              <a:t>Install: </a:t>
+            </a:r>
+            <a:r>
+              <a:rPr lang="en-US" dirty="0" err="1" smtClean="0"/>
+              <a:t>npm</a:t>
+            </a:r>
+            <a:r>
+              <a:rPr lang="en-US" dirty="0" smtClean="0"/>
+              <a:t> install </a:t>
+            </a:r>
+            <a:r>
+              <a:rPr lang="en-US" dirty="0" err="1" smtClean="0"/>
+              <a:t>sinon</a:t>
+            </a:r>
+            <a:r>
+              <a:rPr lang="en-US" dirty="0" smtClean="0"/>
+              <a:t> –save-dev</a:t>
+            </a:r>
           </a:p>
           <a:p>
             <a:pPr lvl="1">
               <a:buNone/>
             </a:pPr>
-            <a:endParaRPr lang="en-US" dirty="0" smtClean="0"/>
-          </a:p>
-          <a:p>
-            <a:pPr>
-              <a:buNone/>
-            </a:pPr>
-            <a:endParaRPr lang="en-US" dirty="0" smtClean="0"/>
-          </a:p>
-          <a:p>
-            <a:endParaRPr lang="en-US" dirty="0" smtClean="0"/>
+            <a:endParaRPr lang="en-US" dirty="0"/>
           </a:p>
         </p:txBody>
       </p:sp>
@@ -10568,13 +10688,20 @@
         <p:spPr/>
         <p:txBody>
           <a:bodyPr>
-            <a:normAutofit/>
+            <a:normAutofit fontScale="90000"/>
           </a:bodyPr>
           <a:lstStyle/>
           <a:p>
             <a:r>
               <a:rPr lang="en-US" dirty="0" smtClean="0"/>
-              <a:t>References</a:t>
+              <a:t/>
+            </a:r>
+            <a:br>
+              <a:rPr lang="en-US" dirty="0" smtClean="0"/>
+            </a:br>
+            <a:r>
+              <a:rPr lang="en-US" dirty="0" smtClean="0"/>
+              <a:t>Part II: Unit testing with Grunt	</a:t>
             </a:r>
             <a:endParaRPr lang="en-US" dirty="0"/>
           </a:p>
@@ -10592,6 +10719,387 @@
       </p:par>
     </p:tnLst>
   </p:timing>
+</p:sld>
+</file>
+
+<file path=ppt/slides/slide15.xml><?xml version="1.0" encoding="utf-8"?>
+<p:sld xmlns:a="http://schemas.openxmlformats.org/drawingml/2006/main" xmlns:r="http://schemas.openxmlformats.org/officeDocument/2006/relationships" xmlns:p="http://schemas.openxmlformats.org/presentationml/2006/main">
+  <p:cSld>
+    <p:spTree>
+      <p:nvGrpSpPr>
+        <p:cNvPr id="1" name=""/>
+        <p:cNvGrpSpPr/>
+        <p:nvPr/>
+      </p:nvGrpSpPr>
+      <p:grpSpPr>
+        <a:xfrm>
+          <a:off x="0" y="0"/>
+          <a:ext cx="0" cy="0"/>
+          <a:chOff x="0" y="0"/>
+          <a:chExt cx="0" cy="0"/>
+        </a:xfrm>
+      </p:grpSpPr>
+      <p:sp>
+        <p:nvSpPr>
+          <p:cNvPr id="2" name="Content Placeholder 1"/>
+          <p:cNvSpPr>
+            <a:spLocks noGrp="1"/>
+          </p:cNvSpPr>
+          <p:nvPr>
+            <p:ph idx="1"/>
+          </p:nvPr>
+        </p:nvSpPr>
+        <p:spPr/>
+        <p:txBody>
+          <a:bodyPr/>
+          <a:lstStyle/>
+          <a:p>
+            <a:r>
+              <a:rPr lang="en-US" dirty="0" smtClean="0"/>
+              <a:t>Demo run under Grunt</a:t>
+            </a:r>
+            <a:endParaRPr lang="en-US" dirty="0"/>
+          </a:p>
+        </p:txBody>
+      </p:sp>
+      <p:sp>
+        <p:nvSpPr>
+          <p:cNvPr id="3" name="Title 2"/>
+          <p:cNvSpPr>
+            <a:spLocks noGrp="1"/>
+          </p:cNvSpPr>
+          <p:nvPr>
+            <p:ph type="title"/>
+          </p:nvPr>
+        </p:nvSpPr>
+        <p:spPr/>
+        <p:txBody>
+          <a:bodyPr>
+            <a:normAutofit/>
+          </a:bodyPr>
+          <a:lstStyle/>
+          <a:p>
+            <a:r>
+              <a:rPr lang="en-US" dirty="0" smtClean="0"/>
+              <a:t>Mocha:  </a:t>
+            </a:r>
+            <a:r>
+              <a:rPr lang="en-US" dirty="0" smtClean="0"/>
+              <a:t>Test </a:t>
+            </a:r>
+            <a:r>
+              <a:rPr lang="en-US" dirty="0" smtClean="0"/>
+              <a:t>framework</a:t>
+            </a:r>
+            <a:endParaRPr lang="en-US" dirty="0"/>
+          </a:p>
+        </p:txBody>
+      </p:sp>
+    </p:spTree>
+  </p:cSld>
+  <p:clrMapOvr>
+    <a:masterClrMapping/>
+  </p:clrMapOvr>
+</p:sld>
+</file>
+
+<file path=ppt/slides/slide16.xml><?xml version="1.0" encoding="utf-8"?>
+<p:sld xmlns:a="http://schemas.openxmlformats.org/drawingml/2006/main" xmlns:r="http://schemas.openxmlformats.org/officeDocument/2006/relationships" xmlns:p="http://schemas.openxmlformats.org/presentationml/2006/main">
+  <p:cSld>
+    <p:spTree>
+      <p:nvGrpSpPr>
+        <p:cNvPr id="1" name=""/>
+        <p:cNvGrpSpPr/>
+        <p:nvPr/>
+      </p:nvGrpSpPr>
+      <p:grpSpPr>
+        <a:xfrm>
+          <a:off x="0" y="0"/>
+          <a:ext cx="0" cy="0"/>
+          <a:chOff x="0" y="0"/>
+          <a:chExt cx="0" cy="0"/>
+        </a:xfrm>
+      </p:grpSpPr>
+      <p:sp>
+        <p:nvSpPr>
+          <p:cNvPr id="2" name="Content Placeholder 1"/>
+          <p:cNvSpPr>
+            <a:spLocks noGrp="1"/>
+          </p:cNvSpPr>
+          <p:nvPr>
+            <p:ph idx="1"/>
+          </p:nvPr>
+        </p:nvSpPr>
+        <p:spPr/>
+        <p:txBody>
+          <a:bodyPr/>
+          <a:lstStyle/>
+          <a:p>
+            <a:endParaRPr lang="en-US" dirty="0"/>
+          </a:p>
+        </p:txBody>
+      </p:sp>
+      <p:sp>
+        <p:nvSpPr>
+          <p:cNvPr id="3" name="Title 2"/>
+          <p:cNvSpPr>
+            <a:spLocks noGrp="1"/>
+          </p:cNvSpPr>
+          <p:nvPr>
+            <p:ph type="title"/>
+          </p:nvPr>
+        </p:nvSpPr>
+        <p:spPr/>
+        <p:txBody>
+          <a:bodyPr>
+            <a:normAutofit/>
+          </a:bodyPr>
+          <a:lstStyle/>
+          <a:p>
+            <a:r>
+              <a:rPr lang="en-US" dirty="0" smtClean="0"/>
+              <a:t>Mocha: </a:t>
+            </a:r>
+            <a:r>
+              <a:rPr lang="en-US" dirty="0" smtClean="0"/>
+              <a:t>Working </a:t>
+            </a:r>
+            <a:r>
+              <a:rPr lang="en-US" dirty="0" smtClean="0"/>
+              <a:t>with </a:t>
+            </a:r>
+            <a:r>
+              <a:rPr lang="en-US" dirty="0" smtClean="0"/>
+              <a:t>Chutzpah</a:t>
+            </a:r>
+            <a:endParaRPr lang="en-US" dirty="0"/>
+          </a:p>
+        </p:txBody>
+      </p:sp>
+    </p:spTree>
+  </p:cSld>
+  <p:clrMapOvr>
+    <a:masterClrMapping/>
+  </p:clrMapOvr>
+</p:sld>
+</file>
+
+<file path=ppt/slides/slide17.xml><?xml version="1.0" encoding="utf-8"?>
+<p:sld xmlns:a="http://schemas.openxmlformats.org/drawingml/2006/main" xmlns:r="http://schemas.openxmlformats.org/officeDocument/2006/relationships" xmlns:p="http://schemas.openxmlformats.org/presentationml/2006/main">
+  <p:cSld>
+    <p:spTree>
+      <p:nvGrpSpPr>
+        <p:cNvPr id="1" name=""/>
+        <p:cNvGrpSpPr/>
+        <p:nvPr/>
+      </p:nvGrpSpPr>
+      <p:grpSpPr>
+        <a:xfrm>
+          <a:off x="0" y="0"/>
+          <a:ext cx="0" cy="0"/>
+          <a:chOff x="0" y="0"/>
+          <a:chExt cx="0" cy="0"/>
+        </a:xfrm>
+      </p:grpSpPr>
+      <p:sp>
+        <p:nvSpPr>
+          <p:cNvPr id="2" name="Content Placeholder 1"/>
+          <p:cNvSpPr>
+            <a:spLocks noGrp="1"/>
+          </p:cNvSpPr>
+          <p:nvPr>
+            <p:ph idx="1"/>
+          </p:nvPr>
+        </p:nvSpPr>
+        <p:spPr/>
+        <p:txBody>
+          <a:bodyPr/>
+          <a:lstStyle/>
+          <a:p>
+            <a:endParaRPr lang="en-US"/>
+          </a:p>
+        </p:txBody>
+      </p:sp>
+      <p:sp>
+        <p:nvSpPr>
+          <p:cNvPr id="3" name="Title 2"/>
+          <p:cNvSpPr>
+            <a:spLocks noGrp="1"/>
+          </p:cNvSpPr>
+          <p:nvPr>
+            <p:ph type="title"/>
+          </p:nvPr>
+        </p:nvSpPr>
+        <p:spPr/>
+        <p:txBody>
+          <a:bodyPr>
+            <a:normAutofit/>
+          </a:bodyPr>
+          <a:lstStyle/>
+          <a:p>
+            <a:r>
+              <a:rPr lang="en-US" dirty="0" smtClean="0"/>
+              <a:t>Mocha: </a:t>
+            </a:r>
+            <a:r>
+              <a:rPr lang="en-US" dirty="0" smtClean="0"/>
+              <a:t>Run </a:t>
+            </a:r>
+            <a:r>
+              <a:rPr lang="en-US" dirty="0" smtClean="0"/>
+              <a:t>under Mocha </a:t>
+            </a:r>
+            <a:r>
+              <a:rPr lang="en-US" dirty="0" err="1" smtClean="0"/>
+              <a:t>cli</a:t>
+            </a:r>
+            <a:endParaRPr lang="en-US" dirty="0"/>
+          </a:p>
+        </p:txBody>
+      </p:sp>
+    </p:spTree>
+  </p:cSld>
+  <p:clrMapOvr>
+    <a:masterClrMapping/>
+  </p:clrMapOvr>
+</p:sld>
+</file>
+
+<file path=ppt/slides/slide18.xml><?xml version="1.0" encoding="utf-8"?>
+<p:sld xmlns:a="http://schemas.openxmlformats.org/drawingml/2006/main" xmlns:r="http://schemas.openxmlformats.org/officeDocument/2006/relationships" xmlns:p="http://schemas.openxmlformats.org/presentationml/2006/main">
+  <p:cSld>
+    <p:spTree>
+      <p:nvGrpSpPr>
+        <p:cNvPr id="1" name=""/>
+        <p:cNvGrpSpPr/>
+        <p:nvPr/>
+      </p:nvGrpSpPr>
+      <p:grpSpPr>
+        <a:xfrm>
+          <a:off x="0" y="0"/>
+          <a:ext cx="0" cy="0"/>
+          <a:chOff x="0" y="0"/>
+          <a:chExt cx="0" cy="0"/>
+        </a:xfrm>
+      </p:grpSpPr>
+      <p:sp>
+        <p:nvSpPr>
+          <p:cNvPr id="2" name="Content Placeholder 1"/>
+          <p:cNvSpPr>
+            <a:spLocks noGrp="1"/>
+          </p:cNvSpPr>
+          <p:nvPr>
+            <p:ph idx="1"/>
+          </p:nvPr>
+        </p:nvSpPr>
+        <p:spPr/>
+        <p:txBody>
+          <a:bodyPr/>
+          <a:lstStyle/>
+          <a:p>
+            <a:endParaRPr lang="en-US" dirty="0"/>
+          </a:p>
+        </p:txBody>
+      </p:sp>
+      <p:sp>
+        <p:nvSpPr>
+          <p:cNvPr id="3" name="Title 2"/>
+          <p:cNvSpPr>
+            <a:spLocks noGrp="1"/>
+          </p:cNvSpPr>
+          <p:nvPr>
+            <p:ph type="title"/>
+          </p:nvPr>
+        </p:nvSpPr>
+        <p:spPr/>
+        <p:txBody>
+          <a:bodyPr/>
+          <a:lstStyle/>
+          <a:p>
+            <a:r>
+              <a:rPr lang="en-US" dirty="0" smtClean="0"/>
+              <a:t>Mocha: run under Grunt</a:t>
+            </a:r>
+            <a:endParaRPr lang="en-US" dirty="0"/>
+          </a:p>
+        </p:txBody>
+      </p:sp>
+    </p:spTree>
+  </p:cSld>
+  <p:clrMapOvr>
+    <a:masterClrMapping/>
+  </p:clrMapOvr>
+</p:sld>
+</file>
+
+<file path=ppt/slides/slide19.xml><?xml version="1.0" encoding="utf-8"?>
+<p:sld xmlns:a="http://schemas.openxmlformats.org/drawingml/2006/main" xmlns:r="http://schemas.openxmlformats.org/officeDocument/2006/relationships" xmlns:p="http://schemas.openxmlformats.org/presentationml/2006/main">
+  <p:cSld>
+    <p:spTree>
+      <p:nvGrpSpPr>
+        <p:cNvPr id="1" name=""/>
+        <p:cNvGrpSpPr/>
+        <p:nvPr/>
+      </p:nvGrpSpPr>
+      <p:grpSpPr>
+        <a:xfrm>
+          <a:off x="0" y="0"/>
+          <a:ext cx="0" cy="0"/>
+          <a:chOff x="0" y="0"/>
+          <a:chExt cx="0" cy="0"/>
+        </a:xfrm>
+      </p:grpSpPr>
+      <p:sp>
+        <p:nvSpPr>
+          <p:cNvPr id="2" name="Content Placeholder 1"/>
+          <p:cNvSpPr>
+            <a:spLocks noGrp="1"/>
+          </p:cNvSpPr>
+          <p:nvPr>
+            <p:ph idx="1"/>
+          </p:nvPr>
+        </p:nvSpPr>
+        <p:spPr/>
+        <p:txBody>
+          <a:bodyPr/>
+          <a:lstStyle/>
+          <a:p>
+            <a:endParaRPr lang="en-US" dirty="0"/>
+          </a:p>
+        </p:txBody>
+      </p:sp>
+      <p:sp>
+        <p:nvSpPr>
+          <p:cNvPr id="3" name="Title 2"/>
+          <p:cNvSpPr>
+            <a:spLocks noGrp="1"/>
+          </p:cNvSpPr>
+          <p:nvPr>
+            <p:ph type="title"/>
+          </p:nvPr>
+        </p:nvSpPr>
+        <p:spPr/>
+        <p:txBody>
+          <a:bodyPr/>
+          <a:lstStyle/>
+          <a:p>
+            <a:r>
+              <a:rPr lang="en-US" dirty="0" smtClean="0"/>
+              <a:t>Mocha: </a:t>
+            </a:r>
+            <a:r>
+              <a:rPr lang="en-US" dirty="0" smtClean="0"/>
+              <a:t>Test coverage</a:t>
+            </a:r>
+            <a:endParaRPr lang="en-US" dirty="0"/>
+          </a:p>
+        </p:txBody>
+      </p:sp>
+    </p:spTree>
+  </p:cSld>
+  <p:clrMapOvr>
+    <a:masterClrMapping/>
+  </p:clrMapOvr>
 </p:sld>
 </file>
 
@@ -10614,6 +11122,92 @@
       </p:grpSpPr>
       <p:sp>
         <p:nvSpPr>
+          <p:cNvPr id="2" name="Content Placeholder 1"/>
+          <p:cNvSpPr>
+            <a:spLocks noGrp="1"/>
+          </p:cNvSpPr>
+          <p:nvPr>
+            <p:ph idx="1"/>
+          </p:nvPr>
+        </p:nvSpPr>
+        <p:spPr/>
+        <p:txBody>
+          <a:bodyPr/>
+          <a:lstStyle/>
+          <a:p>
+            <a:r>
+              <a:rPr lang="en-US" dirty="0" smtClean="0"/>
+              <a:t>Part I: </a:t>
+            </a:r>
+            <a:r>
+              <a:rPr lang="en-US" dirty="0" smtClean="0"/>
+              <a:t>What is</a:t>
+            </a:r>
+            <a:r>
+              <a:rPr lang="en-US" dirty="0" smtClean="0"/>
+              <a:t> grunt ?</a:t>
+            </a:r>
+            <a:endParaRPr lang="en-US" dirty="0" smtClean="0"/>
+          </a:p>
+          <a:p>
+            <a:pPr lvl="1"/>
+            <a:r>
+              <a:rPr lang="en-US" dirty="0" smtClean="0"/>
+              <a:t>Frontend development tasks</a:t>
+            </a:r>
+          </a:p>
+          <a:p>
+            <a:pPr lvl="1"/>
+            <a:r>
+              <a:rPr lang="en-US" dirty="0" smtClean="0"/>
+              <a:t>Configuration Common plug-in of grunt</a:t>
+            </a:r>
+          </a:p>
+          <a:p>
+            <a:r>
+              <a:rPr lang="en-US" dirty="0" smtClean="0"/>
+              <a:t>Part II: Unit testing with </a:t>
+            </a:r>
+            <a:r>
+              <a:rPr lang="en-US" dirty="0" smtClean="0"/>
+              <a:t>grunt</a:t>
+            </a:r>
+            <a:endParaRPr lang="en-US" dirty="0" smtClean="0"/>
+          </a:p>
+          <a:p>
+            <a:pPr lvl="1"/>
+            <a:r>
+              <a:rPr lang="en-US" dirty="0" smtClean="0"/>
+              <a:t>Mocha: unit testing framework</a:t>
+            </a:r>
+          </a:p>
+          <a:p>
+            <a:pPr lvl="1"/>
+            <a:r>
+              <a:rPr lang="en-US" dirty="0" err="1" smtClean="0"/>
+              <a:t>Chai</a:t>
+            </a:r>
+            <a:r>
+              <a:rPr lang="en-US" dirty="0" smtClean="0"/>
+              <a:t>: assert library</a:t>
+            </a:r>
+          </a:p>
+          <a:p>
+            <a:pPr lvl="1"/>
+            <a:r>
+              <a:rPr lang="en-US" dirty="0" err="1" smtClean="0"/>
+              <a:t>Sinon</a:t>
+            </a:r>
+            <a:r>
+              <a:rPr lang="en-US" dirty="0" smtClean="0"/>
+              <a:t>: Spy, Stub, Mock library </a:t>
+            </a:r>
+            <a:endParaRPr lang="en-US" dirty="0"/>
+          </a:p>
+        </p:txBody>
+      </p:sp>
+      <p:sp>
+        <p:nvSpPr>
           <p:cNvPr id="3" name="Title 2"/>
           <p:cNvSpPr>
             <a:spLocks noGrp="1"/>
@@ -10627,14 +11221,569 @@
           <a:bodyPr/>
           <a:lstStyle/>
           <a:p>
+            <a:r>
+              <a:rPr lang="en-US" dirty="0" smtClean="0"/>
+              <a:t>Agenda		</a:t>
+            </a:r>
+            <a:endParaRPr lang="en-US" dirty="0"/>
+          </a:p>
+        </p:txBody>
+      </p:sp>
+    </p:spTree>
+  </p:cSld>
+  <p:clrMapOvr>
+    <a:masterClrMapping/>
+  </p:clrMapOvr>
+  <p:timing>
+    <p:tnLst>
+      <p:par>
+        <p:cTn id="1" dur="indefinite" restart="never" nodeType="tmRoot"/>
+      </p:par>
+    </p:tnLst>
+  </p:timing>
+</p:sld>
+</file>
+
+<file path=ppt/slides/slide20.xml><?xml version="1.0" encoding="utf-8"?>
+<p:sld xmlns:a="http://schemas.openxmlformats.org/drawingml/2006/main" xmlns:r="http://schemas.openxmlformats.org/officeDocument/2006/relationships" xmlns:p="http://schemas.openxmlformats.org/presentationml/2006/main">
+  <p:cSld>
+    <p:spTree>
+      <p:nvGrpSpPr>
+        <p:cNvPr id="1" name=""/>
+        <p:cNvGrpSpPr/>
+        <p:nvPr/>
+      </p:nvGrpSpPr>
+      <p:grpSpPr>
+        <a:xfrm>
+          <a:off x="0" y="0"/>
+          <a:ext cx="0" cy="0"/>
+          <a:chOff x="0" y="0"/>
+          <a:chExt cx="0" cy="0"/>
+        </a:xfrm>
+      </p:grpSpPr>
+      <p:sp>
+        <p:nvSpPr>
+          <p:cNvPr id="2" name="Content Placeholder 1"/>
+          <p:cNvSpPr>
+            <a:spLocks noGrp="1"/>
+          </p:cNvSpPr>
+          <p:nvPr>
+            <p:ph idx="1"/>
+          </p:nvPr>
+        </p:nvSpPr>
+        <p:spPr/>
+        <p:txBody>
+          <a:bodyPr/>
+          <a:lstStyle/>
+          <a:p>
+            <a:endParaRPr lang="en-US" dirty="0"/>
+          </a:p>
+        </p:txBody>
+      </p:sp>
+      <p:sp>
+        <p:nvSpPr>
+          <p:cNvPr id="3" name="Title 2"/>
+          <p:cNvSpPr>
+            <a:spLocks noGrp="1"/>
+          </p:cNvSpPr>
+          <p:nvPr>
+            <p:ph type="title"/>
+          </p:nvPr>
+        </p:nvSpPr>
+        <p:spPr/>
+        <p:txBody>
+          <a:bodyPr/>
+          <a:lstStyle/>
+          <a:p>
+            <a:r>
+              <a:rPr lang="en-US" dirty="0" err="1" smtClean="0"/>
+              <a:t>Chai</a:t>
+            </a:r>
+            <a:r>
+              <a:rPr lang="en-US" dirty="0" smtClean="0"/>
+              <a:t>: assert library</a:t>
+            </a:r>
+            <a:endParaRPr lang="en-US" dirty="0"/>
+          </a:p>
+        </p:txBody>
+      </p:sp>
+    </p:spTree>
+  </p:cSld>
+  <p:clrMapOvr>
+    <a:masterClrMapping/>
+  </p:clrMapOvr>
+</p:sld>
+</file>
+
+<file path=ppt/slides/slide21.xml><?xml version="1.0" encoding="utf-8"?>
+<p:sld xmlns:a="http://schemas.openxmlformats.org/drawingml/2006/main" xmlns:r="http://schemas.openxmlformats.org/officeDocument/2006/relationships" xmlns:p="http://schemas.openxmlformats.org/presentationml/2006/main">
+  <p:cSld>
+    <p:spTree>
+      <p:nvGrpSpPr>
+        <p:cNvPr id="1" name=""/>
+        <p:cNvGrpSpPr/>
+        <p:nvPr/>
+      </p:nvGrpSpPr>
+      <p:grpSpPr>
+        <a:xfrm>
+          <a:off x="0" y="0"/>
+          <a:ext cx="0" cy="0"/>
+          <a:chOff x="0" y="0"/>
+          <a:chExt cx="0" cy="0"/>
+        </a:xfrm>
+      </p:grpSpPr>
+      <p:sp>
+        <p:nvSpPr>
+          <p:cNvPr id="2" name="Content Placeholder 1"/>
+          <p:cNvSpPr>
+            <a:spLocks noGrp="1"/>
+          </p:cNvSpPr>
+          <p:nvPr>
+            <p:ph idx="1"/>
+          </p:nvPr>
+        </p:nvSpPr>
+        <p:spPr/>
+        <p:txBody>
+          <a:bodyPr/>
+          <a:lstStyle/>
+          <a:p>
+            <a:endParaRPr lang="en-US"/>
+          </a:p>
+        </p:txBody>
+      </p:sp>
+      <p:sp>
+        <p:nvSpPr>
+          <p:cNvPr id="3" name="Title 2"/>
+          <p:cNvSpPr>
+            <a:spLocks noGrp="1"/>
+          </p:cNvSpPr>
+          <p:nvPr>
+            <p:ph type="title"/>
+          </p:nvPr>
+        </p:nvSpPr>
+        <p:spPr/>
+        <p:txBody>
+          <a:bodyPr/>
+          <a:lstStyle/>
+          <a:p>
+            <a:r>
+              <a:rPr lang="en-US" dirty="0" err="1" smtClean="0"/>
+              <a:t>Chai</a:t>
+            </a:r>
+            <a:r>
+              <a:rPr lang="en-US" dirty="0" smtClean="0"/>
+              <a:t>: </a:t>
+            </a:r>
+            <a:r>
+              <a:rPr lang="en-US" dirty="0" smtClean="0"/>
+              <a:t>Web driver</a:t>
+            </a:r>
+            <a:endParaRPr lang="en-US" dirty="0"/>
+          </a:p>
+        </p:txBody>
+      </p:sp>
+    </p:spTree>
+  </p:cSld>
+  <p:clrMapOvr>
+    <a:masterClrMapping/>
+  </p:clrMapOvr>
+</p:sld>
+</file>
+
+<file path=ppt/slides/slide22.xml><?xml version="1.0" encoding="utf-8"?>
+<p:sld xmlns:a="http://schemas.openxmlformats.org/drawingml/2006/main" xmlns:r="http://schemas.openxmlformats.org/officeDocument/2006/relationships" xmlns:p="http://schemas.openxmlformats.org/presentationml/2006/main">
+  <p:cSld>
+    <p:spTree>
+      <p:nvGrpSpPr>
+        <p:cNvPr id="1" name=""/>
+        <p:cNvGrpSpPr/>
+        <p:nvPr/>
+      </p:nvGrpSpPr>
+      <p:grpSpPr>
+        <a:xfrm>
+          <a:off x="0" y="0"/>
+          <a:ext cx="0" cy="0"/>
+          <a:chOff x="0" y="0"/>
+          <a:chExt cx="0" cy="0"/>
+        </a:xfrm>
+      </p:grpSpPr>
+      <p:sp>
+        <p:nvSpPr>
+          <p:cNvPr id="2" name="Content Placeholder 1"/>
+          <p:cNvSpPr>
+            <a:spLocks noGrp="1"/>
+          </p:cNvSpPr>
+          <p:nvPr>
+            <p:ph idx="1"/>
+          </p:nvPr>
+        </p:nvSpPr>
+        <p:spPr/>
+        <p:txBody>
+          <a:bodyPr/>
+          <a:lstStyle/>
+          <a:p>
+            <a:endParaRPr lang="en-US" dirty="0"/>
+          </a:p>
+        </p:txBody>
+      </p:sp>
+      <p:sp>
+        <p:nvSpPr>
+          <p:cNvPr id="3" name="Title 2"/>
+          <p:cNvSpPr>
+            <a:spLocks noGrp="1"/>
+          </p:cNvSpPr>
+          <p:nvPr>
+            <p:ph type="title"/>
+          </p:nvPr>
+        </p:nvSpPr>
+        <p:spPr/>
+        <p:txBody>
+          <a:bodyPr/>
+          <a:lstStyle/>
+          <a:p>
+            <a:r>
+              <a:rPr lang="en-US" dirty="0" err="1" smtClean="0"/>
+              <a:t>Sinon</a:t>
+            </a:r>
+            <a:r>
+              <a:rPr lang="en-US" dirty="0" smtClean="0"/>
+              <a:t> with test spies</a:t>
+            </a:r>
+            <a:endParaRPr lang="en-US" dirty="0"/>
+          </a:p>
+        </p:txBody>
+      </p:sp>
+    </p:spTree>
+  </p:cSld>
+  <p:clrMapOvr>
+    <a:masterClrMapping/>
+  </p:clrMapOvr>
+</p:sld>
+</file>
+
+<file path=ppt/slides/slide23.xml><?xml version="1.0" encoding="utf-8"?>
+<p:sld xmlns:a="http://schemas.openxmlformats.org/drawingml/2006/main" xmlns:r="http://schemas.openxmlformats.org/officeDocument/2006/relationships" xmlns:p="http://schemas.openxmlformats.org/presentationml/2006/main">
+  <p:cSld>
+    <p:spTree>
+      <p:nvGrpSpPr>
+        <p:cNvPr id="1" name=""/>
+        <p:cNvGrpSpPr/>
+        <p:nvPr/>
+      </p:nvGrpSpPr>
+      <p:grpSpPr>
+        <a:xfrm>
+          <a:off x="0" y="0"/>
+          <a:ext cx="0" cy="0"/>
+          <a:chOff x="0" y="0"/>
+          <a:chExt cx="0" cy="0"/>
+        </a:xfrm>
+      </p:grpSpPr>
+      <p:sp>
+        <p:nvSpPr>
+          <p:cNvPr id="2" name="Content Placeholder 1"/>
+          <p:cNvSpPr>
+            <a:spLocks noGrp="1"/>
+          </p:cNvSpPr>
+          <p:nvPr>
+            <p:ph idx="1"/>
+          </p:nvPr>
+        </p:nvSpPr>
+        <p:spPr/>
+        <p:txBody>
+          <a:bodyPr/>
+          <a:lstStyle/>
+          <a:p>
+            <a:endParaRPr lang="en-US"/>
+          </a:p>
+        </p:txBody>
+      </p:sp>
+      <p:sp>
+        <p:nvSpPr>
+          <p:cNvPr id="3" name="Title 2"/>
+          <p:cNvSpPr>
+            <a:spLocks noGrp="1"/>
+          </p:cNvSpPr>
+          <p:nvPr>
+            <p:ph type="title"/>
+          </p:nvPr>
+        </p:nvSpPr>
+        <p:spPr/>
+        <p:txBody>
+          <a:bodyPr/>
+          <a:lstStyle/>
+          <a:p>
+            <a:r>
+              <a:rPr lang="en-US" dirty="0" err="1" smtClean="0"/>
+              <a:t>Sinon</a:t>
+            </a:r>
+            <a:r>
+              <a:rPr lang="en-US" dirty="0" smtClean="0"/>
+              <a:t> with </a:t>
+            </a:r>
+            <a:r>
+              <a:rPr lang="en-US" dirty="0" smtClean="0"/>
+              <a:t>stubs</a:t>
+            </a:r>
+            <a:endParaRPr lang="en-US" dirty="0"/>
+          </a:p>
+        </p:txBody>
+      </p:sp>
+    </p:spTree>
+  </p:cSld>
+  <p:clrMapOvr>
+    <a:masterClrMapping/>
+  </p:clrMapOvr>
+</p:sld>
+</file>
+
+<file path=ppt/slides/slide24.xml><?xml version="1.0" encoding="utf-8"?>
+<p:sld xmlns:a="http://schemas.openxmlformats.org/drawingml/2006/main" xmlns:r="http://schemas.openxmlformats.org/officeDocument/2006/relationships" xmlns:p="http://schemas.openxmlformats.org/presentationml/2006/main">
+  <p:cSld>
+    <p:spTree>
+      <p:nvGrpSpPr>
+        <p:cNvPr id="1" name=""/>
+        <p:cNvGrpSpPr/>
+        <p:nvPr/>
+      </p:nvGrpSpPr>
+      <p:grpSpPr>
+        <a:xfrm>
+          <a:off x="0" y="0"/>
+          <a:ext cx="0" cy="0"/>
+          <a:chOff x="0" y="0"/>
+          <a:chExt cx="0" cy="0"/>
+        </a:xfrm>
+      </p:grpSpPr>
+      <p:sp>
+        <p:nvSpPr>
+          <p:cNvPr id="2" name="Content Placeholder 1"/>
+          <p:cNvSpPr>
+            <a:spLocks noGrp="1"/>
+          </p:cNvSpPr>
+          <p:nvPr>
+            <p:ph idx="1"/>
+          </p:nvPr>
+        </p:nvSpPr>
+        <p:spPr/>
+        <p:txBody>
+          <a:bodyPr/>
+          <a:lstStyle/>
+          <a:p>
+            <a:endParaRPr lang="en-US"/>
+          </a:p>
+        </p:txBody>
+      </p:sp>
+      <p:sp>
+        <p:nvSpPr>
+          <p:cNvPr id="3" name="Title 2"/>
+          <p:cNvSpPr>
+            <a:spLocks noGrp="1"/>
+          </p:cNvSpPr>
+          <p:nvPr>
+            <p:ph type="title"/>
+          </p:nvPr>
+        </p:nvSpPr>
+        <p:spPr/>
+        <p:txBody>
+          <a:bodyPr/>
+          <a:lstStyle/>
+          <a:p>
+            <a:r>
+              <a:rPr lang="en-US" dirty="0" err="1" smtClean="0"/>
+              <a:t>Sinon</a:t>
+            </a:r>
+            <a:r>
+              <a:rPr lang="en-US" dirty="0" smtClean="0"/>
+              <a:t> with </a:t>
+            </a:r>
+            <a:r>
+              <a:rPr lang="en-US" dirty="0" smtClean="0"/>
+              <a:t>Mock</a:t>
+            </a:r>
+            <a:endParaRPr lang="en-US" dirty="0"/>
+          </a:p>
+        </p:txBody>
+      </p:sp>
+    </p:spTree>
+  </p:cSld>
+  <p:clrMapOvr>
+    <a:masterClrMapping/>
+  </p:clrMapOvr>
+</p:sld>
+</file>
+
+<file path=ppt/slides/slide25.xml><?xml version="1.0" encoding="utf-8"?>
+<p:sld xmlns:a="http://schemas.openxmlformats.org/drawingml/2006/main" xmlns:r="http://schemas.openxmlformats.org/officeDocument/2006/relationships" xmlns:p="http://schemas.openxmlformats.org/presentationml/2006/main">
+  <p:cSld>
+    <p:spTree>
+      <p:nvGrpSpPr>
+        <p:cNvPr id="1" name=""/>
+        <p:cNvGrpSpPr/>
+        <p:nvPr/>
+      </p:nvGrpSpPr>
+      <p:grpSpPr>
+        <a:xfrm>
+          <a:off x="0" y="0"/>
+          <a:ext cx="0" cy="0"/>
+          <a:chOff x="0" y="0"/>
+          <a:chExt cx="0" cy="0"/>
+        </a:xfrm>
+      </p:grpSpPr>
+      <p:sp>
+        <p:nvSpPr>
+          <p:cNvPr id="2" name="Content Placeholder 1"/>
+          <p:cNvSpPr>
+            <a:spLocks noGrp="1"/>
+          </p:cNvSpPr>
+          <p:nvPr>
+            <p:ph idx="1"/>
+          </p:nvPr>
+        </p:nvSpPr>
+        <p:spPr/>
+        <p:txBody>
+          <a:bodyPr/>
+          <a:lstStyle/>
+          <a:p>
+            <a:r>
+              <a:rPr lang="en-US" dirty="0" smtClean="0">
+                <a:hlinkClick r:id="rId2"/>
+              </a:rPr>
+              <a:t>http://</a:t>
+            </a:r>
+            <a:r>
+              <a:rPr lang="en-US" dirty="0" smtClean="0">
+                <a:hlinkClick r:id="rId2"/>
+              </a:rPr>
+              <a:t>gruntjs.com/getting-started</a:t>
+            </a:r>
+            <a:endParaRPr lang="en-US" dirty="0" smtClean="0"/>
+          </a:p>
+          <a:p>
+            <a:r>
+              <a:rPr lang="en-US" dirty="0" smtClean="0">
+                <a:hlinkClick r:id="rId3"/>
+              </a:rPr>
+              <a:t>https://mochajs.org</a:t>
+            </a:r>
+            <a:r>
+              <a:rPr lang="en-US" dirty="0" smtClean="0">
+                <a:hlinkClick r:id="rId3"/>
+              </a:rPr>
+              <a:t>/</a:t>
+            </a:r>
+            <a:endParaRPr lang="en-US" dirty="0" smtClean="0"/>
+          </a:p>
+          <a:p>
+            <a:endParaRPr lang="en-US" dirty="0" smtClean="0"/>
+          </a:p>
+          <a:p>
+            <a:r>
+              <a:rPr lang="en-US" b="1" dirty="0" smtClean="0"/>
+              <a:t>Demo app</a:t>
+            </a:r>
+          </a:p>
+          <a:p>
+            <a:pPr lvl="1"/>
+            <a:r>
+              <a:rPr lang="en-US" dirty="0" smtClean="0">
+                <a:hlinkClick r:id="rId4"/>
+              </a:rPr>
+              <a:t>https://github.com/jerrykid/Automation-FrontEnd-With-Gruntjs</a:t>
+            </a:r>
+            <a:endParaRPr lang="en-US" dirty="0" smtClean="0"/>
+          </a:p>
+          <a:p>
+            <a:pPr lvl="1">
+              <a:buNone/>
+            </a:pPr>
+            <a:endParaRPr lang="en-US" dirty="0" smtClean="0"/>
+          </a:p>
+          <a:p>
+            <a:pPr>
+              <a:buNone/>
+            </a:pPr>
+            <a:endParaRPr lang="en-US" dirty="0" smtClean="0"/>
+          </a:p>
+          <a:p>
+            <a:endParaRPr lang="en-US" dirty="0" smtClean="0"/>
+          </a:p>
+        </p:txBody>
+      </p:sp>
+      <p:sp>
+        <p:nvSpPr>
+          <p:cNvPr id="3" name="Title 2"/>
+          <p:cNvSpPr>
+            <a:spLocks noGrp="1"/>
+          </p:cNvSpPr>
+          <p:nvPr>
+            <p:ph type="title"/>
+          </p:nvPr>
+        </p:nvSpPr>
+        <p:spPr/>
+        <p:txBody>
+          <a:bodyPr>
+            <a:normAutofit/>
+          </a:bodyPr>
+          <a:lstStyle/>
+          <a:p>
+            <a:r>
+              <a:rPr lang="en-US" dirty="0" smtClean="0"/>
+              <a:t>References</a:t>
+            </a:r>
+            <a:endParaRPr lang="en-US" dirty="0"/>
+          </a:p>
+        </p:txBody>
+      </p:sp>
+    </p:spTree>
+  </p:cSld>
+  <p:clrMapOvr>
+    <a:masterClrMapping/>
+  </p:clrMapOvr>
+  <p:timing>
+    <p:tnLst>
+      <p:par>
+        <p:cTn id="1" dur="indefinite" restart="never" nodeType="tmRoot"/>
+      </p:par>
+    </p:tnLst>
+  </p:timing>
+</p:sld>
+</file>
+
+<file path=ppt/slides/slide3.xml><?xml version="1.0" encoding="utf-8"?>
+<p:sld xmlns:a="http://schemas.openxmlformats.org/drawingml/2006/main" xmlns:r="http://schemas.openxmlformats.org/officeDocument/2006/relationships" xmlns:p="http://schemas.openxmlformats.org/presentationml/2006/main">
+  <p:cSld>
+    <p:spTree>
+      <p:nvGrpSpPr>
+        <p:cNvPr id="1" name=""/>
+        <p:cNvGrpSpPr/>
+        <p:nvPr/>
+      </p:nvGrpSpPr>
+      <p:grpSpPr>
+        <a:xfrm>
+          <a:off x="0" y="0"/>
+          <a:ext cx="0" cy="0"/>
+          <a:chOff x="0" y="0"/>
+          <a:chExt cx="0" cy="0"/>
+        </a:xfrm>
+      </p:grpSpPr>
+      <p:sp>
+        <p:nvSpPr>
+          <p:cNvPr id="3" name="Title 2"/>
+          <p:cNvSpPr>
+            <a:spLocks noGrp="1"/>
+          </p:cNvSpPr>
+          <p:nvPr>
+            <p:ph type="title"/>
+          </p:nvPr>
+        </p:nvSpPr>
+        <p:spPr/>
+        <p:txBody>
+          <a:bodyPr/>
+          <a:lstStyle/>
+          <a:p>
             <a:pPr algn="ctr"/>
             <a:r>
               <a:rPr lang="en-US" dirty="0" smtClean="0"/>
-              <a:t>A </a:t>
-            </a:r>
-            <a:r>
-              <a:rPr lang="en-US" dirty="0" smtClean="0"/>
-              <a:t>Frontend workflow Dev</a:t>
+              <a:t>A Frontend workflow Dev</a:t>
             </a:r>
             <a:endParaRPr lang="en-US" dirty="0"/>
           </a:p>
@@ -10707,7 +11856,7 @@
 </p:sld>
 </file>
 
-<file path=ppt/slides/slide3.xml><?xml version="1.0" encoding="utf-8"?>
+<file path=ppt/slides/slide4.xml><?xml version="1.0" encoding="utf-8"?>
 <p:sld xmlns:a="http://schemas.openxmlformats.org/drawingml/2006/main" xmlns:r="http://schemas.openxmlformats.org/officeDocument/2006/relationships" xmlns:p="http://schemas.openxmlformats.org/presentationml/2006/main">
   <p:cSld>
     <p:spTree>
@@ -10736,7 +11885,9 @@
         </p:nvSpPr>
         <p:spPr/>
         <p:txBody>
-          <a:bodyPr/>
+          <a:bodyPr>
+            <a:normAutofit lnSpcReduction="10000"/>
+          </a:bodyPr>
           <a:lstStyle/>
           <a:p>
             <a:r>
@@ -10799,6 +11950,29 @@
             <a:r>
               <a:rPr lang="en-US" dirty="0" smtClean="0"/>
               <a:t>Automate testing and deployment and release process</a:t>
+            </a:r>
+          </a:p>
+          <a:p>
+            <a:pPr lvl="1"/>
+            <a:r>
+              <a:rPr lang="en-US" dirty="0" smtClean="0"/>
+              <a:t>Optimize performance by minify </a:t>
+            </a:r>
+            <a:r>
+              <a:rPr lang="en-US" dirty="0" err="1" smtClean="0"/>
+              <a:t>css</a:t>
+            </a:r>
+            <a:r>
+              <a:rPr lang="en-US" dirty="0" smtClean="0"/>
+              <a:t>, </a:t>
+            </a:r>
+            <a:r>
+              <a:rPr lang="en-US" dirty="0" err="1" smtClean="0"/>
+              <a:t>javascripts</a:t>
+            </a:r>
+            <a:r>
+              <a:rPr lang="en-US" dirty="0" smtClean="0"/>
+              <a:t>, image…</a:t>
             </a:r>
           </a:p>
           <a:p>
@@ -10834,7 +12008,19 @@
           <a:p>
             <a:r>
               <a:rPr lang="en-US" dirty="0" smtClean="0"/>
-              <a:t>What is Grunt?</a:t>
+              <a:t>Part </a:t>
+            </a:r>
+            <a:r>
+              <a:rPr lang="en-US" dirty="0" smtClean="0"/>
+              <a:t>I: </a:t>
+            </a:r>
+            <a:r>
+              <a:rPr lang="en-US" dirty="0" smtClean="0"/>
+              <a:t>What </a:t>
+            </a:r>
+            <a:r>
+              <a:rPr lang="en-US" dirty="0" smtClean="0"/>
+              <a:t>is Grunt?</a:t>
             </a:r>
             <a:endParaRPr lang="en-US" dirty="0"/>
           </a:p>
@@ -10855,7 +12041,7 @@
 </p:sld>
 </file>
 
-<file path=ppt/slides/slide4.xml><?xml version="1.0" encoding="utf-8"?>
+<file path=ppt/slides/slide5.xml><?xml version="1.0" encoding="utf-8"?>
 <p:sld xmlns:a="http://schemas.openxmlformats.org/drawingml/2006/main" xmlns:r="http://schemas.openxmlformats.org/officeDocument/2006/relationships" xmlns:p="http://schemas.openxmlformats.org/presentationml/2006/main">
   <p:cSld>
     <p:spTree>
@@ -10930,164 +12116,6 @@
 </p:sld>
 </file>
 
-<file path=ppt/slides/slide5.xml><?xml version="1.0" encoding="utf-8"?>
-<p:sld xmlns:a="http://schemas.openxmlformats.org/drawingml/2006/main" xmlns:r="http://schemas.openxmlformats.org/officeDocument/2006/relationships" xmlns:p="http://schemas.openxmlformats.org/presentationml/2006/main">
-  <p:cSld>
-    <p:spTree>
-      <p:nvGrpSpPr>
-        <p:cNvPr id="1" name=""/>
-        <p:cNvGrpSpPr/>
-        <p:nvPr/>
-      </p:nvGrpSpPr>
-      <p:grpSpPr>
-        <a:xfrm>
-          <a:off x="0" y="0"/>
-          <a:ext cx="0" cy="0"/>
-          <a:chOff x="0" y="0"/>
-          <a:chExt cx="0" cy="0"/>
-        </a:xfrm>
-      </p:grpSpPr>
-      <p:sp>
-        <p:nvSpPr>
-          <p:cNvPr id="3" name="Content Placeholder 2"/>
-          <p:cNvSpPr>
-            <a:spLocks noGrp="1"/>
-          </p:cNvSpPr>
-          <p:nvPr>
-            <p:ph idx="1"/>
-          </p:nvPr>
-        </p:nvSpPr>
-        <p:spPr/>
-        <p:txBody>
-          <a:bodyPr/>
-          <a:lstStyle/>
-          <a:p>
-            <a:r>
-              <a:rPr lang="en-US" dirty="0" smtClean="0"/>
-              <a:t>Development phase – scaffolding, </a:t>
-            </a:r>
-            <a:r>
-              <a:rPr lang="en-US" dirty="0" err="1" smtClean="0"/>
-              <a:t>htmlhint</a:t>
-            </a:r>
-            <a:r>
-              <a:rPr lang="en-US" dirty="0" smtClean="0"/>
-              <a:t>, </a:t>
-            </a:r>
-            <a:r>
-              <a:rPr lang="en-US" dirty="0" err="1" smtClean="0"/>
-              <a:t>jshint</a:t>
-            </a:r>
-            <a:endParaRPr lang="en-US" dirty="0" smtClean="0"/>
-          </a:p>
-          <a:p>
-            <a:endParaRPr lang="en-US" dirty="0" smtClean="0"/>
-          </a:p>
-          <a:p>
-            <a:r>
-              <a:rPr lang="en-US" dirty="0" smtClean="0"/>
-              <a:t> Build – compile, test runner, code coverage, </a:t>
-            </a:r>
-            <a:r>
-              <a:rPr lang="en-US" dirty="0" err="1" smtClean="0"/>
-              <a:t>css</a:t>
-            </a:r>
-            <a:r>
-              <a:rPr lang="en-US" dirty="0" smtClean="0"/>
-              <a:t> </a:t>
-            </a:r>
-            <a:r>
-              <a:rPr lang="en-US" dirty="0" err="1" smtClean="0"/>
-              <a:t>minification</a:t>
-            </a:r>
-            <a:r>
-              <a:rPr lang="en-US" dirty="0" smtClean="0"/>
-              <a:t>, </a:t>
-            </a:r>
-            <a:r>
-              <a:rPr lang="en-US" dirty="0" err="1" smtClean="0"/>
-              <a:t>js</a:t>
-            </a:r>
-            <a:r>
-              <a:rPr lang="en-US" dirty="0" smtClean="0"/>
-              <a:t> </a:t>
-            </a:r>
-            <a:r>
-              <a:rPr lang="en-US" dirty="0" err="1" smtClean="0"/>
-              <a:t>minificaiton</a:t>
-            </a:r>
-            <a:r>
-              <a:rPr lang="en-US" dirty="0" smtClean="0"/>
-              <a:t>, </a:t>
-            </a:r>
-            <a:r>
-              <a:rPr lang="en-US" dirty="0" err="1" smtClean="0"/>
-              <a:t>concatination</a:t>
-            </a:r>
-            <a:endParaRPr lang="en-US" dirty="0" smtClean="0"/>
-          </a:p>
-          <a:p>
-            <a:endParaRPr lang="en-US" dirty="0" smtClean="0"/>
-          </a:p>
-          <a:p>
-            <a:r>
-              <a:rPr lang="en-US" dirty="0" smtClean="0"/>
-              <a:t>Deploy – versioning, </a:t>
-            </a:r>
-            <a:r>
-              <a:rPr lang="en-US" dirty="0" err="1" smtClean="0"/>
-              <a:t>git</a:t>
-            </a:r>
-            <a:r>
-              <a:rPr lang="en-US" dirty="0" smtClean="0"/>
-              <a:t> tags, copy</a:t>
-            </a:r>
-          </a:p>
-          <a:p>
-            <a:endParaRPr lang="en-US" dirty="0"/>
-          </a:p>
-        </p:txBody>
-      </p:sp>
-      <p:sp>
-        <p:nvSpPr>
-          <p:cNvPr id="2" name="Title 1"/>
-          <p:cNvSpPr>
-            <a:spLocks noGrp="1"/>
-          </p:cNvSpPr>
-          <p:nvPr>
-            <p:ph type="title"/>
-          </p:nvPr>
-        </p:nvSpPr>
-        <p:spPr/>
-        <p:txBody>
-          <a:bodyPr>
-            <a:normAutofit/>
-          </a:bodyPr>
-          <a:lstStyle/>
-          <a:p>
-            <a:r>
-              <a:rPr lang="en-US" dirty="0" smtClean="0"/>
-              <a:t>Grunt as JS task runner</a:t>
-            </a:r>
-            <a:endParaRPr lang="en-US" dirty="0"/>
-          </a:p>
-        </p:txBody>
-      </p:sp>
-    </p:spTree>
-  </p:cSld>
-  <p:clrMapOvr>
-    <a:masterClrMapping/>
-  </p:clrMapOvr>
-  <p:timing>
-    <p:tnLst>
-      <p:par>
-        <p:cTn id="1" dur="indefinite" restart="never" nodeType="tmRoot"/>
-      </p:par>
-    </p:tnLst>
-  </p:timing>
-</p:sld>
-</file>
-
 <file path=ppt/slides/slide6.xml><?xml version="1.0" encoding="utf-8"?>
 <p:sld xmlns:a="http://schemas.openxmlformats.org/drawingml/2006/main" xmlns:r="http://schemas.openxmlformats.org/officeDocument/2006/relationships" xmlns:p="http://schemas.openxmlformats.org/presentationml/2006/main">
   <p:cSld>
@@ -11107,7 +12135,7 @@
       </p:grpSpPr>
       <p:sp>
         <p:nvSpPr>
-          <p:cNvPr id="2" name="Content Placeholder 1"/>
+          <p:cNvPr id="3" name="Content Placeholder 2"/>
           <p:cNvSpPr>
             <a:spLocks noGrp="1"/>
           </p:cNvSpPr>
@@ -11117,132 +12145,98 @@
         </p:nvSpPr>
         <p:spPr/>
         <p:txBody>
-          <a:bodyPr>
-            <a:normAutofit/>
-          </a:bodyPr>
+          <a:bodyPr/>
           <a:lstStyle/>
           <a:p>
             <a:r>
-              <a:rPr lang="en-US" sz="2300" dirty="0" err="1" smtClean="0"/>
-              <a:t>Jquery</a:t>
-            </a:r>
-            <a:r>
-              <a:rPr lang="en-US" sz="2300" dirty="0" smtClean="0"/>
-              <a:t>: https://github.com/jquery/jquery</a:t>
-            </a:r>
-            <a:endParaRPr lang="en-US" sz="2300" dirty="0" smtClean="0"/>
-          </a:p>
-          <a:p>
-            <a:r>
-              <a:rPr lang="en-US" sz="2300" dirty="0" err="1" smtClean="0"/>
-              <a:t>AngularJS</a:t>
-            </a:r>
-            <a:r>
-              <a:rPr lang="en-US" sz="2300" dirty="0" smtClean="0"/>
-              <a:t>: </a:t>
-            </a:r>
-            <a:r>
-              <a:rPr lang="en-US" sz="2300" dirty="0" smtClean="0"/>
-              <a:t>https</a:t>
-            </a:r>
-            <a:r>
-              <a:rPr lang="en-US" sz="2300" dirty="0" smtClean="0"/>
-              <a:t>://github.com/angular/angular.js</a:t>
-            </a:r>
-            <a:endParaRPr lang="en-US" sz="2300" dirty="0" smtClean="0"/>
-          </a:p>
-          <a:p>
-            <a:r>
-              <a:rPr lang="en-US" sz="2300" dirty="0" err="1" smtClean="0"/>
-              <a:t>Reactjs</a:t>
-            </a:r>
-            <a:r>
-              <a:rPr lang="en-US" sz="2300" dirty="0" smtClean="0"/>
-              <a:t>: https://github.com/facebook/react</a:t>
-            </a:r>
-            <a:endParaRPr lang="en-US" sz="2300" dirty="0" smtClean="0"/>
-          </a:p>
-          <a:p>
-            <a:r>
-              <a:rPr lang="en-US" sz="2300" dirty="0" err="1" smtClean="0"/>
-              <a:t>KnockoutJs</a:t>
-            </a:r>
-            <a:r>
-              <a:rPr lang="en-US" sz="2300" dirty="0" smtClean="0"/>
-              <a:t>: https://github.com/knockout/knockout</a:t>
-            </a:r>
-            <a:endParaRPr lang="en-US" sz="2300" dirty="0" smtClean="0"/>
-          </a:p>
-          <a:p>
-            <a:r>
-              <a:rPr lang="en-US" sz="2300" dirty="0" smtClean="0"/>
-              <a:t>Visual Studio 2015 now support </a:t>
-            </a:r>
-            <a:r>
-              <a:rPr lang="en-US" sz="2300" dirty="0" err="1" smtClean="0"/>
-              <a:t>Nodejs</a:t>
-            </a:r>
-            <a:r>
-              <a:rPr lang="en-US" sz="2300" dirty="0" smtClean="0"/>
-              <a:t> and grunt:</a:t>
-            </a:r>
-          </a:p>
-          <a:p>
-            <a:pPr lvl="1"/>
-            <a:r>
-              <a:rPr lang="en-US" sz="1900" dirty="0" smtClean="0"/>
+              <a:rPr lang="en-US" dirty="0" smtClean="0"/>
+              <a:t>Development phase – scaffolding, </a:t>
+            </a:r>
+            <a:r>
+              <a:rPr lang="en-US" dirty="0" err="1" smtClean="0"/>
+              <a:t>htmlhint</a:t>
+            </a:r>
+            <a:r>
+              <a:rPr lang="en-US" dirty="0" smtClean="0"/>
+              <a:t>, </a:t>
+            </a:r>
+            <a:r>
+              <a:rPr lang="en-US" dirty="0" err="1" smtClean="0"/>
+              <a:t>jshint</a:t>
+            </a:r>
+            <a:endParaRPr lang="en-US" dirty="0" smtClean="0"/>
+          </a:p>
+          <a:p>
+            <a:endParaRPr lang="en-US" dirty="0" smtClean="0"/>
+          </a:p>
+          <a:p>
+            <a:r>
+              <a:rPr lang="en-US" dirty="0" smtClean="0"/>
+              <a:t> Build – compile, test runner, code coverage, </a:t>
+            </a:r>
+            <a:r>
+              <a:rPr lang="en-US" dirty="0" err="1" smtClean="0"/>
+              <a:t>css</a:t>
+            </a:r>
+            <a:r>
+              <a:rPr lang="en-US" dirty="0" smtClean="0"/>
               <a:t> </a:t>
             </a:r>
             <a:r>
-              <a:rPr lang="en-US" sz="1900" dirty="0" smtClean="0">
-                <a:hlinkClick r:id="rId2"/>
-              </a:rPr>
-              <a:t>https://</a:t>
-            </a:r>
-            <a:r>
-              <a:rPr lang="en-US" sz="1900" dirty="0" smtClean="0">
-                <a:hlinkClick r:id="rId2"/>
-              </a:rPr>
-              <a:t>www.visualstudio.com/en-us/features/node-js-vs.aspx</a:t>
-            </a:r>
-            <a:endParaRPr lang="en-US" sz="1900" dirty="0" smtClean="0"/>
-          </a:p>
-          <a:p>
-            <a:r>
-              <a:rPr lang="en-US" sz="2300" dirty="0" smtClean="0"/>
-              <a:t>More: </a:t>
-            </a:r>
-            <a:r>
-              <a:rPr lang="en-US" sz="2300" dirty="0" smtClean="0">
-                <a:hlinkClick r:id="rId3"/>
-              </a:rPr>
-              <a:t>http://</a:t>
-            </a:r>
-            <a:r>
-              <a:rPr lang="en-US" sz="2300" dirty="0" smtClean="0">
-                <a:hlinkClick r:id="rId3"/>
-              </a:rPr>
-              <a:t>gruntjs.com/who-uses-grunt</a:t>
-            </a:r>
-            <a:r>
-              <a:rPr lang="en-US" sz="2300" dirty="0" smtClean="0"/>
-              <a:t> (Twitter, Wall mart, Victoria Secret…)</a:t>
-            </a:r>
-          </a:p>
-          <a:p>
-            <a:endParaRPr lang="en-US" sz="2300" dirty="0" smtClean="0"/>
-          </a:p>
-          <a:p>
-            <a:pPr>
-              <a:buNone/>
-            </a:pPr>
-            <a:endParaRPr lang="en-US" sz="2300" dirty="0"/>
+              <a:rPr lang="en-US" dirty="0" err="1" smtClean="0"/>
+              <a:t>minification</a:t>
+            </a:r>
+            <a:r>
+              <a:rPr lang="en-US" dirty="0" smtClean="0"/>
+              <a:t>, </a:t>
+            </a:r>
+            <a:r>
+              <a:rPr lang="en-US" dirty="0" err="1" smtClean="0"/>
+              <a:t>js</a:t>
+            </a:r>
+            <a:r>
+              <a:rPr lang="en-US" dirty="0" smtClean="0"/>
+              <a:t> </a:t>
+            </a:r>
+            <a:r>
+              <a:rPr lang="en-US" dirty="0" err="1" smtClean="0"/>
+              <a:t>minificaiton</a:t>
+            </a:r>
+            <a:r>
+              <a:rPr lang="en-US" dirty="0" smtClean="0"/>
+              <a:t>, </a:t>
+            </a:r>
+            <a:r>
+              <a:rPr lang="en-US" dirty="0" err="1" smtClean="0"/>
+              <a:t>concatination</a:t>
+            </a:r>
+            <a:endParaRPr lang="en-US" dirty="0" smtClean="0"/>
+          </a:p>
+          <a:p>
+            <a:endParaRPr lang="en-US" dirty="0" smtClean="0"/>
+          </a:p>
+          <a:p>
+            <a:r>
+              <a:rPr lang="en-US" dirty="0" smtClean="0"/>
+              <a:t>Deploy – versioning, </a:t>
+            </a:r>
+            <a:r>
+              <a:rPr lang="en-US" dirty="0" err="1" smtClean="0"/>
+              <a:t>git</a:t>
+            </a:r>
+            <a:r>
+              <a:rPr lang="en-US" dirty="0" smtClean="0"/>
+              <a:t> tags, copy</a:t>
+            </a:r>
+          </a:p>
+          <a:p>
+            <a:endParaRPr lang="en-US" dirty="0"/>
           </a:p>
         </p:txBody>
       </p:sp>
       <p:sp>
         <p:nvSpPr>
-          <p:cNvPr id="3" name="Title 2"/>
+          <p:cNvPr id="2" name="Title 1"/>
           <p:cNvSpPr>
             <a:spLocks noGrp="1"/>
           </p:cNvSpPr>
@@ -11253,17 +12247,14 @@
         <p:spPr/>
         <p:txBody>
           <a:bodyPr>
-            <a:normAutofit fontScale="90000"/>
+            <a:normAutofit/>
           </a:bodyPr>
           <a:lstStyle/>
           <a:p>
             <a:r>
               <a:rPr lang="en-US" dirty="0" smtClean="0"/>
-              <a:t>Who is using Grunt ?</a:t>
-            </a:r>
-            <a:br>
-              <a:rPr lang="en-US" dirty="0" smtClean="0"/>
-            </a:br>
+              <a:t>Grunt as JS task runner</a:t>
+            </a:r>
             <a:endParaRPr lang="en-US" dirty="0"/>
           </a:p>
         </p:txBody>
@@ -11302,7 +12293,118 @@
       </p:grpSpPr>
       <p:sp>
         <p:nvSpPr>
-          <p:cNvPr id="2" name="Title 1"/>
+          <p:cNvPr id="2" name="Content Placeholder 1"/>
+          <p:cNvSpPr>
+            <a:spLocks noGrp="1"/>
+          </p:cNvSpPr>
+          <p:nvPr>
+            <p:ph idx="1"/>
+          </p:nvPr>
+        </p:nvSpPr>
+        <p:spPr/>
+        <p:txBody>
+          <a:bodyPr>
+            <a:normAutofit/>
+          </a:bodyPr>
+          <a:lstStyle/>
+          <a:p>
+            <a:r>
+              <a:rPr lang="en-US" sz="2300" dirty="0" err="1" smtClean="0"/>
+              <a:t>Jquery</a:t>
+            </a:r>
+            <a:r>
+              <a:rPr lang="en-US" sz="2300" dirty="0" smtClean="0"/>
+              <a:t>: https://github.com/jquery/jquery</a:t>
+            </a:r>
+          </a:p>
+          <a:p>
+            <a:r>
+              <a:rPr lang="en-US" sz="2300" dirty="0" err="1" smtClean="0"/>
+              <a:t>AngularJS</a:t>
+            </a:r>
+            <a:r>
+              <a:rPr lang="en-US" sz="2300" dirty="0" smtClean="0"/>
+              <a:t>: https://github.com/angular/angular.js</a:t>
+            </a:r>
+          </a:p>
+          <a:p>
+            <a:r>
+              <a:rPr lang="en-US" sz="2300" dirty="0" err="1" smtClean="0"/>
+              <a:t>Reactjs</a:t>
+            </a:r>
+            <a:r>
+              <a:rPr lang="en-US" sz="2300" dirty="0" smtClean="0"/>
+              <a:t>: https://github.com/facebook/react</a:t>
+            </a:r>
+          </a:p>
+          <a:p>
+            <a:r>
+              <a:rPr lang="en-US" sz="2300" dirty="0" err="1" smtClean="0"/>
+              <a:t>KnockoutJs</a:t>
+            </a:r>
+            <a:r>
+              <a:rPr lang="en-US" sz="2300" dirty="0" smtClean="0"/>
+              <a:t>: https://github.com/knockout/knockout</a:t>
+            </a:r>
+          </a:p>
+          <a:p>
+            <a:r>
+              <a:rPr lang="en-US" sz="2300" dirty="0" smtClean="0"/>
+              <a:t>Visual Studio 2015 now support </a:t>
+            </a:r>
+            <a:r>
+              <a:rPr lang="en-US" sz="2300" dirty="0" err="1" smtClean="0"/>
+              <a:t>Nodejs</a:t>
+            </a:r>
+            <a:r>
+              <a:rPr lang="en-US" sz="2300" dirty="0" smtClean="0"/>
+              <a:t> and grunt:</a:t>
+            </a:r>
+          </a:p>
+          <a:p>
+            <a:pPr lvl="1"/>
+            <a:r>
+              <a:rPr lang="en-US" sz="1900" dirty="0" smtClean="0"/>
+              <a:t> </a:t>
+            </a:r>
+            <a:r>
+              <a:rPr lang="en-US" sz="1900" dirty="0" smtClean="0">
+                <a:hlinkClick r:id="rId2"/>
+              </a:rPr>
+              <a:t>https://www.visualstudio.com/en-us/features/node-js-vs.aspx</a:t>
+            </a:r>
+            <a:endParaRPr lang="en-US" sz="1900" dirty="0" smtClean="0"/>
+          </a:p>
+          <a:p>
+            <a:r>
+              <a:rPr lang="en-US" sz="2300" dirty="0" smtClean="0"/>
+              <a:t>More: </a:t>
+            </a:r>
+            <a:r>
+              <a:rPr lang="en-US" sz="2300" dirty="0" smtClean="0">
+                <a:hlinkClick r:id="rId3"/>
+              </a:rPr>
+              <a:t>http://gruntjs.com/who-uses-grunt</a:t>
+            </a:r>
+            <a:r>
+              <a:rPr lang="en-US" sz="2300" dirty="0" smtClean="0"/>
+              <a:t> (Twitter, Wall mart, Victoria Secret…)</a:t>
+            </a:r>
+          </a:p>
+          <a:p>
+            <a:endParaRPr lang="en-US" sz="2300" dirty="0" smtClean="0"/>
+          </a:p>
+          <a:p>
+            <a:pPr>
+              <a:buNone/>
+            </a:pPr>
+            <a:endParaRPr lang="en-US" sz="2300" dirty="0"/>
+          </a:p>
+        </p:txBody>
+      </p:sp>
+      <p:sp>
+        <p:nvSpPr>
+          <p:cNvPr id="3" name="Title 2"/>
           <p:cNvSpPr>
             <a:spLocks noGrp="1"/>
           </p:cNvSpPr>
@@ -11310,298 +12412,21 @@
             <p:ph type="title"/>
           </p:nvPr>
         </p:nvSpPr>
-        <p:spPr>
-          <a:xfrm>
-            <a:off x="457200" y="228600"/>
-            <a:ext cx="8229600" cy="1143000"/>
-          </a:xfrm>
-        </p:spPr>
+        <p:spPr/>
         <p:txBody>
           <a:bodyPr>
-            <a:normAutofit/>
+            <a:normAutofit fontScale="90000"/>
           </a:bodyPr>
           <a:lstStyle/>
           <a:p>
             <a:r>
               <a:rPr lang="en-US" dirty="0" smtClean="0"/>
-              <a:t>JS Project setup</a:t>
-            </a:r>
+              <a:t>Who is using Grunt ?</a:t>
+            </a:r>
+            <a:br>
+              <a:rPr lang="en-US" dirty="0" smtClean="0"/>
+            </a:br>
             <a:endParaRPr lang="en-US" dirty="0"/>
-          </a:p>
-        </p:txBody>
-      </p:sp>
-      <p:sp>
-        <p:nvSpPr>
-          <p:cNvPr id="5" name="Content Placeholder 4"/>
-          <p:cNvSpPr>
-            <a:spLocks noGrp="1"/>
-          </p:cNvSpPr>
-          <p:nvPr>
-            <p:ph idx="1"/>
-          </p:nvPr>
-        </p:nvSpPr>
-        <p:spPr>
-          <a:xfrm>
-            <a:off x="533400" y="1524000"/>
-            <a:ext cx="8229600" cy="4525963"/>
-          </a:xfrm>
-        </p:spPr>
-        <p:txBody>
-          <a:bodyPr>
-            <a:noAutofit/>
-          </a:bodyPr>
-          <a:lstStyle/>
-          <a:p>
-            <a:pPr lvl="0"/>
-            <a:r>
-              <a:rPr lang="en-US" sz="1800" dirty="0" smtClean="0"/>
-              <a:t>Install </a:t>
-            </a:r>
-            <a:r>
-              <a:rPr lang="en-US" sz="1800" dirty="0" err="1" smtClean="0"/>
-              <a:t>NodeJS</a:t>
-            </a:r>
-            <a:endParaRPr lang="en-US" sz="1800" dirty="0" smtClean="0"/>
-          </a:p>
-          <a:p>
-            <a:pPr lvl="0"/>
-            <a:r>
-              <a:rPr lang="en-US" sz="1800" dirty="0" smtClean="0"/>
-              <a:t>Install grunt </a:t>
-            </a:r>
-          </a:p>
-          <a:p>
-            <a:pPr lvl="1"/>
-            <a:r>
-              <a:rPr lang="en-US" sz="1600" dirty="0" err="1" smtClean="0"/>
-              <a:t>npm</a:t>
-            </a:r>
-            <a:r>
-              <a:rPr lang="en-US" sz="1600" dirty="0" smtClean="0"/>
-              <a:t> install –g grunt-</a:t>
-            </a:r>
-            <a:r>
-              <a:rPr lang="en-US" sz="1600" dirty="0" err="1" smtClean="0"/>
-              <a:t>cli</a:t>
-            </a:r>
-            <a:endParaRPr lang="en-US" sz="1600" dirty="0" smtClean="0"/>
-          </a:p>
-          <a:p>
-            <a:pPr lvl="1"/>
-            <a:r>
-              <a:rPr lang="en-US" sz="1600" dirty="0" err="1" smtClean="0"/>
-              <a:t>cd</a:t>
-            </a:r>
-            <a:r>
-              <a:rPr lang="en-US" sz="1600" dirty="0" smtClean="0"/>
-              <a:t> &lt;</a:t>
-            </a:r>
-            <a:r>
-              <a:rPr lang="en-US" sz="1600" dirty="0" err="1" smtClean="0"/>
-              <a:t>project_dir</a:t>
-            </a:r>
-            <a:r>
-              <a:rPr lang="en-US" sz="1600" dirty="0" smtClean="0"/>
-              <a:t>&gt;</a:t>
-            </a:r>
-          </a:p>
-          <a:p>
-            <a:pPr lvl="0"/>
-            <a:r>
-              <a:rPr lang="en-US" sz="1800" dirty="0" smtClean="0"/>
-              <a:t>Create </a:t>
-            </a:r>
-            <a:r>
-              <a:rPr lang="en-US" sz="1800" dirty="0" err="1" smtClean="0"/>
-              <a:t>package.json</a:t>
-            </a:r>
-            <a:r>
-              <a:rPr lang="en-US" sz="1800" dirty="0" smtClean="0"/>
-              <a:t> at root level or use </a:t>
-            </a:r>
-            <a:r>
-              <a:rPr lang="en-US" sz="1800" dirty="0" err="1" smtClean="0"/>
-              <a:t>npm</a:t>
-            </a:r>
-            <a:r>
-              <a:rPr lang="en-US" sz="1800" dirty="0" smtClean="0"/>
-              <a:t> init</a:t>
-            </a:r>
-          </a:p>
-          <a:p>
-            <a:pPr lvl="0"/>
-            <a:r>
-              <a:rPr lang="en-US" sz="1800" dirty="0" smtClean="0"/>
-              <a:t>Add grunt as dev dependency</a:t>
-            </a:r>
-          </a:p>
-          <a:p>
-            <a:pPr lvl="1"/>
-            <a:r>
-              <a:rPr lang="en-US" sz="1600" dirty="0" err="1" smtClean="0"/>
-              <a:t>npm</a:t>
-            </a:r>
-            <a:r>
-              <a:rPr lang="en-US" sz="1600" dirty="0" smtClean="0"/>
-              <a:t> install grunt --save-dev </a:t>
-            </a:r>
-          </a:p>
-          <a:p>
-            <a:pPr lvl="0"/>
-            <a:r>
-              <a:rPr lang="en-US" sz="1800" dirty="0" smtClean="0"/>
-              <a:t>Create Gruntfile.js(root level)</a:t>
-            </a:r>
-          </a:p>
-          <a:p>
-            <a:pPr lvl="1">
-              <a:buNone/>
-            </a:pPr>
-            <a:r>
-              <a:rPr lang="en-US" sz="1200" dirty="0" err="1" smtClean="0">
-                <a:latin typeface="Courier New" pitchFamily="49" charset="0"/>
-                <a:cs typeface="Courier New" pitchFamily="49" charset="0"/>
-              </a:rPr>
-              <a:t>module.exports</a:t>
-            </a:r>
-            <a:r>
-              <a:rPr lang="en-US" sz="1200" dirty="0" smtClean="0">
-                <a:latin typeface="Courier New" pitchFamily="49" charset="0"/>
-                <a:cs typeface="Courier New" pitchFamily="49" charset="0"/>
-              </a:rPr>
-              <a:t> = function(grunt){ </a:t>
-            </a:r>
-          </a:p>
-          <a:p>
-            <a:pPr lvl="2">
-              <a:buNone/>
-            </a:pPr>
-            <a:r>
-              <a:rPr lang="en-US" sz="1200" dirty="0" err="1" smtClean="0">
-                <a:latin typeface="Courier New" pitchFamily="49" charset="0"/>
-                <a:cs typeface="Courier New" pitchFamily="49" charset="0"/>
-              </a:rPr>
-              <a:t>grunt.initConfig</a:t>
-            </a:r>
-            <a:r>
-              <a:rPr lang="en-US" sz="1200" dirty="0" smtClean="0">
-                <a:latin typeface="Courier New" pitchFamily="49" charset="0"/>
-                <a:cs typeface="Courier New" pitchFamily="49" charset="0"/>
-              </a:rPr>
-              <a:t>(</a:t>
-            </a:r>
-          </a:p>
-          <a:p>
-            <a:pPr lvl="2">
-              <a:buNone/>
-            </a:pPr>
-            <a:r>
-              <a:rPr lang="en-US" sz="1200" dirty="0" smtClean="0">
-                <a:latin typeface="Courier New" pitchFamily="49" charset="0"/>
-                <a:cs typeface="Courier New" pitchFamily="49" charset="0"/>
-              </a:rPr>
-              <a:t>{ </a:t>
-            </a:r>
-          </a:p>
-          <a:p>
-            <a:pPr lvl="2">
-              <a:buNone/>
-            </a:pPr>
-            <a:r>
-              <a:rPr lang="en-US" sz="1200" dirty="0" smtClean="0">
-                <a:latin typeface="Courier New" pitchFamily="49" charset="0"/>
-                <a:cs typeface="Courier New" pitchFamily="49" charset="0"/>
-              </a:rPr>
-              <a:t>	</a:t>
-            </a:r>
-            <a:r>
-              <a:rPr lang="en-US" sz="1200" dirty="0" err="1" smtClean="0">
-                <a:latin typeface="Courier New" pitchFamily="49" charset="0"/>
-                <a:cs typeface="Courier New" pitchFamily="49" charset="0"/>
-              </a:rPr>
-              <a:t>pkg</a:t>
-            </a:r>
-            <a:r>
-              <a:rPr lang="en-US" sz="1200" dirty="0" smtClean="0">
-                <a:latin typeface="Courier New" pitchFamily="49" charset="0"/>
-                <a:cs typeface="Courier New" pitchFamily="49" charset="0"/>
-              </a:rPr>
-              <a:t>: </a:t>
-            </a:r>
-            <a:r>
-              <a:rPr lang="en-US" sz="1200" dirty="0" err="1" smtClean="0">
-                <a:latin typeface="Courier New" pitchFamily="49" charset="0"/>
-                <a:cs typeface="Courier New" pitchFamily="49" charset="0"/>
-              </a:rPr>
-              <a:t>grunt.file.readJSON</a:t>
-            </a:r>
-            <a:r>
-              <a:rPr lang="en-US" sz="1200" dirty="0" smtClean="0">
-                <a:latin typeface="Courier New" pitchFamily="49" charset="0"/>
-                <a:cs typeface="Courier New" pitchFamily="49" charset="0"/>
-              </a:rPr>
-              <a:t>('</a:t>
-            </a:r>
-            <a:r>
-              <a:rPr lang="en-US" sz="1200" dirty="0" err="1" smtClean="0">
-                <a:latin typeface="Courier New" pitchFamily="49" charset="0"/>
-                <a:cs typeface="Courier New" pitchFamily="49" charset="0"/>
-              </a:rPr>
-              <a:t>package.json</a:t>
-            </a:r>
-            <a:r>
-              <a:rPr lang="en-US" sz="1200" dirty="0" smtClean="0">
-                <a:latin typeface="Courier New" pitchFamily="49" charset="0"/>
-                <a:cs typeface="Courier New" pitchFamily="49" charset="0"/>
-              </a:rPr>
-              <a:t>')</a:t>
-            </a:r>
-          </a:p>
-          <a:p>
-            <a:pPr lvl="2">
-              <a:buNone/>
-            </a:pPr>
-            <a:r>
-              <a:rPr lang="en-US" sz="1200" dirty="0" smtClean="0">
-                <a:latin typeface="Courier New" pitchFamily="49" charset="0"/>
-                <a:cs typeface="Courier New" pitchFamily="49" charset="0"/>
-              </a:rPr>
-              <a:t>}); </a:t>
-            </a:r>
-          </a:p>
-          <a:p>
-            <a:pPr lvl="2">
-              <a:buNone/>
-            </a:pPr>
-            <a:r>
-              <a:rPr lang="en-US" sz="1200" dirty="0" err="1" smtClean="0">
-                <a:latin typeface="Courier New" pitchFamily="49" charset="0"/>
-                <a:cs typeface="Courier New" pitchFamily="49" charset="0"/>
-              </a:rPr>
-              <a:t>grunt.registerTask</a:t>
-            </a:r>
-            <a:r>
-              <a:rPr lang="en-US" sz="1200" dirty="0" smtClean="0">
-                <a:latin typeface="Courier New" pitchFamily="49" charset="0"/>
-                <a:cs typeface="Courier New" pitchFamily="49" charset="0"/>
-              </a:rPr>
-              <a:t>('default', []);</a:t>
-            </a:r>
-          </a:p>
-          <a:p>
-            <a:pPr lvl="1">
-              <a:buNone/>
-            </a:pPr>
-            <a:r>
-              <a:rPr lang="en-US" sz="1200" dirty="0" smtClean="0">
-                <a:latin typeface="Courier New" pitchFamily="49" charset="0"/>
-                <a:cs typeface="Courier New" pitchFamily="49" charset="0"/>
-              </a:rPr>
-              <a:t>};</a:t>
-            </a:r>
-          </a:p>
-          <a:p>
-            <a:endParaRPr lang="en-US" sz="1800" dirty="0"/>
           </a:p>
         </p:txBody>
       </p:sp>
@@ -11639,349 +12464,6 @@
       </p:grpSpPr>
       <p:sp>
         <p:nvSpPr>
-          <p:cNvPr id="3" name="Content Placeholder 2"/>
-          <p:cNvSpPr>
-            <a:spLocks noGrp="1"/>
-          </p:cNvSpPr>
-          <p:nvPr>
-            <p:ph idx="1"/>
-          </p:nvPr>
-        </p:nvSpPr>
-        <p:spPr/>
-        <p:txBody>
-          <a:bodyPr>
-            <a:normAutofit/>
-          </a:bodyPr>
-          <a:lstStyle/>
-          <a:p>
-            <a:r>
-              <a:rPr lang="en-US" sz="2400" dirty="0" smtClean="0"/>
-              <a:t>Install locally using command line and add it as dependency to </a:t>
-            </a:r>
-            <a:r>
-              <a:rPr lang="en-US" sz="2400" dirty="0" err="1" smtClean="0"/>
-              <a:t>package.json</a:t>
-            </a:r>
-            <a:endParaRPr lang="en-US" sz="2400" dirty="0" smtClean="0"/>
-          </a:p>
-          <a:p>
-            <a:pPr>
-              <a:buNone/>
-            </a:pPr>
-            <a:r>
-              <a:rPr lang="en-US" sz="1400" dirty="0" err="1" smtClean="0">
-                <a:latin typeface="Courier New" pitchFamily="49" charset="0"/>
-                <a:cs typeface="Courier New" pitchFamily="49" charset="0"/>
-              </a:rPr>
-              <a:t>npm</a:t>
-            </a:r>
-            <a:r>
-              <a:rPr lang="en-US" sz="1400" dirty="0" smtClean="0">
-                <a:latin typeface="Courier New" pitchFamily="49" charset="0"/>
-                <a:cs typeface="Courier New" pitchFamily="49" charset="0"/>
-              </a:rPr>
-              <a:t> install &lt;</a:t>
-            </a:r>
-            <a:r>
-              <a:rPr lang="en-US" sz="1400" dirty="0" err="1" smtClean="0">
-                <a:latin typeface="Courier New" pitchFamily="49" charset="0"/>
-                <a:cs typeface="Courier New" pitchFamily="49" charset="0"/>
-              </a:rPr>
-              <a:t>plugin</a:t>
-            </a:r>
-            <a:r>
-              <a:rPr lang="en-US" sz="1400" dirty="0" smtClean="0">
-                <a:latin typeface="Courier New" pitchFamily="49" charset="0"/>
-                <a:cs typeface="Courier New" pitchFamily="49" charset="0"/>
-              </a:rPr>
-              <a:t>&gt; --save-dependency</a:t>
-            </a:r>
-          </a:p>
-          <a:p>
-            <a:pPr>
-              <a:buNone/>
-            </a:pPr>
-            <a:endParaRPr lang="en-US" sz="1400" dirty="0" smtClean="0">
-              <a:latin typeface="Courier New" pitchFamily="49" charset="0"/>
-              <a:cs typeface="Courier New" pitchFamily="49" charset="0"/>
-            </a:endParaRPr>
-          </a:p>
-          <a:p>
-            <a:r>
-              <a:rPr lang="en-US" sz="2400" dirty="0" smtClean="0"/>
-              <a:t>Or manually add dependency to </a:t>
-            </a:r>
-            <a:r>
-              <a:rPr lang="en-US" sz="2400" dirty="0" err="1" smtClean="0"/>
-              <a:t>package.json</a:t>
-            </a:r>
-            <a:endParaRPr lang="en-US" sz="2400" dirty="0" smtClean="0"/>
-          </a:p>
-          <a:p>
-            <a:pPr>
-              <a:buNone/>
-            </a:pPr>
-            <a:r>
-              <a:rPr lang="en-US" sz="2400" dirty="0" smtClean="0"/>
-              <a:t>Sample:</a:t>
-            </a:r>
-          </a:p>
-          <a:p>
-            <a:pPr>
-              <a:buNone/>
-            </a:pPr>
-            <a:r>
-              <a:rPr lang="en-US" sz="1200" dirty="0" smtClean="0">
-                <a:latin typeface="Courier New" pitchFamily="49" charset="0"/>
-                <a:cs typeface="Courier New" pitchFamily="49" charset="0"/>
-              </a:rPr>
-              <a:t> "</a:t>
-            </a:r>
-            <a:r>
-              <a:rPr lang="en-US" sz="1200" dirty="0" err="1" smtClean="0">
-                <a:latin typeface="Courier New" pitchFamily="49" charset="0"/>
-                <a:cs typeface="Courier New" pitchFamily="49" charset="0"/>
-              </a:rPr>
-              <a:t>devDependencies</a:t>
-            </a:r>
-            <a:r>
-              <a:rPr lang="en-US" sz="1200" dirty="0" smtClean="0">
-                <a:latin typeface="Courier New" pitchFamily="49" charset="0"/>
-                <a:cs typeface="Courier New" pitchFamily="49" charset="0"/>
-              </a:rPr>
-              <a:t>": {    </a:t>
-            </a:r>
-          </a:p>
-          <a:p>
-            <a:pPr>
-              <a:buNone/>
-            </a:pPr>
-            <a:r>
-              <a:rPr lang="en-US" sz="1200" dirty="0" smtClean="0">
-                <a:latin typeface="Courier New" pitchFamily="49" charset="0"/>
-                <a:cs typeface="Courier New" pitchFamily="49" charset="0"/>
-              </a:rPr>
-              <a:t>	"grunt": "~0.4.2",    </a:t>
-            </a:r>
-          </a:p>
-          <a:p>
-            <a:pPr>
-              <a:buNone/>
-            </a:pPr>
-            <a:r>
-              <a:rPr lang="en-US" sz="1200" dirty="0" smtClean="0">
-                <a:latin typeface="Courier New" pitchFamily="49" charset="0"/>
-                <a:cs typeface="Courier New" pitchFamily="49" charset="0"/>
-              </a:rPr>
-              <a:t>	"grunt-</a:t>
-            </a:r>
-            <a:r>
-              <a:rPr lang="en-US" sz="1200" dirty="0" err="1" smtClean="0">
-                <a:latin typeface="Courier New" pitchFamily="49" charset="0"/>
-                <a:cs typeface="Courier New" pitchFamily="49" charset="0"/>
-              </a:rPr>
-              <a:t>htmlhint</a:t>
-            </a:r>
-            <a:r>
-              <a:rPr lang="en-US" sz="1200" dirty="0" smtClean="0">
-                <a:latin typeface="Courier New" pitchFamily="49" charset="0"/>
-                <a:cs typeface="Courier New" pitchFamily="49" charset="0"/>
-              </a:rPr>
-              <a:t>": "*",</a:t>
-            </a:r>
-          </a:p>
-          <a:p>
-            <a:pPr>
-              <a:buNone/>
-            </a:pPr>
-            <a:r>
-              <a:rPr lang="en-US" sz="1200" dirty="0" smtClean="0">
-                <a:latin typeface="Courier New" pitchFamily="49" charset="0"/>
-                <a:cs typeface="Courier New" pitchFamily="49" charset="0"/>
-              </a:rPr>
-              <a:t>   "</a:t>
-            </a:r>
-            <a:r>
-              <a:rPr lang="en-US" sz="1200" dirty="0" err="1" smtClean="0">
-                <a:latin typeface="Courier New" pitchFamily="49" charset="0"/>
-                <a:cs typeface="Courier New" pitchFamily="49" charset="0"/>
-              </a:rPr>
-              <a:t>matchdep</a:t>
-            </a:r>
-            <a:r>
-              <a:rPr lang="en-US" sz="1200" dirty="0" smtClean="0">
-                <a:latin typeface="Courier New" pitchFamily="49" charset="0"/>
-                <a:cs typeface="Courier New" pitchFamily="49" charset="0"/>
-              </a:rPr>
-              <a:t>": "*",    </a:t>
-            </a:r>
-          </a:p>
-          <a:p>
-            <a:pPr>
-              <a:buNone/>
-            </a:pPr>
-            <a:r>
-              <a:rPr lang="en-US" sz="1200" dirty="0" smtClean="0">
-                <a:latin typeface="Courier New" pitchFamily="49" charset="0"/>
-                <a:cs typeface="Courier New" pitchFamily="49" charset="0"/>
-              </a:rPr>
-              <a:t>   "grunt-</a:t>
-            </a:r>
-            <a:r>
-              <a:rPr lang="en-US" sz="1200" dirty="0" err="1" smtClean="0">
-                <a:latin typeface="Courier New" pitchFamily="49" charset="0"/>
-                <a:cs typeface="Courier New" pitchFamily="49" charset="0"/>
-              </a:rPr>
-              <a:t>contrib</a:t>
-            </a:r>
-            <a:r>
-              <a:rPr lang="en-US" sz="1200" dirty="0" smtClean="0">
-                <a:latin typeface="Courier New" pitchFamily="49" charset="0"/>
-                <a:cs typeface="Courier New" pitchFamily="49" charset="0"/>
-              </a:rPr>
-              <a:t>-watch": "*",    </a:t>
-            </a:r>
-          </a:p>
-          <a:p>
-            <a:pPr>
-              <a:buNone/>
-            </a:pPr>
-            <a:r>
-              <a:rPr lang="en-US" sz="1200" dirty="0" smtClean="0">
-                <a:latin typeface="Courier New" pitchFamily="49" charset="0"/>
-                <a:cs typeface="Courier New" pitchFamily="49" charset="0"/>
-              </a:rPr>
-              <a:t>   "grunt-</a:t>
-            </a:r>
-            <a:r>
-              <a:rPr lang="en-US" sz="1200" dirty="0" err="1" smtClean="0">
-                <a:latin typeface="Courier New" pitchFamily="49" charset="0"/>
-                <a:cs typeface="Courier New" pitchFamily="49" charset="0"/>
-              </a:rPr>
-              <a:t>contrib</a:t>
-            </a:r>
-            <a:r>
-              <a:rPr lang="en-US" sz="1200" dirty="0" smtClean="0">
-                <a:latin typeface="Courier New" pitchFamily="49" charset="0"/>
-                <a:cs typeface="Courier New" pitchFamily="49" charset="0"/>
-              </a:rPr>
-              <a:t>-clean": "~0.5.0",    </a:t>
-            </a:r>
-          </a:p>
-          <a:p>
-            <a:pPr>
-              <a:buNone/>
-            </a:pPr>
-            <a:r>
-              <a:rPr lang="en-US" sz="1200" dirty="0" smtClean="0">
-                <a:latin typeface="Courier New" pitchFamily="49" charset="0"/>
-                <a:cs typeface="Courier New" pitchFamily="49" charset="0"/>
-              </a:rPr>
-              <a:t>   "grunt-</a:t>
-            </a:r>
-            <a:r>
-              <a:rPr lang="en-US" sz="1200" dirty="0" err="1" smtClean="0">
-                <a:latin typeface="Courier New" pitchFamily="49" charset="0"/>
-                <a:cs typeface="Courier New" pitchFamily="49" charset="0"/>
-              </a:rPr>
-              <a:t>contrib</a:t>
-            </a:r>
-            <a:r>
-              <a:rPr lang="en-US" sz="1200" dirty="0" smtClean="0">
-                <a:latin typeface="Courier New" pitchFamily="49" charset="0"/>
-                <a:cs typeface="Courier New" pitchFamily="49" charset="0"/>
-              </a:rPr>
-              <a:t>-</a:t>
-            </a:r>
-            <a:r>
-              <a:rPr lang="en-US" sz="1200" dirty="0" err="1" smtClean="0">
-                <a:latin typeface="Courier New" pitchFamily="49" charset="0"/>
-                <a:cs typeface="Courier New" pitchFamily="49" charset="0"/>
-              </a:rPr>
-              <a:t>jshint</a:t>
-            </a:r>
-            <a:r>
-              <a:rPr lang="en-US" sz="1200" dirty="0" smtClean="0">
-                <a:latin typeface="Courier New" pitchFamily="49" charset="0"/>
-                <a:cs typeface="Courier New" pitchFamily="49" charset="0"/>
-              </a:rPr>
-              <a:t>": "~0.8.0",    </a:t>
-            </a:r>
-          </a:p>
-          <a:p>
-            <a:pPr>
-              <a:buNone/>
-            </a:pPr>
-            <a:r>
-              <a:rPr lang="en-US" sz="1200" dirty="0" smtClean="0">
-                <a:latin typeface="Courier New" pitchFamily="49" charset="0"/>
-                <a:cs typeface="Courier New" pitchFamily="49" charset="0"/>
-              </a:rPr>
-              <a:t>   "grunt-bump": "0.0.13",    </a:t>
-            </a:r>
-          </a:p>
-          <a:p>
-            <a:pPr>
-              <a:buNone/>
-            </a:pPr>
-            <a:r>
-              <a:rPr lang="en-US" sz="1200" dirty="0" smtClean="0">
-                <a:latin typeface="Courier New" pitchFamily="49" charset="0"/>
-                <a:cs typeface="Courier New" pitchFamily="49" charset="0"/>
-              </a:rPr>
-              <a:t>   "grunt-</a:t>
-            </a:r>
-            <a:r>
-              <a:rPr lang="en-US" sz="1200" dirty="0" err="1" smtClean="0">
-                <a:latin typeface="Courier New" pitchFamily="49" charset="0"/>
-                <a:cs typeface="Courier New" pitchFamily="49" charset="0"/>
-              </a:rPr>
-              <a:t>contrib</a:t>
-            </a:r>
-            <a:r>
-              <a:rPr lang="en-US" sz="1200" dirty="0" smtClean="0">
-                <a:latin typeface="Courier New" pitchFamily="49" charset="0"/>
-                <a:cs typeface="Courier New" pitchFamily="49" charset="0"/>
-              </a:rPr>
-              <a:t>-</a:t>
-            </a:r>
-            <a:r>
-              <a:rPr lang="en-US" sz="1200" dirty="0" err="1" smtClean="0">
-                <a:latin typeface="Courier New" pitchFamily="49" charset="0"/>
-                <a:cs typeface="Courier New" pitchFamily="49" charset="0"/>
-              </a:rPr>
-              <a:t>cssmin</a:t>
-            </a:r>
-            <a:r>
-              <a:rPr lang="en-US" sz="1200" dirty="0" smtClean="0">
-                <a:latin typeface="Courier New" pitchFamily="49" charset="0"/>
-                <a:cs typeface="Courier New" pitchFamily="49" charset="0"/>
-              </a:rPr>
-              <a:t>": "~0.7.0"  </a:t>
-            </a:r>
-          </a:p>
-          <a:p>
-            <a:pPr>
-              <a:buNone/>
-            </a:pPr>
-            <a:r>
-              <a:rPr lang="en-US" sz="1200" dirty="0" smtClean="0">
-                <a:latin typeface="Courier New" pitchFamily="49" charset="0"/>
-                <a:cs typeface="Courier New" pitchFamily="49" charset="0"/>
-              </a:rPr>
-              <a:t>}</a:t>
-            </a:r>
-          </a:p>
-          <a:p>
-            <a:endParaRPr lang="en-US" sz="1200" dirty="0" smtClean="0">
-              <a:latin typeface="Courier New" pitchFamily="49" charset="0"/>
-              <a:cs typeface="Courier New" pitchFamily="49" charset="0"/>
-            </a:endParaRPr>
-          </a:p>
-        </p:txBody>
-      </p:sp>
-      <p:sp>
-        <p:nvSpPr>
           <p:cNvPr id="2" name="Title 1"/>
           <p:cNvSpPr>
             <a:spLocks noGrp="1"/>
@@ -11990,24 +12472,305 @@
             <p:ph type="title"/>
           </p:nvPr>
         </p:nvSpPr>
-        <p:spPr/>
+        <p:spPr>
+          <a:xfrm>
+            <a:off x="457200" y="228600"/>
+            <a:ext cx="8229600" cy="1143000"/>
+          </a:xfrm>
+        </p:spPr>
         <p:txBody>
-          <a:bodyPr/>
+          <a:bodyPr>
+            <a:normAutofit/>
+          </a:bodyPr>
           <a:lstStyle/>
           <a:p>
             <a:r>
               <a:rPr lang="en-US" dirty="0" smtClean="0"/>
-              <a:t>Adding a </a:t>
-            </a:r>
-            <a:r>
-              <a:rPr lang="en-US" dirty="0" err="1" smtClean="0"/>
-              <a:t>plugin</a:t>
-            </a:r>
-            <a:r>
-              <a:rPr lang="en-US" dirty="0" smtClean="0"/>
-              <a:t> to Gruntfile.js</a:t>
+              <a:t>JS Project setup</a:t>
             </a:r>
             <a:endParaRPr lang="en-US" dirty="0"/>
+          </a:p>
+        </p:txBody>
+      </p:sp>
+      <p:sp>
+        <p:nvSpPr>
+          <p:cNvPr id="5" name="Content Placeholder 4"/>
+          <p:cNvSpPr>
+            <a:spLocks noGrp="1"/>
+          </p:cNvSpPr>
+          <p:nvPr>
+            <p:ph idx="1"/>
+          </p:nvPr>
+        </p:nvSpPr>
+        <p:spPr>
+          <a:xfrm>
+            <a:off x="533400" y="1524000"/>
+            <a:ext cx="8229600" cy="4525963"/>
+          </a:xfrm>
+        </p:spPr>
+        <p:txBody>
+          <a:bodyPr>
+            <a:noAutofit/>
+          </a:bodyPr>
+          <a:lstStyle/>
+          <a:p>
+            <a:pPr lvl="0"/>
+            <a:r>
+              <a:rPr lang="en-US" sz="1800" dirty="0" smtClean="0"/>
+              <a:t>Install grunt : </a:t>
+            </a:r>
+            <a:r>
+              <a:rPr lang="en-US" sz="1600" dirty="0" err="1" smtClean="0"/>
+              <a:t>npm</a:t>
+            </a:r>
+            <a:r>
+              <a:rPr lang="en-US" sz="1600" dirty="0" smtClean="0"/>
+              <a:t> install –g grunt-</a:t>
+            </a:r>
+            <a:r>
+              <a:rPr lang="en-US" sz="1600" dirty="0" err="1" smtClean="0"/>
+              <a:t>cli</a:t>
+            </a:r>
+            <a:endParaRPr lang="en-US" sz="1600" dirty="0" smtClean="0"/>
+          </a:p>
+          <a:p>
+            <a:pPr lvl="0"/>
+            <a:r>
+              <a:rPr lang="en-US" sz="1800" dirty="0" smtClean="0"/>
+              <a:t>Create Gruntfile.js(root level) with basic</a:t>
+            </a:r>
+          </a:p>
+          <a:p>
+            <a:pPr lvl="1">
+              <a:buNone/>
+            </a:pPr>
+            <a:r>
+              <a:rPr lang="en-US" sz="2000" dirty="0" err="1" smtClean="0">
+                <a:latin typeface="Courier New" pitchFamily="49" charset="0"/>
+                <a:cs typeface="Courier New" pitchFamily="49" charset="0"/>
+              </a:rPr>
+              <a:t>module.exports</a:t>
+            </a:r>
+            <a:r>
+              <a:rPr lang="en-US" sz="2000" dirty="0" smtClean="0">
+                <a:latin typeface="Courier New" pitchFamily="49" charset="0"/>
+                <a:cs typeface="Courier New" pitchFamily="49" charset="0"/>
+              </a:rPr>
+              <a:t> = function(grunt){ </a:t>
+            </a:r>
+          </a:p>
+          <a:p>
+            <a:pPr lvl="2">
+              <a:buNone/>
+            </a:pPr>
+            <a:r>
+              <a:rPr lang="en-US" sz="2000" dirty="0" err="1" smtClean="0">
+                <a:latin typeface="Courier New" pitchFamily="49" charset="0"/>
+                <a:cs typeface="Courier New" pitchFamily="49" charset="0"/>
+              </a:rPr>
+              <a:t>grunt.initConfig</a:t>
+            </a:r>
+            <a:r>
+              <a:rPr lang="en-US" sz="2000" dirty="0" smtClean="0">
+                <a:latin typeface="Courier New" pitchFamily="49" charset="0"/>
+                <a:cs typeface="Courier New" pitchFamily="49" charset="0"/>
+              </a:rPr>
+              <a:t>(</a:t>
+            </a:r>
+          </a:p>
+          <a:p>
+            <a:pPr lvl="2">
+              <a:buNone/>
+            </a:pPr>
+            <a:r>
+              <a:rPr lang="en-US" sz="2000" dirty="0" smtClean="0">
+                <a:latin typeface="Courier New" pitchFamily="49" charset="0"/>
+                <a:cs typeface="Courier New" pitchFamily="49" charset="0"/>
+              </a:rPr>
+              <a:t>{ </a:t>
+            </a:r>
+          </a:p>
+          <a:p>
+            <a:pPr lvl="2">
+              <a:buNone/>
+            </a:pPr>
+            <a:r>
+              <a:rPr lang="en-US" sz="2000" dirty="0" smtClean="0">
+                <a:latin typeface="Courier New" pitchFamily="49" charset="0"/>
+                <a:cs typeface="Courier New" pitchFamily="49" charset="0"/>
+              </a:rPr>
+              <a:t>	</a:t>
+            </a:r>
+            <a:r>
+              <a:rPr lang="en-US" sz="2000" dirty="0" err="1" smtClean="0">
+                <a:latin typeface="Courier New" pitchFamily="49" charset="0"/>
+                <a:cs typeface="Courier New" pitchFamily="49" charset="0"/>
+              </a:rPr>
+              <a:t>pkg</a:t>
+            </a:r>
+            <a:r>
+              <a:rPr lang="en-US" sz="2000" dirty="0" smtClean="0">
+                <a:latin typeface="Courier New" pitchFamily="49" charset="0"/>
+                <a:cs typeface="Courier New" pitchFamily="49" charset="0"/>
+              </a:rPr>
+              <a:t>: </a:t>
+            </a:r>
+            <a:r>
+              <a:rPr lang="en-US" sz="2000" dirty="0" err="1" smtClean="0">
+                <a:latin typeface="Courier New" pitchFamily="49" charset="0"/>
+                <a:cs typeface="Courier New" pitchFamily="49" charset="0"/>
+              </a:rPr>
+              <a:t>grunt.file.readJSON</a:t>
+            </a:r>
+            <a:r>
+              <a:rPr lang="en-US" sz="2000" dirty="0" smtClean="0">
+                <a:latin typeface="Courier New" pitchFamily="49" charset="0"/>
+                <a:cs typeface="Courier New" pitchFamily="49" charset="0"/>
+              </a:rPr>
+              <a:t>('</a:t>
+            </a:r>
+            <a:r>
+              <a:rPr lang="en-US" sz="2000" dirty="0" err="1" smtClean="0">
+                <a:latin typeface="Courier New" pitchFamily="49" charset="0"/>
+                <a:cs typeface="Courier New" pitchFamily="49" charset="0"/>
+              </a:rPr>
+              <a:t>package.json</a:t>
+            </a:r>
+            <a:r>
+              <a:rPr lang="en-US" sz="2000" dirty="0" smtClean="0">
+                <a:latin typeface="Courier New" pitchFamily="49" charset="0"/>
+                <a:cs typeface="Courier New" pitchFamily="49" charset="0"/>
+              </a:rPr>
+              <a:t>')</a:t>
+            </a:r>
+          </a:p>
+          <a:p>
+            <a:pPr lvl="2">
+              <a:buNone/>
+            </a:pPr>
+            <a:r>
+              <a:rPr lang="en-US" sz="2000" dirty="0" smtClean="0">
+                <a:latin typeface="Courier New" pitchFamily="49" charset="0"/>
+                <a:cs typeface="Courier New" pitchFamily="49" charset="0"/>
+              </a:rPr>
+              <a:t>}); </a:t>
+            </a:r>
+          </a:p>
+          <a:p>
+            <a:pPr lvl="2">
+              <a:buNone/>
+            </a:pPr>
+            <a:r>
+              <a:rPr lang="en-US" sz="2000" dirty="0" err="1" smtClean="0">
+                <a:latin typeface="Courier New" pitchFamily="49" charset="0"/>
+                <a:cs typeface="Courier New" pitchFamily="49" charset="0"/>
+              </a:rPr>
+              <a:t>grunt.registerTask</a:t>
+            </a:r>
+            <a:r>
+              <a:rPr lang="en-US" sz="2000" dirty="0" smtClean="0">
+                <a:latin typeface="Courier New" pitchFamily="49" charset="0"/>
+                <a:cs typeface="Courier New" pitchFamily="49" charset="0"/>
+              </a:rPr>
+              <a:t>('default', []);</a:t>
+            </a:r>
+          </a:p>
+          <a:p>
+            <a:pPr lvl="1">
+              <a:buNone/>
+            </a:pPr>
+            <a:r>
+              <a:rPr lang="en-US" sz="2000" dirty="0" smtClean="0">
+                <a:latin typeface="Courier New" pitchFamily="49" charset="0"/>
+                <a:cs typeface="Courier New" pitchFamily="49" charset="0"/>
+              </a:rPr>
+              <a:t>};</a:t>
+            </a:r>
+          </a:p>
+          <a:p>
+            <a:pPr>
+              <a:buNone/>
+            </a:pPr>
+            <a:r>
+              <a:rPr lang="en-US" sz="2400" dirty="0" smtClean="0">
+                <a:latin typeface="Courier New" pitchFamily="49" charset="0"/>
+                <a:cs typeface="Courier New" pitchFamily="49" charset="0"/>
+              </a:rPr>
+              <a:t>To run task:</a:t>
+            </a:r>
+          </a:p>
+          <a:p>
+            <a:pPr>
+              <a:buNone/>
+            </a:pPr>
+            <a:r>
+              <a:rPr lang="en-US" sz="2400" dirty="0" smtClean="0">
+                <a:latin typeface="Courier New" pitchFamily="49" charset="0"/>
+                <a:cs typeface="Courier New" pitchFamily="49" charset="0"/>
+              </a:rPr>
+              <a:t>	Grunt =&gt; run ‘default’ task</a:t>
+            </a:r>
+          </a:p>
+          <a:p>
+            <a:pPr>
+              <a:buNone/>
+            </a:pPr>
+            <a:r>
+              <a:rPr lang="en-US" sz="2400" dirty="0" smtClean="0">
+                <a:latin typeface="Courier New" pitchFamily="49" charset="0"/>
+                <a:cs typeface="Courier New" pitchFamily="49" charset="0"/>
+              </a:rPr>
+              <a:t>	Grunt </a:t>
+            </a:r>
+            <a:r>
+              <a:rPr lang="en-US" sz="2400" dirty="0" err="1" smtClean="0">
+                <a:latin typeface="Courier New" pitchFamily="49" charset="0"/>
+                <a:cs typeface="Courier New" pitchFamily="49" charset="0"/>
+              </a:rPr>
+              <a:t>taskname</a:t>
+            </a:r>
+            <a:r>
+              <a:rPr lang="en-US" sz="2400" dirty="0" smtClean="0">
+                <a:latin typeface="Courier New" pitchFamily="49" charset="0"/>
+                <a:cs typeface="Courier New" pitchFamily="49" charset="0"/>
+              </a:rPr>
+              <a:t> =&gt; run </a:t>
+            </a:r>
+            <a:r>
+              <a:rPr lang="en-US" sz="2400" dirty="0" err="1" smtClean="0">
+                <a:latin typeface="Courier New" pitchFamily="49" charset="0"/>
+                <a:cs typeface="Courier New" pitchFamily="49" charset="0"/>
+              </a:rPr>
+              <a:t>taskname</a:t>
+            </a:r>
+            <a:endParaRPr lang="en-US" sz="2400" dirty="0" smtClean="0">
+              <a:latin typeface="Courier New" pitchFamily="49" charset="0"/>
+              <a:cs typeface="Courier New" pitchFamily="49" charset="0"/>
+            </a:endParaRPr>
+          </a:p>
+          <a:p>
+            <a:pPr>
+              <a:buNone/>
+            </a:pPr>
+            <a:endParaRPr lang="en-US" sz="2400" dirty="0" smtClean="0">
+              <a:latin typeface="Courier New" pitchFamily="49" charset="0"/>
+              <a:cs typeface="Courier New" pitchFamily="49" charset="0"/>
+            </a:endParaRPr>
+          </a:p>
+          <a:p>
+            <a:pPr lvl="1">
+              <a:buNone/>
+            </a:pPr>
+            <a:r>
+              <a:rPr lang="en-US" sz="2000" dirty="0" smtClean="0">
+                <a:latin typeface="Courier New" pitchFamily="49" charset="0"/>
+                <a:cs typeface="Courier New" pitchFamily="49" charset="0"/>
+              </a:rPr>
+              <a:t>	</a:t>
+            </a:r>
+          </a:p>
+          <a:p>
+            <a:endParaRPr lang="en-US" sz="1800" dirty="0"/>
           </a:p>
         </p:txBody>
       </p:sp>
@@ -12193,11 +12956,7 @@
             <a:pPr fontAlgn="base"/>
             <a:r>
               <a:rPr lang="en-US" sz="2400" dirty="0" smtClean="0"/>
-              <a:t>grunt-mocha-test: </a:t>
-            </a:r>
-            <a:r>
-              <a:rPr lang="en-US" sz="2400" dirty="0" smtClean="0"/>
-              <a:t>A grunt task for running server side mocha tests</a:t>
+              <a:t>grunt-mocha-test: A grunt task for running server side mocha tests</a:t>
             </a:r>
           </a:p>
           <a:p>
@@ -12251,11 +13010,7 @@
             </a:r>
             <a:r>
               <a:rPr lang="en-US" sz="2800" dirty="0" smtClean="0"/>
-              <a:t> </a:t>
-            </a:r>
-            <a:r>
-              <a:rPr lang="en-US" sz="2800" dirty="0" smtClean="0"/>
-              <a:t>http://gruntjs.com/plugins</a:t>
+              <a:t> http://gruntjs.com/plugins</a:t>
             </a:r>
             <a:br>
               <a:rPr lang="en-US" sz="2800" dirty="0" smtClean="0"/>

--- a/Automation-FrontEnd-With-Gruntjs.pptx
+++ b/Automation-FrontEnd-With-Gruntjs.pptx
@@ -5,23 +5,37 @@
     <p:sldMasterId id="2147483768" r:id="rId1"/>
   </p:sldMasterIdLst>
   <p:notesMasterIdLst>
-    <p:notesMasterId r:id="rId16"/>
+    <p:notesMasterId r:id="rId30"/>
   </p:notesMasterIdLst>
   <p:sldIdLst>
     <p:sldId id="256" r:id="rId2"/>
-    <p:sldId id="268" r:id="rId3"/>
-    <p:sldId id="257" r:id="rId4"/>
-    <p:sldId id="261" r:id="rId5"/>
-    <p:sldId id="258" r:id="rId6"/>
-    <p:sldId id="269" r:id="rId7"/>
-    <p:sldId id="259" r:id="rId8"/>
-    <p:sldId id="260" r:id="rId9"/>
+    <p:sldId id="271" r:id="rId3"/>
+    <p:sldId id="268" r:id="rId4"/>
+    <p:sldId id="257" r:id="rId5"/>
+    <p:sldId id="261" r:id="rId6"/>
+    <p:sldId id="258" r:id="rId7"/>
+    <p:sldId id="269" r:id="rId8"/>
+    <p:sldId id="259" r:id="rId9"/>
     <p:sldId id="266" r:id="rId10"/>
-    <p:sldId id="267" r:id="rId11"/>
-    <p:sldId id="265" r:id="rId12"/>
-    <p:sldId id="263" r:id="rId13"/>
-    <p:sldId id="270" r:id="rId14"/>
-    <p:sldId id="264" r:id="rId15"/>
+    <p:sldId id="260" r:id="rId11"/>
+    <p:sldId id="267" r:id="rId12"/>
+    <p:sldId id="272" r:id="rId13"/>
+    <p:sldId id="263" r:id="rId14"/>
+    <p:sldId id="270" r:id="rId15"/>
+    <p:sldId id="273" r:id="rId16"/>
+    <p:sldId id="280" r:id="rId17"/>
+    <p:sldId id="283" r:id="rId18"/>
+    <p:sldId id="284" r:id="rId19"/>
+    <p:sldId id="277" r:id="rId20"/>
+    <p:sldId id="279" r:id="rId21"/>
+    <p:sldId id="281" r:id="rId22"/>
+    <p:sldId id="278" r:id="rId23"/>
+    <p:sldId id="285" r:id="rId24"/>
+    <p:sldId id="286" r:id="rId25"/>
+    <p:sldId id="274" r:id="rId26"/>
+    <p:sldId id="275" r:id="rId27"/>
+    <p:sldId id="282" r:id="rId28"/>
+    <p:sldId id="264" r:id="rId29"/>
   </p:sldIdLst>
   <p:sldSz cx="9144000" cy="6858000" type="screen4x3"/>
   <p:notesSz cx="6858000" cy="9144000"/>
@@ -4504,7 +4518,7 @@
             <a:fld id="{D36758FF-DEA5-427D-ACCB-D0271A24585B}" type="datetimeFigureOut">
               <a:rPr lang="en-US" smtClean="0"/>
               <a:pPr/>
-              <a:t>3/27/2016</a:t>
+              <a:t>4/3/2016</a:t>
             </a:fld>
             <a:endParaRPr lang="en-US"/>
           </a:p>
@@ -4890,7 +4904,7 @@
             <a:fld id="{665FB4FC-62BE-46E2-9038-3E7EEB4A9B69}" type="slidenum">
               <a:rPr lang="en-US" smtClean="0"/>
               <a:pPr/>
-              <a:t>7</a:t>
+              <a:t>8</a:t>
             </a:fld>
             <a:endParaRPr lang="en-US"/>
           </a:p>
@@ -4950,6 +4964,58 @@
           </a:bodyPr>
           <a:lstStyle/>
           <a:p>
+            <a:pPr>
+              <a:buFont typeface="Arial" pitchFamily="34" charset="0"/>
+              <a:buChar char="•"/>
+            </a:pPr>
+            <a:r>
+              <a:rPr lang="en-US" dirty="0" err="1" smtClean="0"/>
+              <a:t>grunt.loadNpmTasks</a:t>
+            </a:r>
+            <a:r>
+              <a:rPr lang="en-US" dirty="0" smtClean="0"/>
+              <a:t>('grunt-</a:t>
+            </a:r>
+            <a:r>
+              <a:rPr lang="en-US" dirty="0" err="1" smtClean="0"/>
+              <a:t>htmlhint</a:t>
+            </a:r>
+            <a:r>
+              <a:rPr lang="en-US" dirty="0" smtClean="0"/>
+              <a:t>');</a:t>
+            </a:r>
+          </a:p>
+          <a:p>
+            <a:endParaRPr lang="en-US" dirty="0" smtClean="0"/>
+          </a:p>
+          <a:p>
+            <a:pPr>
+              <a:buFont typeface="Arial" pitchFamily="34" charset="0"/>
+              <a:buChar char="•"/>
+            </a:pPr>
+            <a:r>
+              <a:rPr lang="en-US" dirty="0" smtClean="0"/>
+              <a:t>Defines a wrapper function with</a:t>
+            </a:r>
+            <a:r>
+              <a:rPr lang="en-US" baseline="0" dirty="0" smtClean="0"/>
+              <a:t> </a:t>
+            </a:r>
+            <a:r>
+              <a:rPr lang="en-US" dirty="0" smtClean="0"/>
+              <a:t>“grunt” is taken as an argument</a:t>
+            </a:r>
+          </a:p>
+          <a:p>
+            <a:r>
+              <a:rPr lang="en-US" dirty="0" smtClean="0"/>
+              <a:t>~1.2.3 := &gt;=1.2.3-0 &lt;1.3.0-0 "Reasonably close to 1.2.3". When using tilde operators, prerelease versions are supported as well, but a prerelease of the next significant digit will NOT be satisfactory, so 1.3.0-beta will not satisfy ~1.2.3.</a:t>
+            </a:r>
+          </a:p>
+          <a:p>
+            <a:endParaRPr lang="en-US" dirty="0" smtClean="0"/>
+          </a:p>
+          <a:p>
             <a:endParaRPr lang="en-US" dirty="0"/>
           </a:p>
         </p:txBody>
@@ -4972,7 +5038,7 @@
             <a:fld id="{665FB4FC-62BE-46E2-9038-3E7EEB4A9B69}" type="slidenum">
               <a:rPr lang="en-US" smtClean="0"/>
               <a:pPr/>
-              <a:t>8</a:t>
+              <a:t>9</a:t>
             </a:fld>
             <a:endParaRPr lang="en-US"/>
           </a:p>
@@ -5032,58 +5098,6 @@
           </a:bodyPr>
           <a:lstStyle/>
           <a:p>
-            <a:pPr>
-              <a:buFont typeface="Arial" pitchFamily="34" charset="0"/>
-              <a:buChar char="•"/>
-            </a:pPr>
-            <a:r>
-              <a:rPr lang="en-US" dirty="0" err="1" smtClean="0"/>
-              <a:t>grunt.loadNpmTasks</a:t>
-            </a:r>
-            <a:r>
-              <a:rPr lang="en-US" dirty="0" smtClean="0"/>
-              <a:t>('grunt-</a:t>
-            </a:r>
-            <a:r>
-              <a:rPr lang="en-US" dirty="0" err="1" smtClean="0"/>
-              <a:t>htmlhint</a:t>
-            </a:r>
-            <a:r>
-              <a:rPr lang="en-US" dirty="0" smtClean="0"/>
-              <a:t>');</a:t>
-            </a:r>
-          </a:p>
-          <a:p>
-            <a:endParaRPr lang="en-US" dirty="0" smtClean="0"/>
-          </a:p>
-          <a:p>
-            <a:pPr>
-              <a:buFont typeface="Arial" pitchFamily="34" charset="0"/>
-              <a:buChar char="•"/>
-            </a:pPr>
-            <a:r>
-              <a:rPr lang="en-US" dirty="0" smtClean="0"/>
-              <a:t>Defines a wrapper function with</a:t>
-            </a:r>
-            <a:r>
-              <a:rPr lang="en-US" baseline="0" dirty="0" smtClean="0"/>
-              <a:t> </a:t>
-            </a:r>
-            <a:r>
-              <a:rPr lang="en-US" dirty="0" smtClean="0"/>
-              <a:t>“grunt” is taken as an argument</a:t>
-            </a:r>
-          </a:p>
-          <a:p>
-            <a:r>
-              <a:rPr lang="en-US" dirty="0" smtClean="0"/>
-              <a:t>~1.2.3 := &gt;=1.2.3-0 &lt;1.3.0-0 "Reasonably close to 1.2.3". When using tilde operators, prerelease versions are supported as well, but a prerelease of the next significant digit will NOT be satisfactory, so 1.3.0-beta will not satisfy ~1.2.3.</a:t>
-            </a:r>
-          </a:p>
-          <a:p>
-            <a:endParaRPr lang="en-US" dirty="0" smtClean="0"/>
-          </a:p>
-          <a:p>
             <a:endParaRPr lang="en-US" dirty="0"/>
           </a:p>
         </p:txBody>
@@ -5106,7 +5120,296 @@
             <a:fld id="{665FB4FC-62BE-46E2-9038-3E7EEB4A9B69}" type="slidenum">
               <a:rPr lang="en-US" smtClean="0"/>
               <a:pPr/>
-              <a:t>9</a:t>
+              <a:t>10</a:t>
+            </a:fld>
+            <a:endParaRPr lang="en-US"/>
+          </a:p>
+        </p:txBody>
+      </p:sp>
+    </p:spTree>
+  </p:cSld>
+  <p:clrMapOvr>
+    <a:masterClrMapping/>
+  </p:clrMapOvr>
+</p:notes>
+</file>
+
+<file path=ppt/notesSlides/notesSlide4.xml><?xml version="1.0" encoding="utf-8"?>
+<p:notes xmlns:a="http://schemas.openxmlformats.org/drawingml/2006/main" xmlns:r="http://schemas.openxmlformats.org/officeDocument/2006/relationships" xmlns:p="http://schemas.openxmlformats.org/presentationml/2006/main">
+  <p:cSld>
+    <p:spTree>
+      <p:nvGrpSpPr>
+        <p:cNvPr id="1" name=""/>
+        <p:cNvGrpSpPr/>
+        <p:nvPr/>
+      </p:nvGrpSpPr>
+      <p:grpSpPr>
+        <a:xfrm>
+          <a:off x="0" y="0"/>
+          <a:ext cx="0" cy="0"/>
+          <a:chOff x="0" y="0"/>
+          <a:chExt cx="0" cy="0"/>
+        </a:xfrm>
+      </p:grpSpPr>
+      <p:sp>
+        <p:nvSpPr>
+          <p:cNvPr id="2" name="Slide Image Placeholder 1"/>
+          <p:cNvSpPr>
+            <a:spLocks noGrp="1" noRot="1" noChangeAspect="1"/>
+          </p:cNvSpPr>
+          <p:nvPr>
+            <p:ph type="sldImg"/>
+          </p:nvPr>
+        </p:nvSpPr>
+        <p:spPr/>
+      </p:sp>
+      <p:sp>
+        <p:nvSpPr>
+          <p:cNvPr id="3" name="Notes Placeholder 2"/>
+          <p:cNvSpPr>
+            <a:spLocks noGrp="1"/>
+          </p:cNvSpPr>
+          <p:nvPr>
+            <p:ph type="body" idx="1"/>
+          </p:nvPr>
+        </p:nvSpPr>
+        <p:spPr/>
+        <p:txBody>
+          <a:bodyPr>
+            <a:normAutofit/>
+          </a:bodyPr>
+          <a:lstStyle/>
+          <a:p>
+            <a:r>
+              <a:rPr lang="en-US" dirty="0" smtClean="0"/>
+              <a:t>Sample</a:t>
+            </a:r>
+            <a:r>
+              <a:rPr lang="en-US" baseline="0" dirty="0" smtClean="0"/>
+              <a:t> configuration for automation call </a:t>
+            </a:r>
+            <a:r>
+              <a:rPr lang="en-US" baseline="0" dirty="0" err="1" smtClean="0"/>
+              <a:t>JSHint</a:t>
+            </a:r>
+            <a:r>
+              <a:rPr lang="en-US" baseline="0" dirty="0" smtClean="0"/>
+              <a:t> when a file change</a:t>
+            </a:r>
+            <a:endParaRPr lang="en-US" dirty="0"/>
+          </a:p>
+        </p:txBody>
+      </p:sp>
+      <p:sp>
+        <p:nvSpPr>
+          <p:cNvPr id="4" name="Slide Number Placeholder 3"/>
+          <p:cNvSpPr>
+            <a:spLocks noGrp="1"/>
+          </p:cNvSpPr>
+          <p:nvPr>
+            <p:ph type="sldNum" sz="quarter" idx="10"/>
+          </p:nvPr>
+        </p:nvSpPr>
+        <p:spPr/>
+        <p:txBody>
+          <a:bodyPr/>
+          <a:lstStyle/>
+          <a:p>
+            <a:fld id="{665FB4FC-62BE-46E2-9038-3E7EEB4A9B69}" type="slidenum">
+              <a:rPr lang="en-US" smtClean="0"/>
+              <a:pPr/>
+              <a:t>11</a:t>
+            </a:fld>
+            <a:endParaRPr lang="en-US"/>
+          </a:p>
+        </p:txBody>
+      </p:sp>
+    </p:spTree>
+  </p:cSld>
+  <p:clrMapOvr>
+    <a:masterClrMapping/>
+  </p:clrMapOvr>
+</p:notes>
+</file>
+
+<file path=ppt/notesSlides/notesSlide5.xml><?xml version="1.0" encoding="utf-8"?>
+<p:notes xmlns:a="http://schemas.openxmlformats.org/drawingml/2006/main" xmlns:r="http://schemas.openxmlformats.org/officeDocument/2006/relationships" xmlns:p="http://schemas.openxmlformats.org/presentationml/2006/main">
+  <p:cSld>
+    <p:spTree>
+      <p:nvGrpSpPr>
+        <p:cNvPr id="1" name=""/>
+        <p:cNvGrpSpPr/>
+        <p:nvPr/>
+      </p:nvGrpSpPr>
+      <p:grpSpPr>
+        <a:xfrm>
+          <a:off x="0" y="0"/>
+          <a:ext cx="0" cy="0"/>
+          <a:chOff x="0" y="0"/>
+          <a:chExt cx="0" cy="0"/>
+        </a:xfrm>
+      </p:grpSpPr>
+      <p:sp>
+        <p:nvSpPr>
+          <p:cNvPr id="2" name="Slide Image Placeholder 1"/>
+          <p:cNvSpPr>
+            <a:spLocks noGrp="1" noRot="1" noChangeAspect="1"/>
+          </p:cNvSpPr>
+          <p:nvPr>
+            <p:ph type="sldImg"/>
+          </p:nvPr>
+        </p:nvSpPr>
+        <p:spPr/>
+      </p:sp>
+      <p:sp>
+        <p:nvSpPr>
+          <p:cNvPr id="3" name="Notes Placeholder 2"/>
+          <p:cNvSpPr>
+            <a:spLocks noGrp="1"/>
+          </p:cNvSpPr>
+          <p:nvPr>
+            <p:ph type="body" idx="1"/>
+          </p:nvPr>
+        </p:nvSpPr>
+        <p:spPr/>
+        <p:txBody>
+          <a:bodyPr>
+            <a:normAutofit/>
+          </a:bodyPr>
+          <a:lstStyle/>
+          <a:p>
+            <a:r>
+              <a:rPr lang="en-US" dirty="0" smtClean="0"/>
+              <a:t>grunt</a:t>
+            </a:r>
+            <a:r>
+              <a:rPr lang="en-US" baseline="0" dirty="0" smtClean="0"/>
+              <a:t> </a:t>
+            </a:r>
+            <a:r>
+              <a:rPr lang="en-US" baseline="0" dirty="0" err="1" smtClean="0"/>
+              <a:t>mochaTest</a:t>
+            </a:r>
+            <a:endParaRPr lang="en-US" baseline="0" dirty="0" smtClean="0"/>
+          </a:p>
+          <a:p>
+            <a:endParaRPr lang="en-US" baseline="0" dirty="0" smtClean="0"/>
+          </a:p>
+          <a:p>
+            <a:endParaRPr lang="en-US" dirty="0"/>
+          </a:p>
+        </p:txBody>
+      </p:sp>
+      <p:sp>
+        <p:nvSpPr>
+          <p:cNvPr id="4" name="Slide Number Placeholder 3"/>
+          <p:cNvSpPr>
+            <a:spLocks noGrp="1"/>
+          </p:cNvSpPr>
+          <p:nvPr>
+            <p:ph type="sldNum" sz="quarter" idx="10"/>
+          </p:nvPr>
+        </p:nvSpPr>
+        <p:spPr/>
+        <p:txBody>
+          <a:bodyPr/>
+          <a:lstStyle/>
+          <a:p>
+            <a:fld id="{665FB4FC-62BE-46E2-9038-3E7EEB4A9B69}" type="slidenum">
+              <a:rPr lang="en-US" smtClean="0"/>
+              <a:pPr/>
+              <a:t>20</a:t>
+            </a:fld>
+            <a:endParaRPr lang="en-US"/>
+          </a:p>
+        </p:txBody>
+      </p:sp>
+    </p:spTree>
+  </p:cSld>
+  <p:clrMapOvr>
+    <a:masterClrMapping/>
+  </p:clrMapOvr>
+</p:notes>
+</file>
+
+<file path=ppt/notesSlides/notesSlide6.xml><?xml version="1.0" encoding="utf-8"?>
+<p:notes xmlns:a="http://schemas.openxmlformats.org/drawingml/2006/main" xmlns:r="http://schemas.openxmlformats.org/officeDocument/2006/relationships" xmlns:p="http://schemas.openxmlformats.org/presentationml/2006/main">
+  <p:cSld>
+    <p:spTree>
+      <p:nvGrpSpPr>
+        <p:cNvPr id="1" name=""/>
+        <p:cNvGrpSpPr/>
+        <p:nvPr/>
+      </p:nvGrpSpPr>
+      <p:grpSpPr>
+        <a:xfrm>
+          <a:off x="0" y="0"/>
+          <a:ext cx="0" cy="0"/>
+          <a:chOff x="0" y="0"/>
+          <a:chExt cx="0" cy="0"/>
+        </a:xfrm>
+      </p:grpSpPr>
+      <p:sp>
+        <p:nvSpPr>
+          <p:cNvPr id="2" name="Slide Image Placeholder 1"/>
+          <p:cNvSpPr>
+            <a:spLocks noGrp="1" noRot="1" noChangeAspect="1"/>
+          </p:cNvSpPr>
+          <p:nvPr>
+            <p:ph type="sldImg"/>
+          </p:nvPr>
+        </p:nvSpPr>
+        <p:spPr/>
+      </p:sp>
+      <p:sp>
+        <p:nvSpPr>
+          <p:cNvPr id="3" name="Notes Placeholder 2"/>
+          <p:cNvSpPr>
+            <a:spLocks noGrp="1"/>
+          </p:cNvSpPr>
+          <p:nvPr>
+            <p:ph type="body" idx="1"/>
+          </p:nvPr>
+        </p:nvSpPr>
+        <p:spPr/>
+        <p:txBody>
+          <a:bodyPr>
+            <a:normAutofit/>
+          </a:bodyPr>
+          <a:lstStyle/>
+          <a:p>
+            <a:r>
+              <a:rPr lang="en-US" dirty="0" smtClean="0"/>
+              <a:t>https://github.com/alex-seville/travis-cov</a:t>
+            </a:r>
+          </a:p>
+          <a:p>
+            <a:endParaRPr lang="en-US" dirty="0" smtClean="0"/>
+          </a:p>
+          <a:p>
+            <a:endParaRPr lang="en-US" dirty="0"/>
+          </a:p>
+        </p:txBody>
+      </p:sp>
+      <p:sp>
+        <p:nvSpPr>
+          <p:cNvPr id="4" name="Slide Number Placeholder 3"/>
+          <p:cNvSpPr>
+            <a:spLocks noGrp="1"/>
+          </p:cNvSpPr>
+          <p:nvPr>
+            <p:ph type="sldNum" sz="quarter" idx="10"/>
+          </p:nvPr>
+        </p:nvSpPr>
+        <p:spPr/>
+        <p:txBody>
+          <a:bodyPr/>
+          <a:lstStyle/>
+          <a:p>
+            <a:fld id="{665FB4FC-62BE-46E2-9038-3E7EEB4A9B69}" type="slidenum">
+              <a:rPr lang="en-US" smtClean="0"/>
+              <a:pPr/>
+              <a:t>21</a:t>
             </a:fld>
             <a:endParaRPr lang="en-US"/>
           </a:p>
@@ -5746,7 +6049,7 @@
             <a:fld id="{D94E15C5-240B-4504-9BEB-347730CFAA86}" type="datetimeFigureOut">
               <a:rPr lang="en-US" smtClean="0"/>
               <a:pPr/>
-              <a:t>3/27/2016</a:t>
+              <a:t>4/3/2016</a:t>
             </a:fld>
             <a:endParaRPr lang="en-US"/>
           </a:p>
@@ -5944,7 +6247,7 @@
             <a:fld id="{D94E15C5-240B-4504-9BEB-347730CFAA86}" type="datetimeFigureOut">
               <a:rPr lang="en-US" smtClean="0"/>
               <a:pPr/>
-              <a:t>3/27/2016</a:t>
+              <a:t>4/3/2016</a:t>
             </a:fld>
             <a:endParaRPr lang="en-US"/>
           </a:p>
@@ -6131,7 +6434,7 @@
             <a:fld id="{D94E15C5-240B-4504-9BEB-347730CFAA86}" type="datetimeFigureOut">
               <a:rPr lang="en-US" smtClean="0"/>
               <a:pPr/>
-              <a:t>3/27/2016</a:t>
+              <a:t>4/3/2016</a:t>
             </a:fld>
             <a:endParaRPr lang="en-US"/>
           </a:p>
@@ -6283,7 +6586,7 @@
             <a:fld id="{D94E15C5-240B-4504-9BEB-347730CFAA86}" type="datetimeFigureOut">
               <a:rPr lang="en-US" smtClean="0"/>
               <a:pPr/>
-              <a:t>3/27/2016</a:t>
+              <a:t>4/3/2016</a:t>
             </a:fld>
             <a:endParaRPr lang="en-US"/>
           </a:p>
@@ -6540,7 +6843,7 @@
             <a:fld id="{D94E15C5-240B-4504-9BEB-347730CFAA86}" type="datetimeFigureOut">
               <a:rPr lang="en-US" smtClean="0"/>
               <a:pPr/>
-              <a:t>3/27/2016</a:t>
+              <a:t>4/3/2016</a:t>
             </a:fld>
             <a:endParaRPr lang="en-US"/>
           </a:p>
@@ -6951,7 +7254,7 @@
             <a:fld id="{D94E15C5-240B-4504-9BEB-347730CFAA86}" type="datetimeFigureOut">
               <a:rPr lang="en-US" smtClean="0"/>
               <a:pPr/>
-              <a:t>3/27/2016</a:t>
+              <a:t>4/3/2016</a:t>
             </a:fld>
             <a:endParaRPr lang="en-US"/>
           </a:p>
@@ -7399,7 +7702,7 @@
             <a:fld id="{D94E15C5-240B-4504-9BEB-347730CFAA86}" type="datetimeFigureOut">
               <a:rPr lang="en-US" smtClean="0"/>
               <a:pPr/>
-              <a:t>3/27/2016</a:t>
+              <a:t>4/3/2016</a:t>
             </a:fld>
             <a:endParaRPr lang="en-US"/>
           </a:p>
@@ -7502,7 +7805,7 @@
             <a:fld id="{D94E15C5-240B-4504-9BEB-347730CFAA86}" type="datetimeFigureOut">
               <a:rPr lang="en-US" smtClean="0"/>
               <a:pPr/>
-              <a:t>3/27/2016</a:t>
+              <a:t>4/3/2016</a:t>
             </a:fld>
             <a:endParaRPr lang="en-US"/>
           </a:p>
@@ -7625,7 +7928,7 @@
             <a:fld id="{D94E15C5-240B-4504-9BEB-347730CFAA86}" type="datetimeFigureOut">
               <a:rPr lang="en-US" smtClean="0"/>
               <a:pPr/>
-              <a:t>3/27/2016</a:t>
+              <a:t>4/3/2016</a:t>
             </a:fld>
             <a:endParaRPr lang="en-US"/>
           </a:p>
@@ -7901,7 +8204,7 @@
             <a:fld id="{D94E15C5-240B-4504-9BEB-347730CFAA86}" type="datetimeFigureOut">
               <a:rPr lang="en-US" smtClean="0"/>
               <a:pPr/>
-              <a:t>3/27/2016</a:t>
+              <a:t>4/3/2016</a:t>
             </a:fld>
             <a:endParaRPr lang="en-US"/>
           </a:p>
@@ -8108,7 +8411,7 @@
             <a:fld id="{D94E15C5-240B-4504-9BEB-347730CFAA86}" type="datetimeFigureOut">
               <a:rPr lang="en-US" smtClean="0"/>
               <a:pPr/>
-              <a:t>3/27/2016</a:t>
+              <a:t>4/3/2016</a:t>
             </a:fld>
             <a:endParaRPr lang="en-US"/>
           </a:p>
@@ -9219,7 +9522,7 @@
             <a:fld id="{D94E15C5-240B-4504-9BEB-347730CFAA86}" type="datetimeFigureOut">
               <a:rPr lang="en-US" smtClean="0"/>
               <a:pPr/>
-              <a:t>3/27/2016</a:t>
+              <a:t>4/3/2016</a:t>
             </a:fld>
             <a:endParaRPr lang="en-US"/>
           </a:p>
@@ -9674,19 +9977,7 @@
           <a:p>
             <a:r>
               <a:rPr lang="en-US" dirty="0" smtClean="0"/>
-              <a:t>Grunt as a build </a:t>
-            </a:r>
-            <a:r>
-              <a:rPr lang="en-US" dirty="0" smtClean="0"/>
-              <a:t>tool </a:t>
-            </a:r>
-            <a:r>
-              <a:rPr lang="en-US" dirty="0" smtClean="0"/>
-              <a:t>for </a:t>
-            </a:r>
-            <a:r>
-              <a:rPr lang="en-US" dirty="0" smtClean="0"/>
-              <a:t>JS</a:t>
+              <a:t>Grunt as a build tool for JS</a:t>
             </a:r>
           </a:p>
           <a:p>
@@ -9740,6 +10031,412 @@
       </p:grpSpPr>
       <p:sp>
         <p:nvSpPr>
+          <p:cNvPr id="3" name="Content Placeholder 2"/>
+          <p:cNvSpPr>
+            <a:spLocks noGrp="1"/>
+          </p:cNvSpPr>
+          <p:nvPr>
+            <p:ph idx="1"/>
+          </p:nvPr>
+        </p:nvSpPr>
+        <p:spPr/>
+        <p:txBody>
+          <a:bodyPr>
+            <a:normAutofit/>
+          </a:bodyPr>
+          <a:lstStyle/>
+          <a:p>
+            <a:r>
+              <a:rPr lang="en-US" sz="2400" dirty="0" smtClean="0"/>
+              <a:t>Install locally using command line and add it as dependency to </a:t>
+            </a:r>
+            <a:r>
+              <a:rPr lang="en-US" sz="2400" dirty="0" err="1" smtClean="0"/>
+              <a:t>package.json</a:t>
+            </a:r>
+            <a:endParaRPr lang="en-US" sz="2400" dirty="0" smtClean="0"/>
+          </a:p>
+          <a:p>
+            <a:pPr>
+              <a:buNone/>
+            </a:pPr>
+            <a:r>
+              <a:rPr lang="en-US" sz="1400" dirty="0" err="1" smtClean="0">
+                <a:latin typeface="Courier New" pitchFamily="49" charset="0"/>
+                <a:cs typeface="Courier New" pitchFamily="49" charset="0"/>
+              </a:rPr>
+              <a:t>npm</a:t>
+            </a:r>
+            <a:r>
+              <a:rPr lang="en-US" sz="1400" dirty="0" smtClean="0">
+                <a:latin typeface="Courier New" pitchFamily="49" charset="0"/>
+                <a:cs typeface="Courier New" pitchFamily="49" charset="0"/>
+              </a:rPr>
+              <a:t> install &lt;</a:t>
+            </a:r>
+            <a:r>
+              <a:rPr lang="en-US" sz="1400" dirty="0" err="1" smtClean="0">
+                <a:latin typeface="Courier New" pitchFamily="49" charset="0"/>
+                <a:cs typeface="Courier New" pitchFamily="49" charset="0"/>
+              </a:rPr>
+              <a:t>plugin</a:t>
+            </a:r>
+            <a:r>
+              <a:rPr lang="en-US" sz="1400" dirty="0" smtClean="0">
+                <a:latin typeface="Courier New" pitchFamily="49" charset="0"/>
+                <a:cs typeface="Courier New" pitchFamily="49" charset="0"/>
+              </a:rPr>
+              <a:t>&gt; --save-dependency</a:t>
+            </a:r>
+          </a:p>
+          <a:p>
+            <a:pPr>
+              <a:buNone/>
+            </a:pPr>
+            <a:endParaRPr lang="en-US" sz="1400" dirty="0" smtClean="0">
+              <a:latin typeface="Courier New" pitchFamily="49" charset="0"/>
+              <a:cs typeface="Courier New" pitchFamily="49" charset="0"/>
+            </a:endParaRPr>
+          </a:p>
+          <a:p>
+            <a:r>
+              <a:rPr lang="en-US" sz="2400" dirty="0" smtClean="0"/>
+              <a:t>Or manually add dependency to </a:t>
+            </a:r>
+            <a:r>
+              <a:rPr lang="en-US" sz="2400" dirty="0" err="1" smtClean="0"/>
+              <a:t>package.json</a:t>
+            </a:r>
+            <a:endParaRPr lang="en-US" sz="2400" dirty="0" smtClean="0"/>
+          </a:p>
+          <a:p>
+            <a:pPr>
+              <a:buNone/>
+            </a:pPr>
+            <a:r>
+              <a:rPr lang="en-US" sz="2400" dirty="0" smtClean="0"/>
+              <a:t>Sample:</a:t>
+            </a:r>
+          </a:p>
+          <a:p>
+            <a:pPr>
+              <a:buNone/>
+            </a:pPr>
+            <a:r>
+              <a:rPr lang="en-US" sz="1200" dirty="0" smtClean="0">
+                <a:latin typeface="Courier New" pitchFamily="49" charset="0"/>
+                <a:cs typeface="Courier New" pitchFamily="49" charset="0"/>
+              </a:rPr>
+              <a:t> "</a:t>
+            </a:r>
+            <a:r>
+              <a:rPr lang="en-US" sz="1200" dirty="0" err="1" smtClean="0">
+                <a:latin typeface="Courier New" pitchFamily="49" charset="0"/>
+                <a:cs typeface="Courier New" pitchFamily="49" charset="0"/>
+              </a:rPr>
+              <a:t>devDependencies</a:t>
+            </a:r>
+            <a:r>
+              <a:rPr lang="en-US" sz="1200" dirty="0" smtClean="0">
+                <a:latin typeface="Courier New" pitchFamily="49" charset="0"/>
+                <a:cs typeface="Courier New" pitchFamily="49" charset="0"/>
+              </a:rPr>
+              <a:t>": {    </a:t>
+            </a:r>
+          </a:p>
+          <a:p>
+            <a:pPr>
+              <a:buNone/>
+            </a:pPr>
+            <a:r>
+              <a:rPr lang="en-US" sz="1200" dirty="0" smtClean="0">
+                <a:latin typeface="Courier New" pitchFamily="49" charset="0"/>
+                <a:cs typeface="Courier New" pitchFamily="49" charset="0"/>
+              </a:rPr>
+              <a:t>	"grunt": "~0.4.2",    </a:t>
+            </a:r>
+          </a:p>
+          <a:p>
+            <a:pPr>
+              <a:buNone/>
+            </a:pPr>
+            <a:r>
+              <a:rPr lang="en-US" sz="1200" dirty="0" smtClean="0">
+                <a:latin typeface="Courier New" pitchFamily="49" charset="0"/>
+                <a:cs typeface="Courier New" pitchFamily="49" charset="0"/>
+              </a:rPr>
+              <a:t>	"grunt-</a:t>
+            </a:r>
+            <a:r>
+              <a:rPr lang="en-US" sz="1200" dirty="0" err="1" smtClean="0">
+                <a:latin typeface="Courier New" pitchFamily="49" charset="0"/>
+                <a:cs typeface="Courier New" pitchFamily="49" charset="0"/>
+              </a:rPr>
+              <a:t>htmlhint</a:t>
+            </a:r>
+            <a:r>
+              <a:rPr lang="en-US" sz="1200" dirty="0" smtClean="0">
+                <a:latin typeface="Courier New" pitchFamily="49" charset="0"/>
+                <a:cs typeface="Courier New" pitchFamily="49" charset="0"/>
+              </a:rPr>
+              <a:t>": "*",</a:t>
+            </a:r>
+          </a:p>
+          <a:p>
+            <a:pPr>
+              <a:buNone/>
+            </a:pPr>
+            <a:r>
+              <a:rPr lang="en-US" sz="1200" dirty="0" smtClean="0">
+                <a:latin typeface="Courier New" pitchFamily="49" charset="0"/>
+                <a:cs typeface="Courier New" pitchFamily="49" charset="0"/>
+              </a:rPr>
+              <a:t>   "</a:t>
+            </a:r>
+            <a:r>
+              <a:rPr lang="en-US" sz="1200" dirty="0" err="1" smtClean="0">
+                <a:latin typeface="Courier New" pitchFamily="49" charset="0"/>
+                <a:cs typeface="Courier New" pitchFamily="49" charset="0"/>
+              </a:rPr>
+              <a:t>matchdep</a:t>
+            </a:r>
+            <a:r>
+              <a:rPr lang="en-US" sz="1200" dirty="0" smtClean="0">
+                <a:latin typeface="Courier New" pitchFamily="49" charset="0"/>
+                <a:cs typeface="Courier New" pitchFamily="49" charset="0"/>
+              </a:rPr>
+              <a:t>": "*",    </a:t>
+            </a:r>
+          </a:p>
+          <a:p>
+            <a:pPr>
+              <a:buNone/>
+            </a:pPr>
+            <a:r>
+              <a:rPr lang="en-US" sz="1200" dirty="0" smtClean="0">
+                <a:latin typeface="Courier New" pitchFamily="49" charset="0"/>
+                <a:cs typeface="Courier New" pitchFamily="49" charset="0"/>
+              </a:rPr>
+              <a:t>   "grunt-</a:t>
+            </a:r>
+            <a:r>
+              <a:rPr lang="en-US" sz="1200" dirty="0" err="1" smtClean="0">
+                <a:latin typeface="Courier New" pitchFamily="49" charset="0"/>
+                <a:cs typeface="Courier New" pitchFamily="49" charset="0"/>
+              </a:rPr>
+              <a:t>contrib</a:t>
+            </a:r>
+            <a:r>
+              <a:rPr lang="en-US" sz="1200" dirty="0" smtClean="0">
+                <a:latin typeface="Courier New" pitchFamily="49" charset="0"/>
+                <a:cs typeface="Courier New" pitchFamily="49" charset="0"/>
+              </a:rPr>
+              <a:t>-watch": "*",    </a:t>
+            </a:r>
+          </a:p>
+          <a:p>
+            <a:pPr>
+              <a:buNone/>
+            </a:pPr>
+            <a:r>
+              <a:rPr lang="en-US" sz="1200" dirty="0" smtClean="0">
+                <a:latin typeface="Courier New" pitchFamily="49" charset="0"/>
+                <a:cs typeface="Courier New" pitchFamily="49" charset="0"/>
+              </a:rPr>
+              <a:t>   "grunt-</a:t>
+            </a:r>
+            <a:r>
+              <a:rPr lang="en-US" sz="1200" dirty="0" err="1" smtClean="0">
+                <a:latin typeface="Courier New" pitchFamily="49" charset="0"/>
+                <a:cs typeface="Courier New" pitchFamily="49" charset="0"/>
+              </a:rPr>
+              <a:t>contrib</a:t>
+            </a:r>
+            <a:r>
+              <a:rPr lang="en-US" sz="1200" dirty="0" smtClean="0">
+                <a:latin typeface="Courier New" pitchFamily="49" charset="0"/>
+                <a:cs typeface="Courier New" pitchFamily="49" charset="0"/>
+              </a:rPr>
+              <a:t>-clean": "~0.5.0",    </a:t>
+            </a:r>
+          </a:p>
+          <a:p>
+            <a:pPr>
+              <a:buNone/>
+            </a:pPr>
+            <a:r>
+              <a:rPr lang="en-US" sz="1200" dirty="0" smtClean="0">
+                <a:latin typeface="Courier New" pitchFamily="49" charset="0"/>
+                <a:cs typeface="Courier New" pitchFamily="49" charset="0"/>
+              </a:rPr>
+              <a:t>   "grunt-</a:t>
+            </a:r>
+            <a:r>
+              <a:rPr lang="en-US" sz="1200" dirty="0" err="1" smtClean="0">
+                <a:latin typeface="Courier New" pitchFamily="49" charset="0"/>
+                <a:cs typeface="Courier New" pitchFamily="49" charset="0"/>
+              </a:rPr>
+              <a:t>contrib</a:t>
+            </a:r>
+            <a:r>
+              <a:rPr lang="en-US" sz="1200" dirty="0" smtClean="0">
+                <a:latin typeface="Courier New" pitchFamily="49" charset="0"/>
+                <a:cs typeface="Courier New" pitchFamily="49" charset="0"/>
+              </a:rPr>
+              <a:t>-</a:t>
+            </a:r>
+            <a:r>
+              <a:rPr lang="en-US" sz="1200" dirty="0" err="1" smtClean="0">
+                <a:latin typeface="Courier New" pitchFamily="49" charset="0"/>
+                <a:cs typeface="Courier New" pitchFamily="49" charset="0"/>
+              </a:rPr>
+              <a:t>jshint</a:t>
+            </a:r>
+            <a:r>
+              <a:rPr lang="en-US" sz="1200" dirty="0" smtClean="0">
+                <a:latin typeface="Courier New" pitchFamily="49" charset="0"/>
+                <a:cs typeface="Courier New" pitchFamily="49" charset="0"/>
+              </a:rPr>
+              <a:t>": "~0.8.0",    </a:t>
+            </a:r>
+          </a:p>
+          <a:p>
+            <a:pPr>
+              <a:buNone/>
+            </a:pPr>
+            <a:r>
+              <a:rPr lang="en-US" sz="1200" dirty="0" smtClean="0">
+                <a:latin typeface="Courier New" pitchFamily="49" charset="0"/>
+                <a:cs typeface="Courier New" pitchFamily="49" charset="0"/>
+              </a:rPr>
+              <a:t>   "grunt-bump": "0.0.13",    </a:t>
+            </a:r>
+          </a:p>
+          <a:p>
+            <a:pPr>
+              <a:buNone/>
+            </a:pPr>
+            <a:r>
+              <a:rPr lang="en-US" sz="1200" dirty="0" smtClean="0">
+                <a:latin typeface="Courier New" pitchFamily="49" charset="0"/>
+                <a:cs typeface="Courier New" pitchFamily="49" charset="0"/>
+              </a:rPr>
+              <a:t>   "grunt-</a:t>
+            </a:r>
+            <a:r>
+              <a:rPr lang="en-US" sz="1200" dirty="0" err="1" smtClean="0">
+                <a:latin typeface="Courier New" pitchFamily="49" charset="0"/>
+                <a:cs typeface="Courier New" pitchFamily="49" charset="0"/>
+              </a:rPr>
+              <a:t>contrib</a:t>
+            </a:r>
+            <a:r>
+              <a:rPr lang="en-US" sz="1200" dirty="0" smtClean="0">
+                <a:latin typeface="Courier New" pitchFamily="49" charset="0"/>
+                <a:cs typeface="Courier New" pitchFamily="49" charset="0"/>
+              </a:rPr>
+              <a:t>-</a:t>
+            </a:r>
+            <a:r>
+              <a:rPr lang="en-US" sz="1200" dirty="0" err="1" smtClean="0">
+                <a:latin typeface="Courier New" pitchFamily="49" charset="0"/>
+                <a:cs typeface="Courier New" pitchFamily="49" charset="0"/>
+              </a:rPr>
+              <a:t>cssmin</a:t>
+            </a:r>
+            <a:r>
+              <a:rPr lang="en-US" sz="1200" dirty="0" smtClean="0">
+                <a:latin typeface="Courier New" pitchFamily="49" charset="0"/>
+                <a:cs typeface="Courier New" pitchFamily="49" charset="0"/>
+              </a:rPr>
+              <a:t>": "~0.7.0"  </a:t>
+            </a:r>
+          </a:p>
+          <a:p>
+            <a:pPr>
+              <a:buNone/>
+            </a:pPr>
+            <a:r>
+              <a:rPr lang="en-US" sz="1200" dirty="0" smtClean="0">
+                <a:latin typeface="Courier New" pitchFamily="49" charset="0"/>
+                <a:cs typeface="Courier New" pitchFamily="49" charset="0"/>
+              </a:rPr>
+              <a:t>}</a:t>
+            </a:r>
+          </a:p>
+          <a:p>
+            <a:endParaRPr lang="en-US" sz="1200" dirty="0" smtClean="0">
+              <a:latin typeface="Courier New" pitchFamily="49" charset="0"/>
+              <a:cs typeface="Courier New" pitchFamily="49" charset="0"/>
+            </a:endParaRPr>
+          </a:p>
+        </p:txBody>
+      </p:sp>
+      <p:sp>
+        <p:nvSpPr>
+          <p:cNvPr id="2" name="Title 1"/>
+          <p:cNvSpPr>
+            <a:spLocks noGrp="1"/>
+          </p:cNvSpPr>
+          <p:nvPr>
+            <p:ph type="title"/>
+          </p:nvPr>
+        </p:nvSpPr>
+        <p:spPr/>
+        <p:txBody>
+          <a:bodyPr/>
+          <a:lstStyle/>
+          <a:p>
+            <a:r>
+              <a:rPr lang="en-US" dirty="0" smtClean="0"/>
+              <a:t>Adding a </a:t>
+            </a:r>
+            <a:r>
+              <a:rPr lang="en-US" dirty="0" err="1" smtClean="0"/>
+              <a:t>plugin</a:t>
+            </a:r>
+            <a:r>
+              <a:rPr lang="en-US" dirty="0" smtClean="0"/>
+              <a:t> to Gruntfile.js</a:t>
+            </a:r>
+            <a:endParaRPr lang="en-US" dirty="0"/>
+          </a:p>
+        </p:txBody>
+      </p:sp>
+    </p:spTree>
+  </p:cSld>
+  <p:clrMapOvr>
+    <a:masterClrMapping/>
+  </p:clrMapOvr>
+  <p:timing>
+    <p:tnLst>
+      <p:par>
+        <p:cTn id="1" dur="indefinite" restart="never" nodeType="tmRoot"/>
+      </p:par>
+    </p:tnLst>
+  </p:timing>
+</p:sld>
+</file>
+
+<file path=ppt/slides/slide11.xml><?xml version="1.0" encoding="utf-8"?>
+<p:sld xmlns:a="http://schemas.openxmlformats.org/drawingml/2006/main" xmlns:r="http://schemas.openxmlformats.org/officeDocument/2006/relationships" xmlns:p="http://schemas.openxmlformats.org/presentationml/2006/main">
+  <p:cSld>
+    <p:spTree>
+      <p:nvGrpSpPr>
+        <p:cNvPr id="1" name=""/>
+        <p:cNvGrpSpPr/>
+        <p:nvPr/>
+      </p:nvGrpSpPr>
+      <p:grpSpPr>
+        <a:xfrm>
+          <a:off x="0" y="0"/>
+          <a:ext cx="0" cy="0"/>
+          <a:chOff x="0" y="0"/>
+          <a:chExt cx="0" cy="0"/>
+        </a:xfrm>
+      </p:grpSpPr>
+      <p:sp>
+        <p:nvSpPr>
           <p:cNvPr id="3" name="Title 2"/>
           <p:cNvSpPr>
             <a:spLocks noGrp="1"/>
@@ -9757,11 +10454,7 @@
           <a:p>
             <a:r>
               <a:rPr lang="en-US" sz="3200" dirty="0" smtClean="0"/>
-              <a:t>Simple </a:t>
-            </a:r>
-            <a:r>
-              <a:rPr lang="en-US" sz="3200" dirty="0" smtClean="0"/>
-              <a:t>GruntFile.js </a:t>
+              <a:t>Simple GruntFile.js </a:t>
             </a:r>
             <a:r>
               <a:rPr lang="en-US" sz="3200" dirty="0" err="1" smtClean="0"/>
@@ -9805,7 +10498,7 @@
           </p:nvPr>
         </p:nvPicPr>
         <p:blipFill>
-          <a:blip r:embed="rId2"/>
+          <a:blip r:embed="rId3"/>
           <a:srcRect/>
           <a:stretch>
             <a:fillRect/>
@@ -9844,231 +10537,6 @@
 </p:sld>
 </file>
 
-<file path=ppt/slides/slide11.xml><?xml version="1.0" encoding="utf-8"?>
-<p:sld xmlns:a="http://schemas.openxmlformats.org/drawingml/2006/main" xmlns:r="http://schemas.openxmlformats.org/officeDocument/2006/relationships" xmlns:p="http://schemas.openxmlformats.org/presentationml/2006/main">
-  <p:cSld>
-    <p:spTree>
-      <p:nvGrpSpPr>
-        <p:cNvPr id="1" name=""/>
-        <p:cNvGrpSpPr/>
-        <p:nvPr/>
-      </p:nvGrpSpPr>
-      <p:grpSpPr>
-        <a:xfrm>
-          <a:off x="0" y="0"/>
-          <a:ext cx="0" cy="0"/>
-          <a:chOff x="0" y="0"/>
-          <a:chExt cx="0" cy="0"/>
-        </a:xfrm>
-      </p:grpSpPr>
-      <p:sp>
-        <p:nvSpPr>
-          <p:cNvPr id="3" name="Title 2"/>
-          <p:cNvSpPr>
-            <a:spLocks noGrp="1"/>
-          </p:cNvSpPr>
-          <p:nvPr>
-            <p:ph type="title"/>
-          </p:nvPr>
-        </p:nvSpPr>
-        <p:spPr/>
-        <p:txBody>
-          <a:bodyPr/>
-          <a:lstStyle/>
-          <a:p>
-            <a:r>
-              <a:rPr lang="en-US" dirty="0" smtClean="0"/>
-              <a:t>Custom tasks</a:t>
-            </a:r>
-            <a:endParaRPr lang="en-US" dirty="0"/>
-          </a:p>
-        </p:txBody>
-      </p:sp>
-      <p:sp>
-        <p:nvSpPr>
-          <p:cNvPr id="5" name="Content Placeholder 4"/>
-          <p:cNvSpPr>
-            <a:spLocks noGrp="1"/>
-          </p:cNvSpPr>
-          <p:nvPr>
-            <p:ph idx="1"/>
-          </p:nvPr>
-        </p:nvSpPr>
-        <p:spPr>
-          <a:xfrm>
-            <a:off x="457200" y="1481329"/>
-            <a:ext cx="8229600" cy="4233672"/>
-          </a:xfrm>
-        </p:spPr>
-        <p:txBody>
-          <a:bodyPr>
-            <a:normAutofit/>
-          </a:bodyPr>
-          <a:lstStyle/>
-          <a:p>
-            <a:r>
-              <a:rPr lang="en-US" dirty="0" smtClean="0"/>
-              <a:t>Custom project-specific tasks may be defined in external .</a:t>
-            </a:r>
-            <a:r>
-              <a:rPr lang="en-US" dirty="0" err="1" smtClean="0"/>
-              <a:t>js</a:t>
-            </a:r>
-            <a:r>
-              <a:rPr lang="en-US" dirty="0" smtClean="0"/>
-              <a:t> files and loaded via the </a:t>
-            </a:r>
-            <a:r>
-              <a:rPr lang="en-US" dirty="0" err="1" smtClean="0"/>
-              <a:t>grunt.loadTasks</a:t>
-            </a:r>
-            <a:r>
-              <a:rPr lang="en-US" dirty="0" smtClean="0"/>
-              <a:t> method.</a:t>
-            </a:r>
-          </a:p>
-          <a:p>
-            <a:r>
-              <a:rPr lang="en-US" dirty="0" smtClean="0"/>
-              <a:t>Simple tasks can be added to Gruntfile.js</a:t>
-            </a:r>
-            <a:endParaRPr lang="en-US" dirty="0"/>
-          </a:p>
-        </p:txBody>
-      </p:sp>
-      <p:sp>
-        <p:nvSpPr>
-          <p:cNvPr id="6" name="Rectangle 5"/>
-          <p:cNvSpPr/>
-          <p:nvPr/>
-        </p:nvSpPr>
-        <p:spPr>
-          <a:xfrm>
-            <a:off x="914400" y="3429000"/>
-            <a:ext cx="7696200" cy="2438400"/>
-          </a:xfrm>
-          <a:prstGeom prst="rect">
-            <a:avLst/>
-          </a:prstGeom>
-        </p:spPr>
-        <p:style>
-          <a:lnRef idx="1">
-            <a:schemeClr val="dk1"/>
-          </a:lnRef>
-          <a:fillRef idx="3">
-            <a:schemeClr val="dk1"/>
-          </a:fillRef>
-          <a:effectRef idx="2">
-            <a:schemeClr val="dk1"/>
-          </a:effectRef>
-          <a:fontRef idx="minor">
-            <a:schemeClr val="lt1"/>
-          </a:fontRef>
-        </p:style>
-        <p:txBody>
-          <a:bodyPr rtlCol="0" anchor="ctr"/>
-          <a:lstStyle/>
-          <a:p>
-            <a:r>
-              <a:rPr lang="en-US" sz="1600" dirty="0" err="1" smtClean="0">
-                <a:latin typeface="Courier New" pitchFamily="49" charset="0"/>
-                <a:cs typeface="Courier New" pitchFamily="49" charset="0"/>
-              </a:rPr>
-              <a:t>module.exports</a:t>
-            </a:r>
-            <a:r>
-              <a:rPr lang="en-US" sz="1600" dirty="0" smtClean="0">
-                <a:latin typeface="Courier New" pitchFamily="49" charset="0"/>
-                <a:cs typeface="Courier New" pitchFamily="49" charset="0"/>
-              </a:rPr>
-              <a:t> = function(grunt) { </a:t>
-            </a:r>
-          </a:p>
-          <a:p>
-            <a:r>
-              <a:rPr lang="en-US" sz="1600" dirty="0" smtClean="0">
-                <a:latin typeface="Courier New" pitchFamily="49" charset="0"/>
-                <a:cs typeface="Courier New" pitchFamily="49" charset="0"/>
-              </a:rPr>
-              <a:t>  // A very basic default task. </a:t>
-            </a:r>
-          </a:p>
-          <a:p>
-            <a:r>
-              <a:rPr lang="en-US" sz="1600" dirty="0" smtClean="0">
-                <a:latin typeface="Courier New" pitchFamily="49" charset="0"/>
-                <a:cs typeface="Courier New" pitchFamily="49" charset="0"/>
-              </a:rPr>
-              <a:t>  </a:t>
-            </a:r>
-            <a:r>
-              <a:rPr lang="en-US" sz="1600" dirty="0" err="1" smtClean="0">
-                <a:latin typeface="Courier New" pitchFamily="49" charset="0"/>
-                <a:cs typeface="Courier New" pitchFamily="49" charset="0"/>
-              </a:rPr>
-              <a:t>grunt.registerTask</a:t>
-            </a:r>
-            <a:r>
-              <a:rPr lang="en-US" sz="1600" dirty="0" smtClean="0">
-                <a:latin typeface="Courier New" pitchFamily="49" charset="0"/>
-                <a:cs typeface="Courier New" pitchFamily="49" charset="0"/>
-              </a:rPr>
-              <a:t>('default', 'Log some stuff.‘, function() { 	</a:t>
-            </a:r>
-            <a:r>
-              <a:rPr lang="en-US" sz="1600" dirty="0" err="1" smtClean="0">
-                <a:latin typeface="Courier New" pitchFamily="49" charset="0"/>
-                <a:cs typeface="Courier New" pitchFamily="49" charset="0"/>
-              </a:rPr>
-              <a:t>grunt.log.write</a:t>
-            </a:r>
-            <a:r>
-              <a:rPr lang="en-US" sz="1600" dirty="0" smtClean="0">
-                <a:latin typeface="Courier New" pitchFamily="49" charset="0"/>
-                <a:cs typeface="Courier New" pitchFamily="49" charset="0"/>
-              </a:rPr>
-              <a:t>('Logging some stuff...').ok();</a:t>
-            </a:r>
-          </a:p>
-          <a:p>
-            <a:r>
-              <a:rPr lang="en-US" sz="1600" dirty="0" smtClean="0">
-                <a:latin typeface="Courier New" pitchFamily="49" charset="0"/>
-                <a:cs typeface="Courier New" pitchFamily="49" charset="0"/>
-              </a:rPr>
-              <a:t>    });</a:t>
-            </a:r>
-          </a:p>
-          <a:p>
-            <a:r>
-              <a:rPr lang="en-US" sz="1600" dirty="0" smtClean="0">
-                <a:latin typeface="Courier New" pitchFamily="49" charset="0"/>
-                <a:cs typeface="Courier New" pitchFamily="49" charset="0"/>
-              </a:rPr>
-              <a:t>};</a:t>
-            </a:r>
-            <a:endParaRPr lang="en-US" sz="1600" dirty="0">
-              <a:latin typeface="Courier New" pitchFamily="49" charset="0"/>
-              <a:cs typeface="Courier New" pitchFamily="49" charset="0"/>
-            </a:endParaRPr>
-          </a:p>
-        </p:txBody>
-      </p:sp>
-    </p:spTree>
-  </p:cSld>
-  <p:clrMapOvr>
-    <a:masterClrMapping/>
-  </p:clrMapOvr>
-  <p:timing>
-    <p:tnLst>
-      <p:par>
-        <p:cTn id="1" dur="indefinite" restart="never" nodeType="tmRoot"/>
-      </p:par>
-    </p:tnLst>
-  </p:timing>
-</p:sld>
-</file>
-
 <file path=ppt/slides/slide12.xml><?xml version="1.0" encoding="utf-8"?>
 <p:sld xmlns:a="http://schemas.openxmlformats.org/drawingml/2006/main" xmlns:r="http://schemas.openxmlformats.org/officeDocument/2006/relationships" xmlns:p="http://schemas.openxmlformats.org/presentationml/2006/main">
   <p:cSld>
@@ -10088,90 +10556,6 @@
       </p:grpSpPr>
       <p:sp>
         <p:nvSpPr>
-          <p:cNvPr id="2" name="Content Placeholder 1"/>
-          <p:cNvSpPr>
-            <a:spLocks noGrp="1"/>
-          </p:cNvSpPr>
-          <p:nvPr>
-            <p:ph idx="1"/>
-          </p:nvPr>
-        </p:nvSpPr>
-        <p:spPr/>
-        <p:txBody>
-          <a:bodyPr>
-            <a:normAutofit/>
-          </a:bodyPr>
-          <a:lstStyle/>
-          <a:p>
-            <a:r>
-              <a:rPr lang="en-US" dirty="0" smtClean="0"/>
-              <a:t>Good community support</a:t>
-            </a:r>
-          </a:p>
-          <a:p>
-            <a:endParaRPr lang="en-US" dirty="0" smtClean="0"/>
-          </a:p>
-          <a:p>
-            <a:r>
-              <a:rPr lang="en-US" dirty="0" smtClean="0"/>
-              <a:t>Built on top on </a:t>
-            </a:r>
-            <a:r>
-              <a:rPr lang="en-US" dirty="0" err="1" smtClean="0"/>
-              <a:t>NodeJS</a:t>
-            </a:r>
-            <a:endParaRPr lang="en-US" dirty="0" smtClean="0"/>
-          </a:p>
-          <a:p>
-            <a:endParaRPr lang="en-US" dirty="0" smtClean="0"/>
-          </a:p>
-          <a:p>
-            <a:r>
-              <a:rPr lang="en-US" dirty="0" smtClean="0"/>
-              <a:t>Readily available </a:t>
-            </a:r>
-            <a:r>
-              <a:rPr lang="en-US" dirty="0" err="1" smtClean="0"/>
-              <a:t>plugins</a:t>
-            </a:r>
-            <a:r>
-              <a:rPr lang="en-US" dirty="0" smtClean="0"/>
-              <a:t> for basic tasks</a:t>
-            </a:r>
-          </a:p>
-          <a:p>
-            <a:endParaRPr lang="en-US" dirty="0" smtClean="0"/>
-          </a:p>
-          <a:p>
-            <a:r>
-              <a:rPr lang="en-US" dirty="0" smtClean="0"/>
-              <a:t>Can add custom tasks </a:t>
-            </a:r>
-          </a:p>
-          <a:p>
-            <a:endParaRPr lang="en-US" dirty="0" smtClean="0"/>
-          </a:p>
-          <a:p>
-            <a:r>
-              <a:rPr lang="en-US" b="1" dirty="0" smtClean="0"/>
-              <a:t>Can be integrated with </a:t>
-            </a:r>
-            <a:r>
-              <a:rPr lang="en-US" b="1" dirty="0" err="1" smtClean="0"/>
-              <a:t>Gradle</a:t>
-            </a:r>
-            <a:endParaRPr lang="en-US" b="1" dirty="0" smtClean="0"/>
-          </a:p>
-          <a:p>
-            <a:endParaRPr lang="en-US" dirty="0" smtClean="0"/>
-          </a:p>
-          <a:p>
-            <a:endParaRPr lang="en-US" dirty="0" smtClean="0"/>
-          </a:p>
-        </p:txBody>
-      </p:sp>
-      <p:sp>
-        <p:nvSpPr>
           <p:cNvPr id="3" name="Title 2"/>
           <p:cNvSpPr>
             <a:spLocks noGrp="1"/>
@@ -10182,17 +10566,71 @@
         </p:nvSpPr>
         <p:spPr/>
         <p:txBody>
+          <a:bodyPr>
+            <a:normAutofit/>
+          </a:bodyPr>
+          <a:lstStyle/>
+          <a:p>
+            <a:r>
+              <a:rPr lang="en-US" dirty="0" smtClean="0"/>
+              <a:t>More sample configuration</a:t>
+            </a:r>
+            <a:endParaRPr lang="en-US" dirty="0"/>
+          </a:p>
+        </p:txBody>
+      </p:sp>
+      <p:sp>
+        <p:nvSpPr>
+          <p:cNvPr id="5" name="Content Placeholder 4"/>
+          <p:cNvSpPr>
+            <a:spLocks noGrp="1"/>
+          </p:cNvSpPr>
+          <p:nvPr>
+            <p:ph idx="1"/>
+          </p:nvPr>
+        </p:nvSpPr>
+        <p:spPr/>
+        <p:txBody>
           <a:bodyPr/>
           <a:lstStyle/>
           <a:p>
-            <a:r>
-              <a:rPr lang="en-US" dirty="0" smtClean="0"/>
-              <a:t>Advantages</a:t>
-            </a:r>
-            <a:endParaRPr lang="en-US" dirty="0"/>
+            <a:endParaRPr lang="en-US"/>
           </a:p>
         </p:txBody>
       </p:sp>
+      <p:pic>
+        <p:nvPicPr>
+          <p:cNvPr id="1027" name="Picture 3"/>
+          <p:cNvPicPr>
+            <a:picLocks noChangeAspect="1" noChangeArrowheads="1"/>
+          </p:cNvPicPr>
+          <p:nvPr/>
+        </p:nvPicPr>
+        <p:blipFill>
+          <a:blip r:embed="rId2"/>
+          <a:srcRect/>
+          <a:stretch>
+            <a:fillRect/>
+          </a:stretch>
+        </p:blipFill>
+        <p:spPr bwMode="auto">
+          <a:xfrm>
+            <a:off x="0" y="1828800"/>
+            <a:ext cx="8788401" cy="4038600"/>
+          </a:xfrm>
+          <a:prstGeom prst="rect">
+            <a:avLst/>
+          </a:prstGeom>
+          <a:noFill/>
+          <a:ln w="9525">
+            <a:noFill/>
+            <a:miter lim="800000"/>
+            <a:headEnd/>
+            <a:tailEnd/>
+          </a:ln>
+          <a:effectLst/>
+        </p:spPr>
+      </p:pic>
     </p:spTree>
   </p:cSld>
   <p:clrMapOvr>
@@ -10237,183 +10675,81 @@
         </p:nvSpPr>
         <p:spPr/>
         <p:txBody>
-          <a:bodyPr/>
+          <a:bodyPr>
+            <a:normAutofit lnSpcReduction="10000"/>
+          </a:bodyPr>
           <a:lstStyle/>
           <a:p>
             <a:r>
               <a:rPr lang="en-US" dirty="0" smtClean="0"/>
-              <a:t>Mocha </a:t>
-            </a:r>
+              <a:t>Good community support</a:t>
+            </a:r>
+          </a:p>
+          <a:p>
+            <a:endParaRPr lang="en-US" dirty="0" smtClean="0"/>
+          </a:p>
+          <a:p>
             <a:r>
               <a:rPr lang="en-US" dirty="0" smtClean="0"/>
-              <a:t>[ˈ </a:t>
+              <a:t>Built on top on </a:t>
             </a:r>
             <a:r>
               <a:rPr lang="en-US" dirty="0" err="1" smtClean="0"/>
-              <a:t>mɒkə</a:t>
-            </a:r>
+              <a:t>NodeJS</a:t>
+            </a:r>
+            <a:endParaRPr lang="en-US" dirty="0" smtClean="0"/>
+          </a:p>
+          <a:p>
+            <a:endParaRPr lang="en-US" dirty="0" smtClean="0"/>
+          </a:p>
+          <a:p>
             <a:r>
               <a:rPr lang="en-US" dirty="0" smtClean="0"/>
-              <a:t>]: https://mochajs.org/</a:t>
-            </a:r>
+              <a:t>Readily available </a:t>
+            </a:r>
+            <a:r>
+              <a:rPr lang="en-US" dirty="0" err="1" smtClean="0"/>
+              <a:t>plugins</a:t>
+            </a:r>
+            <a:r>
+              <a:rPr lang="en-US" dirty="0" smtClean="0"/>
+              <a:t> for basic tasks</a:t>
+            </a:r>
+          </a:p>
+          <a:p>
             <a:endParaRPr lang="en-US" dirty="0" smtClean="0"/>
           </a:p>
           <a:p>
-            <a:pPr lvl="1"/>
             <a:r>
               <a:rPr lang="en-US" dirty="0" smtClean="0"/>
-              <a:t>Framework </a:t>
-            </a:r>
+              <a:t>Can add custom tasks </a:t>
+            </a:r>
+          </a:p>
+          <a:p>
+            <a:endParaRPr lang="en-US" dirty="0" smtClean="0"/>
+          </a:p>
+          <a:p>
             <a:r>
               <a:rPr lang="en-US" dirty="0" smtClean="0"/>
-              <a:t>for writing tests. </a:t>
-            </a:r>
+              <a:t>More </a:t>
+            </a:r>
+            <a:r>
+              <a:rPr lang="en-US" dirty="0" err="1" smtClean="0"/>
+              <a:t>config</a:t>
+            </a:r>
+            <a:r>
+              <a:rPr lang="en-US" dirty="0" smtClean="0"/>
+              <a:t> at http://gruntjs.com/sample-gruntfile</a:t>
+            </a:r>
+          </a:p>
+          <a:p>
             <a:endParaRPr lang="en-US" dirty="0" smtClean="0"/>
           </a:p>
           <a:p>
-            <a:pPr lvl="1"/>
-            <a:r>
-              <a:rPr lang="en-US" dirty="0" smtClean="0"/>
-              <a:t>Install: </a:t>
-            </a:r>
-            <a:r>
-              <a:rPr lang="en-US" dirty="0" err="1" smtClean="0"/>
-              <a:t>n</a:t>
-            </a:r>
-            <a:r>
-              <a:rPr lang="en-US" dirty="0" err="1" smtClean="0"/>
-              <a:t>pm</a:t>
-            </a:r>
-            <a:r>
-              <a:rPr lang="en-US" dirty="0" smtClean="0"/>
-              <a:t> install mocha –save-dev</a:t>
-            </a:r>
-          </a:p>
-          <a:p>
-            <a:r>
-              <a:rPr lang="en-US" dirty="0" err="1" smtClean="0"/>
-              <a:t>Chai</a:t>
-            </a:r>
-            <a:r>
-              <a:rPr lang="en-US" dirty="0" smtClean="0"/>
-              <a:t> </a:t>
-            </a:r>
-            <a:r>
-              <a:rPr lang="en-US" dirty="0" smtClean="0"/>
-              <a:t>[</a:t>
-            </a:r>
-            <a:r>
-              <a:rPr lang="en-US" dirty="0" err="1" smtClean="0"/>
-              <a:t>tʃʌɪ</a:t>
-            </a:r>
-            <a:r>
-              <a:rPr lang="en-US" dirty="0" smtClean="0"/>
-              <a:t>]: http://chaijs.com/</a:t>
-            </a:r>
             <a:endParaRPr lang="en-US" dirty="0" smtClean="0"/>
           </a:p>
           <a:p>
-            <a:pPr lvl="1"/>
-            <a:r>
-              <a:rPr lang="en-US" dirty="0" smtClean="0"/>
-              <a:t>BDD / TDD assertion </a:t>
-            </a:r>
-            <a:r>
-              <a:rPr lang="en-US" dirty="0" smtClean="0"/>
-              <a:t>library</a:t>
-            </a:r>
-          </a:p>
-          <a:p>
-            <a:pPr lvl="1"/>
-            <a:r>
-              <a:rPr lang="en-US" dirty="0" smtClean="0"/>
-              <a:t>An assertion </a:t>
-            </a:r>
-            <a:r>
-              <a:rPr lang="en-US" dirty="0" smtClean="0"/>
-              <a:t>library</a:t>
-            </a:r>
-          </a:p>
-          <a:p>
-            <a:pPr lvl="1"/>
-            <a:r>
-              <a:rPr lang="en-US" dirty="0" smtClean="0"/>
-              <a:t>Install: </a:t>
-            </a:r>
-            <a:r>
-              <a:rPr lang="en-US" dirty="0" err="1" smtClean="0"/>
-              <a:t>npm</a:t>
-            </a:r>
-            <a:r>
-              <a:rPr lang="en-US" dirty="0" smtClean="0"/>
-              <a:t> install </a:t>
-            </a:r>
-            <a:r>
-              <a:rPr lang="en-US" dirty="0" err="1" smtClean="0"/>
-              <a:t>chai</a:t>
-            </a:r>
-            <a:r>
-              <a:rPr lang="en-US" dirty="0" smtClean="0"/>
-              <a:t> – save-dev</a:t>
-            </a:r>
-          </a:p>
-          <a:p>
-            <a:r>
-              <a:rPr lang="en-US" dirty="0" err="1" smtClean="0"/>
-              <a:t>Sinon</a:t>
-            </a:r>
-            <a:r>
-              <a:rPr lang="en-US" dirty="0" smtClean="0"/>
-              <a:t>: </a:t>
-            </a:r>
-            <a:r>
-              <a:rPr lang="en-US" dirty="0" smtClean="0"/>
-              <a:t>http://sinonjs.com</a:t>
-            </a:r>
-          </a:p>
-          <a:p>
-            <a:pPr lvl="1"/>
-            <a:r>
-              <a:rPr lang="en-US" dirty="0" smtClean="0"/>
-              <a:t>Test </a:t>
-            </a:r>
-            <a:r>
-              <a:rPr lang="en-US" dirty="0" smtClean="0"/>
-              <a:t>spies, stubs and mocks for </a:t>
-            </a:r>
-            <a:r>
-              <a:rPr lang="en-US" dirty="0" smtClean="0"/>
-              <a:t>JavaScript</a:t>
-            </a:r>
-          </a:p>
-          <a:p>
-            <a:pPr lvl="1"/>
-            <a:r>
-              <a:rPr lang="en-US" dirty="0" smtClean="0"/>
-              <a:t>Install: </a:t>
-            </a:r>
-            <a:r>
-              <a:rPr lang="en-US" dirty="0" err="1" smtClean="0"/>
-              <a:t>npm</a:t>
-            </a:r>
-            <a:r>
-              <a:rPr lang="en-US" dirty="0" smtClean="0"/>
-              <a:t> install </a:t>
-            </a:r>
-            <a:r>
-              <a:rPr lang="en-US" dirty="0" err="1" smtClean="0"/>
-              <a:t>sinon</a:t>
-            </a:r>
-            <a:r>
-              <a:rPr lang="en-US" dirty="0" smtClean="0"/>
-              <a:t> –save-dev</a:t>
-            </a:r>
-          </a:p>
-          <a:p>
-            <a:pPr lvl="1">
-              <a:buNone/>
-            </a:pPr>
-            <a:endParaRPr lang="en-US" dirty="0"/>
+            <a:endParaRPr lang="en-US" dirty="0" smtClean="0"/>
           </a:p>
         </p:txBody>
       </p:sp>
@@ -10429,29 +10765,12 @@
         </p:nvSpPr>
         <p:spPr/>
         <p:txBody>
-          <a:bodyPr>
-            <a:normAutofit fontScale="90000"/>
-          </a:bodyPr>
+          <a:bodyPr/>
           <a:lstStyle/>
           <a:p>
             <a:r>
               <a:rPr lang="en-US" dirty="0" smtClean="0"/>
-              <a:t/>
-            </a:r>
-            <a:br>
-              <a:rPr lang="en-US" dirty="0" smtClean="0"/>
-            </a:br>
-            <a:r>
-              <a:rPr lang="en-US" dirty="0" smtClean="0"/>
-              <a:t>Part II: Unit testing for </a:t>
-            </a:r>
-            <a:r>
-              <a:rPr lang="en-US" dirty="0" err="1" smtClean="0"/>
-              <a:t>Javascript</a:t>
-            </a:r>
-            <a:r>
-              <a:rPr lang="en-US" dirty="0" smtClean="0"/>
-              <a:t>	</a:t>
+              <a:t>Advantages</a:t>
             </a:r>
             <a:endParaRPr lang="en-US" dirty="0"/>
           </a:p>
@@ -10505,53 +10824,140 @@
           <a:lstStyle/>
           <a:p>
             <a:r>
-              <a:rPr lang="en-US" dirty="0" smtClean="0">
-                <a:hlinkClick r:id="rId2"/>
-              </a:rPr>
-              <a:t>http://gruntjs.com/getting-started</a:t>
-            </a:r>
-            <a:endParaRPr lang="en-US" dirty="0" smtClean="0"/>
-          </a:p>
-          <a:p>
-            <a:r>
-              <a:rPr lang="en-US" b="1" dirty="0" smtClean="0"/>
-              <a:t>Demo </a:t>
-            </a:r>
-            <a:r>
-              <a:rPr lang="en-US" b="1" dirty="0" smtClean="0"/>
-              <a:t>app</a:t>
+              <a:rPr lang="en-US" dirty="0" smtClean="0"/>
+              <a:t>Mocha [ˈ </a:t>
+            </a:r>
+            <a:r>
+              <a:rPr lang="en-US" dirty="0" err="1" smtClean="0"/>
+              <a:t>mɒkə</a:t>
+            </a:r>
+            <a:r>
+              <a:rPr lang="en-US" dirty="0" smtClean="0"/>
+              <a:t>]: https://mochajs.org/</a:t>
             </a:r>
           </a:p>
           <a:p>
             <a:pPr lvl="1"/>
             <a:r>
-              <a:rPr lang="en-US" dirty="0" smtClean="0">
-                <a:hlinkClick r:id="rId3"/>
-              </a:rPr>
-              <a:t>https://</a:t>
-            </a:r>
-            <a:r>
-              <a:rPr lang="en-US" dirty="0" smtClean="0">
-                <a:hlinkClick r:id="rId3"/>
-              </a:rPr>
-              <a:t>github.com/jerrykid/Automation-FrontEnd-With-Gruntjs</a:t>
-            </a:r>
-            <a:endParaRPr lang="en-US" dirty="0" smtClean="0"/>
+              <a:rPr lang="en-US" dirty="0" smtClean="0"/>
+              <a:t>Framework for writing tests. </a:t>
+            </a:r>
+          </a:p>
+          <a:p>
+            <a:pPr lvl="1"/>
+            <a:r>
+              <a:rPr lang="en-US" dirty="0" smtClean="0"/>
+              <a:t>Install: </a:t>
+            </a:r>
+            <a:r>
+              <a:rPr lang="en-US" dirty="0" err="1" smtClean="0"/>
+              <a:t>npm</a:t>
+            </a:r>
+            <a:r>
+              <a:rPr lang="en-US" dirty="0" smtClean="0"/>
+              <a:t> install mocha –save-dev</a:t>
+            </a:r>
+          </a:p>
+          <a:p>
+            <a:r>
+              <a:rPr lang="en-US" dirty="0" err="1" smtClean="0"/>
+              <a:t>Chai</a:t>
+            </a:r>
+            <a:r>
+              <a:rPr lang="en-US" dirty="0" smtClean="0"/>
+              <a:t> [</a:t>
+            </a:r>
+            <a:r>
+              <a:rPr lang="en-US" dirty="0" err="1" smtClean="0"/>
+              <a:t>tʃʌɪ</a:t>
+            </a:r>
+            <a:r>
+              <a:rPr lang="en-US" dirty="0" smtClean="0"/>
+              <a:t>]: http://chaijs.com/</a:t>
+            </a:r>
+          </a:p>
+          <a:p>
+            <a:pPr lvl="1"/>
+            <a:r>
+              <a:rPr lang="en-US" dirty="0" smtClean="0"/>
+              <a:t>BDD / TDD assertion library</a:t>
+            </a:r>
+          </a:p>
+          <a:p>
+            <a:pPr lvl="1"/>
+            <a:r>
+              <a:rPr lang="en-US" dirty="0" smtClean="0"/>
+              <a:t>An assertion library</a:t>
+            </a:r>
+          </a:p>
+          <a:p>
+            <a:pPr lvl="1"/>
+            <a:r>
+              <a:rPr lang="en-US" dirty="0" smtClean="0"/>
+              <a:t>Install: </a:t>
+            </a:r>
+            <a:r>
+              <a:rPr lang="en-US" dirty="0" err="1" smtClean="0"/>
+              <a:t>npm</a:t>
+            </a:r>
+            <a:r>
+              <a:rPr lang="en-US" dirty="0" smtClean="0"/>
+              <a:t> install </a:t>
+            </a:r>
+            <a:r>
+              <a:rPr lang="en-US" dirty="0" err="1" smtClean="0"/>
+              <a:t>chai</a:t>
+            </a:r>
+            <a:r>
+              <a:rPr lang="en-US" dirty="0" smtClean="0"/>
+              <a:t> – save-dev</a:t>
+            </a:r>
+          </a:p>
+          <a:p>
+            <a:r>
+              <a:rPr lang="en-US" dirty="0" err="1" smtClean="0"/>
+              <a:t>Sinon</a:t>
+            </a:r>
+            <a:r>
+              <a:rPr lang="en-US" dirty="0" smtClean="0"/>
+              <a:t>: http://sinonjs.com</a:t>
+            </a:r>
+          </a:p>
+          <a:p>
+            <a:pPr lvl="1"/>
+            <a:r>
+              <a:rPr lang="en-US" dirty="0" smtClean="0"/>
+              <a:t>Test spies, stubs and mocks for JavaScript</a:t>
+            </a:r>
+          </a:p>
+          <a:p>
+            <a:pPr lvl="1"/>
+            <a:r>
+              <a:rPr lang="en-US" dirty="0" smtClean="0"/>
+              <a:t>Install: </a:t>
+            </a:r>
+            <a:r>
+              <a:rPr lang="en-US" dirty="0" err="1" smtClean="0"/>
+              <a:t>npm</a:t>
+            </a:r>
+            <a:r>
+              <a:rPr lang="en-US" dirty="0" smtClean="0"/>
+              <a:t> install </a:t>
+            </a:r>
+            <a:r>
+              <a:rPr lang="en-US" dirty="0" err="1" smtClean="0"/>
+              <a:t>sinon</a:t>
+            </a:r>
+            <a:r>
+              <a:rPr lang="en-US" dirty="0" smtClean="0"/>
+              <a:t> –save-dev</a:t>
+            </a:r>
           </a:p>
           <a:p>
             <a:pPr lvl="1">
               <a:buNone/>
             </a:pPr>
-            <a:endParaRPr lang="en-US" dirty="0" smtClean="0"/>
-          </a:p>
-          <a:p>
-            <a:pPr>
-              <a:buNone/>
-            </a:pPr>
-            <a:endParaRPr lang="en-US" dirty="0" smtClean="0"/>
-          </a:p>
-          <a:p>
-            <a:endParaRPr lang="en-US" dirty="0" smtClean="0"/>
+            <a:endParaRPr lang="en-US" dirty="0"/>
           </a:p>
         </p:txBody>
       </p:sp>
@@ -10568,18 +10974,617 @@
         <p:spPr/>
         <p:txBody>
           <a:bodyPr>
+            <a:normAutofit fontScale="90000"/>
+          </a:bodyPr>
+          <a:lstStyle/>
+          <a:p>
+            <a:r>
+              <a:rPr lang="en-US" dirty="0" smtClean="0"/>
+              <a:t/>
+            </a:r>
+            <a:br>
+              <a:rPr lang="en-US" dirty="0" smtClean="0"/>
+            </a:br>
+            <a:r>
+              <a:rPr lang="en-US" dirty="0" smtClean="0"/>
+              <a:t>Part II: Unit testing with Grunt	</a:t>
+            </a:r>
+            <a:endParaRPr lang="en-US" dirty="0"/>
+          </a:p>
+        </p:txBody>
+      </p:sp>
+    </p:spTree>
+  </p:cSld>
+  <p:clrMapOvr>
+    <a:masterClrMapping/>
+  </p:clrMapOvr>
+  <p:timing>
+    <p:tnLst>
+      <p:par>
+        <p:cTn id="1" dur="indefinite" restart="never" nodeType="tmRoot"/>
+      </p:par>
+    </p:tnLst>
+  </p:timing>
+</p:sld>
+</file>
+
+<file path=ppt/slides/slide15.xml><?xml version="1.0" encoding="utf-8"?>
+<p:sld xmlns:a="http://schemas.openxmlformats.org/drawingml/2006/main" xmlns:r="http://schemas.openxmlformats.org/officeDocument/2006/relationships" xmlns:p="http://schemas.openxmlformats.org/presentationml/2006/main">
+  <p:cSld>
+    <p:spTree>
+      <p:nvGrpSpPr>
+        <p:cNvPr id="1" name=""/>
+        <p:cNvGrpSpPr/>
+        <p:nvPr/>
+      </p:nvGrpSpPr>
+      <p:grpSpPr>
+        <a:xfrm>
+          <a:off x="0" y="0"/>
+          <a:ext cx="0" cy="0"/>
+          <a:chOff x="0" y="0"/>
+          <a:chExt cx="0" cy="0"/>
+        </a:xfrm>
+      </p:grpSpPr>
+      <p:sp>
+        <p:nvSpPr>
+          <p:cNvPr id="2" name="Content Placeholder 1"/>
+          <p:cNvSpPr>
+            <a:spLocks noGrp="1"/>
+          </p:cNvSpPr>
+          <p:nvPr>
+            <p:ph idx="1"/>
+          </p:nvPr>
+        </p:nvSpPr>
+        <p:spPr/>
+        <p:txBody>
+          <a:bodyPr>
             <a:normAutofit/>
           </a:bodyPr>
           <a:lstStyle/>
           <a:p>
             <a:r>
               <a:rPr lang="en-US" dirty="0" smtClean="0"/>
-              <a:t>References</a:t>
+              <a:t>Runs </a:t>
+            </a:r>
+            <a:r>
+              <a:rPr lang="en-US" dirty="0" smtClean="0"/>
+              <a:t>on Node.js/Browser</a:t>
+            </a:r>
+          </a:p>
+          <a:p>
+            <a:r>
+              <a:rPr lang="en-US" dirty="0" smtClean="0"/>
+              <a:t>Supports BDD/TDD</a:t>
+            </a:r>
+          </a:p>
+          <a:p>
+            <a:r>
+              <a:rPr lang="en-US" dirty="0" smtClean="0"/>
+              <a:t>Choose any assertion </a:t>
+            </a:r>
+            <a:r>
+              <a:rPr lang="en-US" dirty="0" smtClean="0"/>
+              <a:t>library(</a:t>
+            </a:r>
+            <a:r>
+              <a:rPr lang="en-US" dirty="0" err="1" smtClean="0"/>
+              <a:t>chai</a:t>
+            </a:r>
+            <a:r>
+              <a:rPr lang="en-US" dirty="0" smtClean="0"/>
+              <a:t>, assert)</a:t>
+            </a:r>
+            <a:endParaRPr lang="en-US" dirty="0" smtClean="0"/>
+          </a:p>
+          <a:p>
+            <a:r>
+              <a:rPr lang="en-US" dirty="0" smtClean="0"/>
+              <a:t>Choose any Mocking library</a:t>
+            </a:r>
+          </a:p>
+          <a:p>
+            <a:r>
+              <a:rPr lang="en-US" dirty="0" err="1" smtClean="0"/>
+              <a:t>Async</a:t>
+            </a:r>
+            <a:r>
+              <a:rPr lang="en-US" dirty="0" smtClean="0"/>
+              <a:t> and promise support</a:t>
+            </a:r>
+          </a:p>
+          <a:p>
+            <a:r>
+              <a:rPr lang="en-US" dirty="0" smtClean="0"/>
+              <a:t>Highlights slow tests</a:t>
+            </a:r>
+          </a:p>
+          <a:p>
+            <a:r>
+              <a:rPr lang="en-US" dirty="0" smtClean="0"/>
+              <a:t>File watcher support</a:t>
+            </a:r>
+          </a:p>
+          <a:p>
+            <a:r>
+              <a:rPr lang="en-US" dirty="0" smtClean="0"/>
+              <a:t>Optionally run tests that match a </a:t>
+            </a:r>
+            <a:r>
+              <a:rPr lang="en-US" dirty="0" err="1" smtClean="0"/>
+              <a:t>regexp</a:t>
             </a:r>
             <a:endParaRPr lang="en-US" dirty="0"/>
           </a:p>
         </p:txBody>
       </p:sp>
+      <p:sp>
+        <p:nvSpPr>
+          <p:cNvPr id="3" name="Title 2"/>
+          <p:cNvSpPr>
+            <a:spLocks noGrp="1"/>
+          </p:cNvSpPr>
+          <p:nvPr>
+            <p:ph type="title"/>
+          </p:nvPr>
+        </p:nvSpPr>
+        <p:spPr/>
+        <p:txBody>
+          <a:bodyPr>
+            <a:normAutofit/>
+          </a:bodyPr>
+          <a:lstStyle/>
+          <a:p>
+            <a:r>
+              <a:rPr lang="en-US" dirty="0" smtClean="0"/>
+              <a:t>Mocha:  Test framework</a:t>
+            </a:r>
+            <a:endParaRPr lang="en-US" dirty="0"/>
+          </a:p>
+        </p:txBody>
+      </p:sp>
+    </p:spTree>
+  </p:cSld>
+  <p:clrMapOvr>
+    <a:masterClrMapping/>
+  </p:clrMapOvr>
+  <p:timing>
+    <p:tnLst>
+      <p:par>
+        <p:cTn id="1" dur="indefinite" restart="never" nodeType="tmRoot"/>
+      </p:par>
+    </p:tnLst>
+  </p:timing>
+</p:sld>
+</file>
+
+<file path=ppt/slides/slide16.xml><?xml version="1.0" encoding="utf-8"?>
+<p:sld xmlns:a="http://schemas.openxmlformats.org/drawingml/2006/main" xmlns:r="http://schemas.openxmlformats.org/officeDocument/2006/relationships" xmlns:p="http://schemas.openxmlformats.org/presentationml/2006/main">
+  <p:cSld>
+    <p:spTree>
+      <p:nvGrpSpPr>
+        <p:cNvPr id="1" name=""/>
+        <p:cNvGrpSpPr/>
+        <p:nvPr/>
+      </p:nvGrpSpPr>
+      <p:grpSpPr>
+        <a:xfrm>
+          <a:off x="0" y="0"/>
+          <a:ext cx="0" cy="0"/>
+          <a:chOff x="0" y="0"/>
+          <a:chExt cx="0" cy="0"/>
+        </a:xfrm>
+      </p:grpSpPr>
+      <p:sp>
+        <p:nvSpPr>
+          <p:cNvPr id="3" name="Title 2"/>
+          <p:cNvSpPr>
+            <a:spLocks noGrp="1"/>
+          </p:cNvSpPr>
+          <p:nvPr>
+            <p:ph type="title"/>
+          </p:nvPr>
+        </p:nvSpPr>
+        <p:spPr/>
+        <p:txBody>
+          <a:bodyPr>
+            <a:normAutofit/>
+          </a:bodyPr>
+          <a:lstStyle/>
+          <a:p>
+            <a:r>
+              <a:rPr lang="en-US" dirty="0" smtClean="0"/>
+              <a:t>Mocha: </a:t>
+            </a:r>
+            <a:r>
+              <a:rPr lang="en-US" dirty="0" smtClean="0"/>
+              <a:t> TDD</a:t>
+            </a:r>
+            <a:endParaRPr lang="en-US" dirty="0"/>
+          </a:p>
+        </p:txBody>
+      </p:sp>
+      <p:pic>
+        <p:nvPicPr>
+          <p:cNvPr id="1026" name="Picture 2"/>
+          <p:cNvPicPr>
+            <a:picLocks noChangeAspect="1" noChangeArrowheads="1"/>
+          </p:cNvPicPr>
+          <p:nvPr/>
+        </p:nvPicPr>
+        <p:blipFill>
+          <a:blip r:embed="rId2"/>
+          <a:srcRect/>
+          <a:stretch>
+            <a:fillRect/>
+          </a:stretch>
+        </p:blipFill>
+        <p:spPr bwMode="auto">
+          <a:xfrm>
+            <a:off x="381000" y="1828800"/>
+            <a:ext cx="8229099" cy="3733800"/>
+          </a:xfrm>
+          <a:prstGeom prst="rect">
+            <a:avLst/>
+          </a:prstGeom>
+          <a:noFill/>
+          <a:ln w="9525">
+            <a:noFill/>
+            <a:miter lim="800000"/>
+            <a:headEnd/>
+            <a:tailEnd/>
+          </a:ln>
+          <a:effectLst/>
+        </p:spPr>
+      </p:pic>
+    </p:spTree>
+  </p:cSld>
+  <p:clrMapOvr>
+    <a:masterClrMapping/>
+  </p:clrMapOvr>
+  <p:timing>
+    <p:tnLst>
+      <p:par>
+        <p:cTn id="1" dur="indefinite" restart="never" nodeType="tmRoot"/>
+      </p:par>
+    </p:tnLst>
+  </p:timing>
+</p:sld>
+</file>
+
+<file path=ppt/slides/slide17.xml><?xml version="1.0" encoding="utf-8"?>
+<p:sld xmlns:a="http://schemas.openxmlformats.org/drawingml/2006/main" xmlns:r="http://schemas.openxmlformats.org/officeDocument/2006/relationships" xmlns:p="http://schemas.openxmlformats.org/presentationml/2006/main">
+  <p:cSld>
+    <p:spTree>
+      <p:nvGrpSpPr>
+        <p:cNvPr id="1" name=""/>
+        <p:cNvGrpSpPr/>
+        <p:nvPr/>
+      </p:nvGrpSpPr>
+      <p:grpSpPr>
+        <a:xfrm>
+          <a:off x="0" y="0"/>
+          <a:ext cx="0" cy="0"/>
+          <a:chOff x="0" y="0"/>
+          <a:chExt cx="0" cy="0"/>
+        </a:xfrm>
+      </p:grpSpPr>
+      <p:sp>
+        <p:nvSpPr>
+          <p:cNvPr id="3" name="Title 2"/>
+          <p:cNvSpPr>
+            <a:spLocks noGrp="1"/>
+          </p:cNvSpPr>
+          <p:nvPr>
+            <p:ph type="title"/>
+          </p:nvPr>
+        </p:nvSpPr>
+        <p:spPr/>
+        <p:txBody>
+          <a:bodyPr>
+            <a:normAutofit/>
+          </a:bodyPr>
+          <a:lstStyle/>
+          <a:p>
+            <a:r>
+              <a:rPr lang="en-US" dirty="0" smtClean="0"/>
+              <a:t>Mocha: </a:t>
+            </a:r>
+            <a:r>
+              <a:rPr lang="en-US" dirty="0" smtClean="0"/>
+              <a:t> BDD</a:t>
+            </a:r>
+            <a:endParaRPr lang="en-US" dirty="0"/>
+          </a:p>
+        </p:txBody>
+      </p:sp>
+      <p:pic>
+        <p:nvPicPr>
+          <p:cNvPr id="2050" name="Picture 2"/>
+          <p:cNvPicPr>
+            <a:picLocks noChangeAspect="1" noChangeArrowheads="1"/>
+          </p:cNvPicPr>
+          <p:nvPr/>
+        </p:nvPicPr>
+        <p:blipFill>
+          <a:blip r:embed="rId2"/>
+          <a:srcRect/>
+          <a:stretch>
+            <a:fillRect/>
+          </a:stretch>
+        </p:blipFill>
+        <p:spPr bwMode="auto">
+          <a:xfrm>
+            <a:off x="457200" y="2209800"/>
+            <a:ext cx="8207358" cy="3912436"/>
+          </a:xfrm>
+          <a:prstGeom prst="rect">
+            <a:avLst/>
+          </a:prstGeom>
+          <a:noFill/>
+          <a:ln w="9525">
+            <a:noFill/>
+            <a:miter lim="800000"/>
+            <a:headEnd/>
+            <a:tailEnd/>
+          </a:ln>
+          <a:effectLst/>
+        </p:spPr>
+      </p:pic>
+    </p:spTree>
+  </p:cSld>
+  <p:clrMapOvr>
+    <a:masterClrMapping/>
+  </p:clrMapOvr>
+  <p:timing>
+    <p:tnLst>
+      <p:par>
+        <p:cTn id="1" dur="indefinite" restart="never" nodeType="tmRoot"/>
+      </p:par>
+    </p:tnLst>
+  </p:timing>
+</p:sld>
+</file>
+
+<file path=ppt/slides/slide18.xml><?xml version="1.0" encoding="utf-8"?>
+<p:sld xmlns:a="http://schemas.openxmlformats.org/drawingml/2006/main" xmlns:r="http://schemas.openxmlformats.org/officeDocument/2006/relationships" xmlns:p="http://schemas.openxmlformats.org/presentationml/2006/main">
+  <p:cSld>
+    <p:spTree>
+      <p:nvGrpSpPr>
+        <p:cNvPr id="1" name=""/>
+        <p:cNvGrpSpPr/>
+        <p:nvPr/>
+      </p:nvGrpSpPr>
+      <p:grpSpPr>
+        <a:xfrm>
+          <a:off x="0" y="0"/>
+          <a:ext cx="0" cy="0"/>
+          <a:chOff x="0" y="0"/>
+          <a:chExt cx="0" cy="0"/>
+        </a:xfrm>
+      </p:grpSpPr>
+      <p:sp>
+        <p:nvSpPr>
+          <p:cNvPr id="3" name="Title 2"/>
+          <p:cNvSpPr>
+            <a:spLocks noGrp="1"/>
+          </p:cNvSpPr>
+          <p:nvPr>
+            <p:ph type="title"/>
+          </p:nvPr>
+        </p:nvSpPr>
+        <p:spPr/>
+        <p:txBody>
+          <a:bodyPr>
+            <a:normAutofit/>
+          </a:bodyPr>
+          <a:lstStyle/>
+          <a:p>
+            <a:r>
+              <a:rPr lang="en-US" dirty="0" smtClean="0"/>
+              <a:t>Mocha: </a:t>
+            </a:r>
+            <a:r>
+              <a:rPr lang="en-US" dirty="0" smtClean="0"/>
+              <a:t> Hook before and after</a:t>
+            </a:r>
+            <a:endParaRPr lang="en-US" dirty="0"/>
+          </a:p>
+        </p:txBody>
+      </p:sp>
+      <p:pic>
+        <p:nvPicPr>
+          <p:cNvPr id="3074" name="Picture 2"/>
+          <p:cNvPicPr>
+            <a:picLocks noChangeAspect="1" noChangeArrowheads="1"/>
+          </p:cNvPicPr>
+          <p:nvPr/>
+        </p:nvPicPr>
+        <p:blipFill>
+          <a:blip r:embed="rId2"/>
+          <a:srcRect/>
+          <a:stretch>
+            <a:fillRect/>
+          </a:stretch>
+        </p:blipFill>
+        <p:spPr bwMode="auto">
+          <a:xfrm>
+            <a:off x="609600" y="2486024"/>
+            <a:ext cx="8001000" cy="3767138"/>
+          </a:xfrm>
+          <a:prstGeom prst="rect">
+            <a:avLst/>
+          </a:prstGeom>
+          <a:noFill/>
+          <a:ln w="9525">
+            <a:noFill/>
+            <a:miter lim="800000"/>
+            <a:headEnd/>
+            <a:tailEnd/>
+          </a:ln>
+          <a:effectLst/>
+        </p:spPr>
+      </p:pic>
+    </p:spTree>
+  </p:cSld>
+  <p:clrMapOvr>
+    <a:masterClrMapping/>
+  </p:clrMapOvr>
+  <p:timing>
+    <p:tnLst>
+      <p:par>
+        <p:cTn id="1" dur="indefinite" restart="never" nodeType="tmRoot"/>
+      </p:par>
+    </p:tnLst>
+  </p:timing>
+</p:sld>
+</file>
+
+<file path=ppt/slides/slide19.xml><?xml version="1.0" encoding="utf-8"?>
+<p:sld xmlns:a="http://schemas.openxmlformats.org/drawingml/2006/main" xmlns:r="http://schemas.openxmlformats.org/officeDocument/2006/relationships" xmlns:p="http://schemas.openxmlformats.org/presentationml/2006/main">
+  <p:cSld>
+    <p:spTree>
+      <p:nvGrpSpPr>
+        <p:cNvPr id="1" name=""/>
+        <p:cNvGrpSpPr/>
+        <p:nvPr/>
+      </p:nvGrpSpPr>
+      <p:grpSpPr>
+        <a:xfrm>
+          <a:off x="0" y="0"/>
+          <a:ext cx="0" cy="0"/>
+          <a:chOff x="0" y="0"/>
+          <a:chExt cx="0" cy="0"/>
+        </a:xfrm>
+      </p:grpSpPr>
+      <p:sp>
+        <p:nvSpPr>
+          <p:cNvPr id="2" name="Content Placeholder 1"/>
+          <p:cNvSpPr>
+            <a:spLocks noGrp="1"/>
+          </p:cNvSpPr>
+          <p:nvPr>
+            <p:ph idx="1"/>
+          </p:nvPr>
+        </p:nvSpPr>
+        <p:spPr/>
+        <p:txBody>
+          <a:bodyPr/>
+          <a:lstStyle/>
+          <a:p>
+            <a:r>
+              <a:rPr lang="en-US" b="1" dirty="0" smtClean="0"/>
+              <a:t>Test </a:t>
+            </a:r>
+            <a:r>
+              <a:rPr lang="en-US" b="1" dirty="0" smtClean="0"/>
+              <a:t>adapter </a:t>
+            </a:r>
+            <a:r>
+              <a:rPr lang="en-US" b="1" dirty="0" smtClean="0"/>
+              <a:t>from Visual Studio 2012</a:t>
+            </a:r>
+          </a:p>
+          <a:p>
+            <a:r>
+              <a:rPr lang="en-US" b="1" dirty="0" smtClean="0"/>
+              <a:t>Support discover and run unit tests</a:t>
+            </a:r>
+          </a:p>
+          <a:p>
+            <a:r>
+              <a:rPr lang="en-US" b="1" dirty="0" smtClean="0"/>
+              <a:t>More at: </a:t>
+            </a:r>
+          </a:p>
+          <a:p>
+            <a:pPr lvl="1"/>
+            <a:r>
+              <a:rPr lang="en-US" b="1" dirty="0" smtClean="0">
+                <a:hlinkClick r:id="rId2"/>
+              </a:rPr>
+              <a:t>https://</a:t>
+            </a:r>
+            <a:r>
+              <a:rPr lang="en-US" b="1" dirty="0" smtClean="0">
+                <a:hlinkClick r:id="rId2"/>
+              </a:rPr>
+              <a:t>visualstudiogallery.msdn.microsoft.com/f8741f04-bae4-4900-81c7-7c9bfb9ed1fe</a:t>
+            </a:r>
+            <a:endParaRPr lang="en-US" b="1" dirty="0" smtClean="0"/>
+          </a:p>
+          <a:p>
+            <a:pPr lvl="1">
+              <a:buNone/>
+            </a:pPr>
+            <a:endParaRPr lang="en-US" b="1" dirty="0" smtClean="0"/>
+          </a:p>
+          <a:p>
+            <a:pPr lvl="1"/>
+            <a:endParaRPr lang="en-US" b="1" dirty="0" smtClean="0"/>
+          </a:p>
+          <a:p>
+            <a:endParaRPr lang="en-US" dirty="0"/>
+          </a:p>
+        </p:txBody>
+      </p:sp>
+      <p:sp>
+        <p:nvSpPr>
+          <p:cNvPr id="3" name="Title 2"/>
+          <p:cNvSpPr>
+            <a:spLocks noGrp="1"/>
+          </p:cNvSpPr>
+          <p:nvPr>
+            <p:ph type="title"/>
+          </p:nvPr>
+        </p:nvSpPr>
+        <p:spPr/>
+        <p:txBody>
+          <a:bodyPr>
+            <a:normAutofit/>
+          </a:bodyPr>
+          <a:lstStyle/>
+          <a:p>
+            <a:r>
+              <a:rPr lang="en-US" dirty="0" smtClean="0"/>
+              <a:t>Chutzpah 3.0 support Mocha</a:t>
+            </a:r>
+            <a:endParaRPr lang="en-US" dirty="0"/>
+          </a:p>
+        </p:txBody>
+      </p:sp>
+      <p:pic>
+        <p:nvPicPr>
+          <p:cNvPr id="5123" name="Picture 3"/>
+          <p:cNvPicPr>
+            <a:picLocks noChangeAspect="1" noChangeArrowheads="1"/>
+          </p:cNvPicPr>
+          <p:nvPr/>
+        </p:nvPicPr>
+        <p:blipFill>
+          <a:blip r:embed="rId3"/>
+          <a:srcRect/>
+          <a:stretch>
+            <a:fillRect/>
+          </a:stretch>
+        </p:blipFill>
+        <p:spPr bwMode="auto">
+          <a:xfrm>
+            <a:off x="762000" y="3733800"/>
+            <a:ext cx="7419975" cy="2838450"/>
+          </a:xfrm>
+          <a:prstGeom prst="rect">
+            <a:avLst/>
+          </a:prstGeom>
+          <a:noFill/>
+          <a:ln w="9525">
+            <a:noFill/>
+            <a:miter lim="800000"/>
+            <a:headEnd/>
+            <a:tailEnd/>
+          </a:ln>
+          <a:effectLst/>
+        </p:spPr>
+      </p:pic>
     </p:spTree>
   </p:cSld>
   <p:clrMapOvr>
@@ -10614,6 +11619,78 @@
       </p:grpSpPr>
       <p:sp>
         <p:nvSpPr>
+          <p:cNvPr id="2" name="Content Placeholder 1"/>
+          <p:cNvSpPr>
+            <a:spLocks noGrp="1"/>
+          </p:cNvSpPr>
+          <p:nvPr>
+            <p:ph idx="1"/>
+          </p:nvPr>
+        </p:nvSpPr>
+        <p:spPr/>
+        <p:txBody>
+          <a:bodyPr/>
+          <a:lstStyle/>
+          <a:p>
+            <a:r>
+              <a:rPr lang="en-US" dirty="0" smtClean="0"/>
+              <a:t>Part I: What is grunt ?</a:t>
+            </a:r>
+          </a:p>
+          <a:p>
+            <a:pPr lvl="1"/>
+            <a:r>
+              <a:rPr lang="en-US" dirty="0" smtClean="0"/>
+              <a:t>Frontend development tasks</a:t>
+            </a:r>
+          </a:p>
+          <a:p>
+            <a:pPr lvl="1"/>
+            <a:r>
+              <a:rPr lang="en-US" dirty="0" smtClean="0"/>
+              <a:t>Configuration Common plug-in of grunt</a:t>
+            </a:r>
+          </a:p>
+          <a:p>
+            <a:r>
+              <a:rPr lang="en-US" dirty="0" smtClean="0"/>
+              <a:t>Part II: Unit testing with grunt</a:t>
+            </a:r>
+          </a:p>
+          <a:p>
+            <a:pPr lvl="1"/>
+            <a:r>
+              <a:rPr lang="en-US" dirty="0" smtClean="0"/>
+              <a:t>Mocha: unit testing framework</a:t>
+            </a:r>
+          </a:p>
+          <a:p>
+            <a:pPr lvl="1"/>
+            <a:r>
+              <a:rPr lang="en-US" dirty="0" err="1" smtClean="0"/>
+              <a:t>Chai</a:t>
+            </a:r>
+            <a:r>
+              <a:rPr lang="en-US" dirty="0" smtClean="0"/>
+              <a:t>: assert library</a:t>
+            </a:r>
+          </a:p>
+          <a:p>
+            <a:pPr lvl="1"/>
+            <a:r>
+              <a:rPr lang="en-US" dirty="0" err="1" smtClean="0"/>
+              <a:t>Sinon</a:t>
+            </a:r>
+            <a:r>
+              <a:rPr lang="en-US" dirty="0" smtClean="0"/>
+              <a:t>: Spy, Stub, Mock library </a:t>
+            </a:r>
+            <a:endParaRPr lang="en-US" dirty="0"/>
+          </a:p>
+        </p:txBody>
+      </p:sp>
+      <p:sp>
+        <p:nvSpPr>
           <p:cNvPr id="3" name="Title 2"/>
           <p:cNvSpPr>
             <a:spLocks noGrp="1"/>
@@ -10627,14 +11704,1134 @@
           <a:bodyPr/>
           <a:lstStyle/>
           <a:p>
+            <a:r>
+              <a:rPr lang="en-US" dirty="0" smtClean="0"/>
+              <a:t>Agenda		</a:t>
+            </a:r>
+            <a:endParaRPr lang="en-US" dirty="0"/>
+          </a:p>
+        </p:txBody>
+      </p:sp>
+    </p:spTree>
+  </p:cSld>
+  <p:clrMapOvr>
+    <a:masterClrMapping/>
+  </p:clrMapOvr>
+  <p:timing>
+    <p:tnLst>
+      <p:par>
+        <p:cTn id="1" dur="indefinite" restart="never" nodeType="tmRoot"/>
+      </p:par>
+    </p:tnLst>
+  </p:timing>
+</p:sld>
+</file>
+
+<file path=ppt/slides/slide20.xml><?xml version="1.0" encoding="utf-8"?>
+<p:sld xmlns:a="http://schemas.openxmlformats.org/drawingml/2006/main" xmlns:r="http://schemas.openxmlformats.org/officeDocument/2006/relationships" xmlns:p="http://schemas.openxmlformats.org/presentationml/2006/main">
+  <p:cSld>
+    <p:spTree>
+      <p:nvGrpSpPr>
+        <p:cNvPr id="1" name=""/>
+        <p:cNvGrpSpPr/>
+        <p:nvPr/>
+      </p:nvGrpSpPr>
+      <p:grpSpPr>
+        <a:xfrm>
+          <a:off x="0" y="0"/>
+          <a:ext cx="0" cy="0"/>
+          <a:chOff x="0" y="0"/>
+          <a:chExt cx="0" cy="0"/>
+        </a:xfrm>
+      </p:grpSpPr>
+      <p:sp>
+        <p:nvSpPr>
+          <p:cNvPr id="3" name="Title 2"/>
+          <p:cNvSpPr>
+            <a:spLocks noGrp="1"/>
+          </p:cNvSpPr>
+          <p:nvPr>
+            <p:ph type="title"/>
+          </p:nvPr>
+        </p:nvSpPr>
+        <p:spPr/>
+        <p:txBody>
+          <a:bodyPr/>
+          <a:lstStyle/>
+          <a:p>
+            <a:r>
+              <a:rPr lang="en-US" dirty="0" smtClean="0"/>
+              <a:t>Mocha: run under Grunt</a:t>
+            </a:r>
+            <a:endParaRPr lang="en-US" dirty="0"/>
+          </a:p>
+        </p:txBody>
+      </p:sp>
+      <p:pic>
+        <p:nvPicPr>
+          <p:cNvPr id="4098" name="Picture 2"/>
+          <p:cNvPicPr>
+            <a:picLocks noGrp="1" noChangeAspect="1" noChangeArrowheads="1"/>
+          </p:cNvPicPr>
+          <p:nvPr>
+            <p:ph idx="1"/>
+          </p:nvPr>
+        </p:nvPicPr>
+        <p:blipFill>
+          <a:blip r:embed="rId3"/>
+          <a:srcRect/>
+          <a:stretch>
+            <a:fillRect/>
+          </a:stretch>
+        </p:blipFill>
+        <p:spPr bwMode="auto">
+          <a:xfrm>
+            <a:off x="609600" y="2362200"/>
+            <a:ext cx="8229600" cy="2743200"/>
+          </a:xfrm>
+          <a:prstGeom prst="rect">
+            <a:avLst/>
+          </a:prstGeom>
+          <a:noFill/>
+          <a:ln w="9525">
+            <a:noFill/>
+            <a:miter lim="800000"/>
+            <a:headEnd/>
+            <a:tailEnd/>
+          </a:ln>
+          <a:effectLst/>
+        </p:spPr>
+      </p:pic>
+    </p:spTree>
+  </p:cSld>
+  <p:clrMapOvr>
+    <a:masterClrMapping/>
+  </p:clrMapOvr>
+  <p:timing>
+    <p:tnLst>
+      <p:par>
+        <p:cTn id="1" dur="indefinite" restart="never" nodeType="tmRoot"/>
+      </p:par>
+    </p:tnLst>
+  </p:timing>
+</p:sld>
+</file>
+
+<file path=ppt/slides/slide21.xml><?xml version="1.0" encoding="utf-8"?>
+<p:sld xmlns:a="http://schemas.openxmlformats.org/drawingml/2006/main" xmlns:r="http://schemas.openxmlformats.org/officeDocument/2006/relationships" xmlns:p="http://schemas.openxmlformats.org/presentationml/2006/main">
+  <p:cSld>
+    <p:spTree>
+      <p:nvGrpSpPr>
+        <p:cNvPr id="1" name=""/>
+        <p:cNvGrpSpPr/>
+        <p:nvPr/>
+      </p:nvGrpSpPr>
+      <p:grpSpPr>
+        <a:xfrm>
+          <a:off x="0" y="0"/>
+          <a:ext cx="0" cy="0"/>
+          <a:chOff x="0" y="0"/>
+          <a:chExt cx="0" cy="0"/>
+        </a:xfrm>
+      </p:grpSpPr>
+      <p:sp>
+        <p:nvSpPr>
+          <p:cNvPr id="2" name="Content Placeholder 1"/>
+          <p:cNvSpPr>
+            <a:spLocks noGrp="1"/>
+          </p:cNvSpPr>
+          <p:nvPr>
+            <p:ph idx="1"/>
+          </p:nvPr>
+        </p:nvSpPr>
+        <p:spPr/>
+        <p:txBody>
+          <a:bodyPr/>
+          <a:lstStyle/>
+          <a:p>
+            <a:pPr fontAlgn="base"/>
+            <a:r>
+              <a:rPr lang="en-US" dirty="0" smtClean="0"/>
+              <a:t>Bl</a:t>
+            </a:r>
+            <a:r>
+              <a:rPr lang="en-US" dirty="0" smtClean="0"/>
+              <a:t>anket: </a:t>
+            </a:r>
+            <a:r>
+              <a:rPr lang="en-US" dirty="0" smtClean="0"/>
+              <a:t>seamless </a:t>
+            </a:r>
+            <a:r>
+              <a:rPr lang="en-US" dirty="0" smtClean="0"/>
+              <a:t>JavaScript </a:t>
+            </a:r>
+            <a:r>
+              <a:rPr lang="en-US" dirty="0" smtClean="0"/>
+              <a:t>code </a:t>
+            </a:r>
+            <a:r>
+              <a:rPr lang="en-US" dirty="0" smtClean="0"/>
+              <a:t>coverage</a:t>
+            </a:r>
+          </a:p>
+          <a:p>
+            <a:pPr lvl="1" fontAlgn="base"/>
+            <a:r>
+              <a:rPr lang="en-US" dirty="0" smtClean="0">
+                <a:hlinkClick r:id="rId3"/>
+              </a:rPr>
+              <a:t>http://blanketjs.org</a:t>
+            </a:r>
+            <a:r>
+              <a:rPr lang="en-US" dirty="0" smtClean="0">
+                <a:hlinkClick r:id="rId3"/>
+              </a:rPr>
+              <a:t>/</a:t>
+            </a:r>
+            <a:endParaRPr lang="en-US" dirty="0" smtClean="0"/>
+          </a:p>
+          <a:p>
+            <a:pPr lvl="1" fontAlgn="base"/>
+            <a:endParaRPr lang="en-US" dirty="0" smtClean="0"/>
+          </a:p>
+          <a:p>
+            <a:r>
+              <a:rPr lang="en-US" dirty="0" smtClean="0"/>
+              <a:t>Travis-</a:t>
+            </a:r>
+            <a:r>
+              <a:rPr lang="en-US" dirty="0" err="1" smtClean="0"/>
+              <a:t>cov</a:t>
+            </a:r>
+            <a:r>
+              <a:rPr lang="en-US" dirty="0" smtClean="0"/>
+              <a:t>: </a:t>
+            </a:r>
+            <a:r>
+              <a:rPr lang="en-US" dirty="0" smtClean="0"/>
+              <a:t>A coverage </a:t>
+            </a:r>
+            <a:r>
+              <a:rPr lang="en-US" dirty="0" smtClean="0"/>
+              <a:t>reporter for </a:t>
+            </a:r>
+            <a:r>
+              <a:rPr lang="en-US" dirty="0" smtClean="0">
+                <a:hlinkClick r:id="rId4"/>
+              </a:rPr>
+              <a:t>Mocha</a:t>
+            </a:r>
+            <a:r>
+              <a:rPr lang="en-US" dirty="0" smtClean="0"/>
+              <a:t>/</a:t>
+            </a:r>
+            <a:r>
+              <a:rPr lang="en-US" dirty="0" smtClean="0">
+                <a:hlinkClick r:id="rId3"/>
+              </a:rPr>
+              <a:t>Blanket</a:t>
+            </a:r>
+            <a:r>
+              <a:rPr lang="en-US" dirty="0" smtClean="0"/>
+              <a:t> that </a:t>
+            </a:r>
+            <a:r>
+              <a:rPr lang="en-US" dirty="0" smtClean="0"/>
+              <a:t>will fail a </a:t>
+            </a:r>
+            <a:r>
+              <a:rPr lang="en-US" dirty="0" err="1" smtClean="0">
+                <a:hlinkClick r:id="rId5"/>
+              </a:rPr>
+              <a:t>travis-ci</a:t>
+            </a:r>
+            <a:r>
+              <a:rPr lang="en-US" dirty="0" smtClean="0"/>
+              <a:t> build when the coverage threshold is too low </a:t>
+            </a:r>
+            <a:endParaRPr lang="en-US" dirty="0" smtClean="0"/>
+          </a:p>
+          <a:p>
+            <a:pPr lvl="1"/>
+            <a:r>
+              <a:rPr lang="en-US" dirty="0" smtClean="0"/>
+              <a:t>https://github.com/alex-seville/travis-cov </a:t>
+            </a:r>
+            <a:br>
+              <a:rPr lang="en-US" dirty="0" smtClean="0"/>
+            </a:br>
+            <a:endParaRPr lang="en-US" dirty="0" smtClean="0"/>
+          </a:p>
+          <a:p>
+            <a:endParaRPr lang="en-US" dirty="0"/>
+          </a:p>
+        </p:txBody>
+      </p:sp>
+      <p:sp>
+        <p:nvSpPr>
+          <p:cNvPr id="3" name="Title 2"/>
+          <p:cNvSpPr>
+            <a:spLocks noGrp="1"/>
+          </p:cNvSpPr>
+          <p:nvPr>
+            <p:ph type="title"/>
+          </p:nvPr>
+        </p:nvSpPr>
+        <p:spPr/>
+        <p:txBody>
+          <a:bodyPr/>
+          <a:lstStyle/>
+          <a:p>
+            <a:r>
+              <a:rPr lang="en-US" dirty="0" smtClean="0"/>
+              <a:t>Mocha: </a:t>
+            </a:r>
+            <a:r>
+              <a:rPr lang="en-US" dirty="0" smtClean="0"/>
+              <a:t>Coverage</a:t>
+            </a:r>
+            <a:endParaRPr lang="en-US" dirty="0"/>
+          </a:p>
+        </p:txBody>
+      </p:sp>
+    </p:spTree>
+  </p:cSld>
+  <p:clrMapOvr>
+    <a:masterClrMapping/>
+  </p:clrMapOvr>
+  <p:timing>
+    <p:tnLst>
+      <p:par>
+        <p:cTn id="1" dur="indefinite" restart="never" nodeType="tmRoot"/>
+      </p:par>
+    </p:tnLst>
+  </p:timing>
+</p:sld>
+</file>
+
+<file path=ppt/slides/slide22.xml><?xml version="1.0" encoding="utf-8"?>
+<p:sld xmlns:a="http://schemas.openxmlformats.org/drawingml/2006/main" xmlns:r="http://schemas.openxmlformats.org/officeDocument/2006/relationships" xmlns:p="http://schemas.openxmlformats.org/presentationml/2006/main">
+  <p:cSld>
+    <p:spTree>
+      <p:nvGrpSpPr>
+        <p:cNvPr id="1" name=""/>
+        <p:cNvGrpSpPr/>
+        <p:nvPr/>
+      </p:nvGrpSpPr>
+      <p:grpSpPr>
+        <a:xfrm>
+          <a:off x="0" y="0"/>
+          <a:ext cx="0" cy="0"/>
+          <a:chOff x="0" y="0"/>
+          <a:chExt cx="0" cy="0"/>
+        </a:xfrm>
+      </p:grpSpPr>
+      <p:sp>
+        <p:nvSpPr>
+          <p:cNvPr id="2" name="Content Placeholder 1"/>
+          <p:cNvSpPr>
+            <a:spLocks noGrp="1"/>
+          </p:cNvSpPr>
+          <p:nvPr>
+            <p:ph idx="1"/>
+          </p:nvPr>
+        </p:nvSpPr>
+        <p:spPr/>
+        <p:txBody>
+          <a:bodyPr>
+            <a:normAutofit/>
+          </a:bodyPr>
+          <a:lstStyle/>
+          <a:p>
+            <a:r>
+              <a:rPr lang="en-US" sz="2800" dirty="0" err="1" smtClean="0"/>
+              <a:t>chai.</a:t>
+            </a:r>
+            <a:r>
+              <a:rPr lang="en-US" sz="2800" b="1" dirty="0" err="1" smtClean="0"/>
+              <a:t>assert</a:t>
+            </a:r>
+            <a:r>
+              <a:rPr lang="en-US" sz="2800" b="1" dirty="0" smtClean="0"/>
+              <a:t>(expression</a:t>
+            </a:r>
+            <a:r>
+              <a:rPr lang="en-US" sz="2800" b="1" dirty="0" smtClean="0"/>
+              <a:t>, [message])</a:t>
+            </a:r>
+          </a:p>
+          <a:p>
+            <a:r>
+              <a:rPr lang="en-US" sz="2800" dirty="0" err="1" smtClean="0"/>
+              <a:t>chai.</a:t>
+            </a:r>
+            <a:r>
+              <a:rPr lang="en-US" sz="2800" b="1" dirty="0" err="1" smtClean="0"/>
+              <a:t>assert</a:t>
+            </a:r>
+            <a:r>
+              <a:rPr lang="en-US" sz="2800" b="1" dirty="0" smtClean="0"/>
+              <a:t>(actual, expected, [message</a:t>
+            </a:r>
+            <a:r>
+              <a:rPr lang="en-US" sz="2800" b="1" dirty="0" smtClean="0"/>
+              <a:t>])</a:t>
+            </a:r>
+            <a:endParaRPr lang="en-US" sz="2800" b="1" dirty="0" smtClean="0"/>
+          </a:p>
+        </p:txBody>
+      </p:sp>
+      <p:sp>
+        <p:nvSpPr>
+          <p:cNvPr id="3" name="Title 2"/>
+          <p:cNvSpPr>
+            <a:spLocks noGrp="1"/>
+          </p:cNvSpPr>
+          <p:nvPr>
+            <p:ph type="title"/>
+          </p:nvPr>
+        </p:nvSpPr>
+        <p:spPr/>
+        <p:txBody>
+          <a:bodyPr/>
+          <a:lstStyle/>
+          <a:p>
+            <a:r>
+              <a:rPr lang="en-US" dirty="0" smtClean="0"/>
+              <a:t>Chai.js: Assert</a:t>
+            </a:r>
+            <a:endParaRPr lang="en-US" dirty="0"/>
+          </a:p>
+        </p:txBody>
+      </p:sp>
+    </p:spTree>
+  </p:cSld>
+  <p:clrMapOvr>
+    <a:masterClrMapping/>
+  </p:clrMapOvr>
+  <p:timing>
+    <p:tnLst>
+      <p:par>
+        <p:cTn id="1" dur="indefinite" restart="never" nodeType="tmRoot"/>
+      </p:par>
+    </p:tnLst>
+  </p:timing>
+</p:sld>
+</file>
+
+<file path=ppt/slides/slide23.xml><?xml version="1.0" encoding="utf-8"?>
+<p:sld xmlns:a="http://schemas.openxmlformats.org/drawingml/2006/main" xmlns:r="http://schemas.openxmlformats.org/officeDocument/2006/relationships" xmlns:p="http://schemas.openxmlformats.org/presentationml/2006/main">
+  <p:cSld>
+    <p:spTree>
+      <p:nvGrpSpPr>
+        <p:cNvPr id="1" name=""/>
+        <p:cNvGrpSpPr/>
+        <p:nvPr/>
+      </p:nvGrpSpPr>
+      <p:grpSpPr>
+        <a:xfrm>
+          <a:off x="0" y="0"/>
+          <a:ext cx="0" cy="0"/>
+          <a:chOff x="0" y="0"/>
+          <a:chExt cx="0" cy="0"/>
+        </a:xfrm>
+      </p:grpSpPr>
+      <p:sp>
+        <p:nvSpPr>
+          <p:cNvPr id="2" name="Content Placeholder 1"/>
+          <p:cNvSpPr>
+            <a:spLocks noGrp="1"/>
+          </p:cNvSpPr>
+          <p:nvPr>
+            <p:ph idx="1"/>
+          </p:nvPr>
+        </p:nvSpPr>
+        <p:spPr/>
+        <p:txBody>
+          <a:bodyPr>
+            <a:normAutofit/>
+          </a:bodyPr>
+          <a:lstStyle/>
+          <a:p>
+            <a:r>
+              <a:rPr lang="en-US" sz="2800" dirty="0" err="1" smtClean="0"/>
+              <a:t>chai.</a:t>
+            </a:r>
+            <a:r>
+              <a:rPr lang="en-US" sz="2800" b="1" dirty="0" err="1" smtClean="0"/>
+              <a:t>expect</a:t>
+            </a:r>
+            <a:r>
+              <a:rPr lang="en-US" sz="2800" b="1" dirty="0" smtClean="0"/>
+              <a:t>(expected</a:t>
+            </a:r>
+            <a:r>
+              <a:rPr lang="en-US" sz="2800" b="1" dirty="0" smtClean="0"/>
+              <a:t>).</a:t>
+            </a:r>
+            <a:r>
+              <a:rPr lang="en-US" sz="2800" b="1" dirty="0" err="1" smtClean="0"/>
+              <a:t>to.not.equal</a:t>
+            </a:r>
+            <a:r>
+              <a:rPr lang="en-US" sz="2800" b="1" dirty="0" smtClean="0"/>
+              <a:t>(actual);</a:t>
+            </a:r>
+          </a:p>
+          <a:p>
+            <a:r>
+              <a:rPr lang="en-US" sz="2800" dirty="0" err="1" smtClean="0"/>
+              <a:t>chai.</a:t>
+            </a:r>
+            <a:r>
+              <a:rPr lang="en-US" sz="2800" b="1" dirty="0" err="1" smtClean="0"/>
+              <a:t>expect</a:t>
+            </a:r>
+            <a:r>
+              <a:rPr lang="en-US" sz="2800" b="1" dirty="0" smtClean="0"/>
+              <a:t>(expected).</a:t>
+            </a:r>
+            <a:r>
+              <a:rPr lang="en-US" sz="2800" b="1" dirty="0" err="1" smtClean="0"/>
+              <a:t>to.be.a</a:t>
+            </a:r>
+            <a:r>
+              <a:rPr lang="en-US" sz="2800" b="1" dirty="0" smtClean="0"/>
+              <a:t>('string</a:t>
+            </a:r>
+            <a:r>
+              <a:rPr lang="en-US" sz="2800" b="1" dirty="0" smtClean="0"/>
+              <a:t>');</a:t>
+            </a:r>
+            <a:endParaRPr lang="en-US" b="1" dirty="0" smtClean="0"/>
+          </a:p>
+        </p:txBody>
+      </p:sp>
+      <p:sp>
+        <p:nvSpPr>
+          <p:cNvPr id="3" name="Title 2"/>
+          <p:cNvSpPr>
+            <a:spLocks noGrp="1"/>
+          </p:cNvSpPr>
+          <p:nvPr>
+            <p:ph type="title"/>
+          </p:nvPr>
+        </p:nvSpPr>
+        <p:spPr/>
+        <p:txBody>
+          <a:bodyPr/>
+          <a:lstStyle/>
+          <a:p>
+            <a:r>
+              <a:rPr lang="en-US" dirty="0" smtClean="0"/>
+              <a:t>Chai.js: Expect</a:t>
+            </a:r>
+            <a:endParaRPr lang="en-US" dirty="0"/>
+          </a:p>
+        </p:txBody>
+      </p:sp>
+    </p:spTree>
+  </p:cSld>
+  <p:clrMapOvr>
+    <a:masterClrMapping/>
+  </p:clrMapOvr>
+  <p:timing>
+    <p:tnLst>
+      <p:par>
+        <p:cTn id="1" dur="indefinite" restart="never" nodeType="tmRoot"/>
+      </p:par>
+    </p:tnLst>
+  </p:timing>
+</p:sld>
+</file>
+
+<file path=ppt/slides/slide24.xml><?xml version="1.0" encoding="utf-8"?>
+<p:sld xmlns:a="http://schemas.openxmlformats.org/drawingml/2006/main" xmlns:r="http://schemas.openxmlformats.org/officeDocument/2006/relationships" xmlns:p="http://schemas.openxmlformats.org/presentationml/2006/main">
+  <p:cSld>
+    <p:spTree>
+      <p:nvGrpSpPr>
+        <p:cNvPr id="1" name=""/>
+        <p:cNvGrpSpPr/>
+        <p:nvPr/>
+      </p:nvGrpSpPr>
+      <p:grpSpPr>
+        <a:xfrm>
+          <a:off x="0" y="0"/>
+          <a:ext cx="0" cy="0"/>
+          <a:chOff x="0" y="0"/>
+          <a:chExt cx="0" cy="0"/>
+        </a:xfrm>
+      </p:grpSpPr>
+      <p:sp>
+        <p:nvSpPr>
+          <p:cNvPr id="2" name="Content Placeholder 1"/>
+          <p:cNvSpPr>
+            <a:spLocks noGrp="1"/>
+          </p:cNvSpPr>
+          <p:nvPr>
+            <p:ph idx="1"/>
+          </p:nvPr>
+        </p:nvSpPr>
+        <p:spPr/>
+        <p:txBody>
+          <a:bodyPr>
+            <a:normAutofit/>
+          </a:bodyPr>
+          <a:lstStyle/>
+          <a:p>
+            <a:r>
+              <a:rPr lang="en-US" sz="2800" dirty="0" smtClean="0"/>
+              <a:t>value.</a:t>
+            </a:r>
+            <a:r>
+              <a:rPr lang="en-US" sz="2800" b="1" dirty="0" smtClean="0"/>
+              <a:t>should.be.an</a:t>
+            </a:r>
+            <a:r>
+              <a:rPr lang="en-US" sz="2800" b="1" dirty="0" smtClean="0"/>
+              <a:t>('object');</a:t>
+            </a:r>
+          </a:p>
+          <a:p>
+            <a:r>
+              <a:rPr lang="en-US" sz="2800" dirty="0" err="1" smtClean="0"/>
+              <a:t>value.</a:t>
+            </a:r>
+            <a:r>
+              <a:rPr lang="en-US" sz="2800" b="1" dirty="0" err="1" smtClean="0"/>
+              <a:t>should.equal</a:t>
+            </a:r>
+            <a:r>
+              <a:rPr lang="en-US" sz="2800" b="1" dirty="0" smtClean="0"/>
+              <a:t>(10);</a:t>
+            </a:r>
+          </a:p>
+          <a:p>
+            <a:r>
+              <a:rPr lang="en-US" sz="2800" dirty="0" err="1" smtClean="0"/>
+              <a:t>value.</a:t>
+            </a:r>
+            <a:r>
+              <a:rPr lang="en-US" sz="2800" b="1" dirty="0" err="1" smtClean="0"/>
+              <a:t>should.be.a</a:t>
+            </a:r>
+            <a:r>
+              <a:rPr lang="en-US" sz="2800" b="1" dirty="0" smtClean="0"/>
+              <a:t>('string')</a:t>
+            </a:r>
+          </a:p>
+          <a:p>
+            <a:r>
+              <a:rPr lang="en-US" sz="2800" dirty="0" err="1" smtClean="0"/>
+              <a:t>object.</a:t>
+            </a:r>
+            <a:r>
+              <a:rPr lang="en-US" sz="2800" b="1" dirty="0" err="1" smtClean="0"/>
+              <a:t>should.have.property</a:t>
+            </a:r>
+            <a:r>
+              <a:rPr lang="en-US" sz="2800" b="1" dirty="0" smtClean="0"/>
+              <a:t>('key')</a:t>
+            </a:r>
+            <a:endParaRPr lang="en-US" dirty="0"/>
+          </a:p>
+        </p:txBody>
+      </p:sp>
+      <p:sp>
+        <p:nvSpPr>
+          <p:cNvPr id="3" name="Title 2"/>
+          <p:cNvSpPr>
+            <a:spLocks noGrp="1"/>
+          </p:cNvSpPr>
+          <p:nvPr>
+            <p:ph type="title"/>
+          </p:nvPr>
+        </p:nvSpPr>
+        <p:spPr/>
+        <p:txBody>
+          <a:bodyPr/>
+          <a:lstStyle/>
+          <a:p>
+            <a:r>
+              <a:rPr lang="en-US" dirty="0" smtClean="0"/>
+              <a:t>Chai.js: </a:t>
+            </a:r>
+            <a:r>
+              <a:rPr lang="en-US" sz="4400" dirty="0" smtClean="0"/>
+              <a:t>SHOULD</a:t>
+            </a:r>
+            <a:endParaRPr lang="en-US" dirty="0"/>
+          </a:p>
+        </p:txBody>
+      </p:sp>
+    </p:spTree>
+  </p:cSld>
+  <p:clrMapOvr>
+    <a:masterClrMapping/>
+  </p:clrMapOvr>
+  <p:timing>
+    <p:tnLst>
+      <p:par>
+        <p:cTn id="1" dur="indefinite" restart="never" nodeType="tmRoot"/>
+      </p:par>
+    </p:tnLst>
+  </p:timing>
+</p:sld>
+</file>
+
+<file path=ppt/slides/slide25.xml><?xml version="1.0" encoding="utf-8"?>
+<p:sld xmlns:a="http://schemas.openxmlformats.org/drawingml/2006/main" xmlns:r="http://schemas.openxmlformats.org/officeDocument/2006/relationships" xmlns:p="http://schemas.openxmlformats.org/presentationml/2006/main">
+  <p:cSld>
+    <p:spTree>
+      <p:nvGrpSpPr>
+        <p:cNvPr id="1" name=""/>
+        <p:cNvGrpSpPr/>
+        <p:nvPr/>
+      </p:nvGrpSpPr>
+      <p:grpSpPr>
+        <a:xfrm>
+          <a:off x="0" y="0"/>
+          <a:ext cx="0" cy="0"/>
+          <a:chOff x="0" y="0"/>
+          <a:chExt cx="0" cy="0"/>
+        </a:xfrm>
+      </p:grpSpPr>
+      <p:sp>
+        <p:nvSpPr>
+          <p:cNvPr id="2" name="Content Placeholder 1"/>
+          <p:cNvSpPr>
+            <a:spLocks noGrp="1"/>
+          </p:cNvSpPr>
+          <p:nvPr>
+            <p:ph idx="1"/>
+          </p:nvPr>
+        </p:nvSpPr>
+        <p:spPr/>
+        <p:txBody>
+          <a:bodyPr/>
+          <a:lstStyle/>
+          <a:p>
+            <a:r>
+              <a:rPr lang="en-US" dirty="0" smtClean="0"/>
+              <a:t>A test spy is a function that records arguments, return </a:t>
+            </a:r>
+            <a:r>
+              <a:rPr lang="en-US" dirty="0" smtClean="0"/>
+              <a:t>value</a:t>
+            </a:r>
+          </a:p>
+          <a:p>
+            <a:endParaRPr lang="en-US" dirty="0" smtClean="0"/>
+          </a:p>
+          <a:p>
+            <a:endParaRPr lang="en-US" dirty="0"/>
+          </a:p>
+        </p:txBody>
+      </p:sp>
+      <p:sp>
+        <p:nvSpPr>
+          <p:cNvPr id="3" name="Title 2"/>
+          <p:cNvSpPr>
+            <a:spLocks noGrp="1"/>
+          </p:cNvSpPr>
+          <p:nvPr>
+            <p:ph type="title"/>
+          </p:nvPr>
+        </p:nvSpPr>
+        <p:spPr/>
+        <p:txBody>
+          <a:bodyPr/>
+          <a:lstStyle/>
+          <a:p>
+            <a:r>
+              <a:rPr lang="en-US" dirty="0" err="1" smtClean="0"/>
+              <a:t>Sinon</a:t>
+            </a:r>
+            <a:r>
+              <a:rPr lang="en-US" dirty="0" smtClean="0"/>
+              <a:t> with test spies</a:t>
+            </a:r>
+            <a:endParaRPr lang="en-US" dirty="0"/>
+          </a:p>
+        </p:txBody>
+      </p:sp>
+      <p:pic>
+        <p:nvPicPr>
+          <p:cNvPr id="6146" name="Picture 2"/>
+          <p:cNvPicPr>
+            <a:picLocks noChangeAspect="1" noChangeArrowheads="1"/>
+          </p:cNvPicPr>
+          <p:nvPr/>
+        </p:nvPicPr>
+        <p:blipFill>
+          <a:blip r:embed="rId2"/>
+          <a:srcRect/>
+          <a:stretch>
+            <a:fillRect/>
+          </a:stretch>
+        </p:blipFill>
+        <p:spPr bwMode="auto">
+          <a:xfrm>
+            <a:off x="381000" y="3276600"/>
+            <a:ext cx="8098094" cy="2514600"/>
+          </a:xfrm>
+          <a:prstGeom prst="rect">
+            <a:avLst/>
+          </a:prstGeom>
+          <a:noFill/>
+          <a:ln w="9525">
+            <a:noFill/>
+            <a:miter lim="800000"/>
+            <a:headEnd/>
+            <a:tailEnd/>
+          </a:ln>
+          <a:effectLst/>
+        </p:spPr>
+      </p:pic>
+    </p:spTree>
+  </p:cSld>
+  <p:clrMapOvr>
+    <a:masterClrMapping/>
+  </p:clrMapOvr>
+</p:sld>
+</file>
+
+<file path=ppt/slides/slide26.xml><?xml version="1.0" encoding="utf-8"?>
+<p:sld xmlns:a="http://schemas.openxmlformats.org/drawingml/2006/main" xmlns:r="http://schemas.openxmlformats.org/officeDocument/2006/relationships" xmlns:p="http://schemas.openxmlformats.org/presentationml/2006/main">
+  <p:cSld>
+    <p:spTree>
+      <p:nvGrpSpPr>
+        <p:cNvPr id="1" name=""/>
+        <p:cNvGrpSpPr/>
+        <p:nvPr/>
+      </p:nvGrpSpPr>
+      <p:grpSpPr>
+        <a:xfrm>
+          <a:off x="0" y="0"/>
+          <a:ext cx="0" cy="0"/>
+          <a:chOff x="0" y="0"/>
+          <a:chExt cx="0" cy="0"/>
+        </a:xfrm>
+      </p:grpSpPr>
+      <p:sp>
+        <p:nvSpPr>
+          <p:cNvPr id="2" name="Content Placeholder 1"/>
+          <p:cNvSpPr>
+            <a:spLocks noGrp="1"/>
+          </p:cNvSpPr>
+          <p:nvPr>
+            <p:ph idx="1"/>
+          </p:nvPr>
+        </p:nvSpPr>
+        <p:spPr/>
+        <p:txBody>
+          <a:bodyPr/>
+          <a:lstStyle/>
+          <a:p>
+            <a:endParaRPr lang="en-US"/>
+          </a:p>
+        </p:txBody>
+      </p:sp>
+      <p:sp>
+        <p:nvSpPr>
+          <p:cNvPr id="3" name="Title 2"/>
+          <p:cNvSpPr>
+            <a:spLocks noGrp="1"/>
+          </p:cNvSpPr>
+          <p:nvPr>
+            <p:ph type="title"/>
+          </p:nvPr>
+        </p:nvSpPr>
+        <p:spPr/>
+        <p:txBody>
+          <a:bodyPr/>
+          <a:lstStyle/>
+          <a:p>
+            <a:r>
+              <a:rPr lang="en-US" dirty="0" err="1" smtClean="0"/>
+              <a:t>Sinon</a:t>
+            </a:r>
+            <a:r>
+              <a:rPr lang="en-US" dirty="0" smtClean="0"/>
+              <a:t> with stubs</a:t>
+            </a:r>
+            <a:endParaRPr lang="en-US" dirty="0"/>
+          </a:p>
+        </p:txBody>
+      </p:sp>
+    </p:spTree>
+  </p:cSld>
+  <p:clrMapOvr>
+    <a:masterClrMapping/>
+  </p:clrMapOvr>
+</p:sld>
+</file>
+
+<file path=ppt/slides/slide27.xml><?xml version="1.0" encoding="utf-8"?>
+<p:sld xmlns:a="http://schemas.openxmlformats.org/drawingml/2006/main" xmlns:r="http://schemas.openxmlformats.org/officeDocument/2006/relationships" xmlns:p="http://schemas.openxmlformats.org/presentationml/2006/main">
+  <p:cSld>
+    <p:spTree>
+      <p:nvGrpSpPr>
+        <p:cNvPr id="1" name=""/>
+        <p:cNvGrpSpPr/>
+        <p:nvPr/>
+      </p:nvGrpSpPr>
+      <p:grpSpPr>
+        <a:xfrm>
+          <a:off x="0" y="0"/>
+          <a:ext cx="0" cy="0"/>
+          <a:chOff x="0" y="0"/>
+          <a:chExt cx="0" cy="0"/>
+        </a:xfrm>
+      </p:grpSpPr>
+      <p:sp>
+        <p:nvSpPr>
+          <p:cNvPr id="2" name="Content Placeholder 1"/>
+          <p:cNvSpPr>
+            <a:spLocks noGrp="1"/>
+          </p:cNvSpPr>
+          <p:nvPr>
+            <p:ph idx="1"/>
+          </p:nvPr>
+        </p:nvSpPr>
+        <p:spPr/>
+        <p:txBody>
+          <a:bodyPr/>
+          <a:lstStyle/>
+          <a:p>
+            <a:endParaRPr lang="en-US"/>
+          </a:p>
+        </p:txBody>
+      </p:sp>
+      <p:sp>
+        <p:nvSpPr>
+          <p:cNvPr id="3" name="Title 2"/>
+          <p:cNvSpPr>
+            <a:spLocks noGrp="1"/>
+          </p:cNvSpPr>
+          <p:nvPr>
+            <p:ph type="title"/>
+          </p:nvPr>
+        </p:nvSpPr>
+        <p:spPr/>
+        <p:txBody>
+          <a:bodyPr/>
+          <a:lstStyle/>
+          <a:p>
+            <a:r>
+              <a:rPr lang="en-US" dirty="0" err="1" smtClean="0"/>
+              <a:t>Sinon</a:t>
+            </a:r>
+            <a:r>
+              <a:rPr lang="en-US" dirty="0" smtClean="0"/>
+              <a:t> with Mock</a:t>
+            </a:r>
+            <a:endParaRPr lang="en-US" dirty="0"/>
+          </a:p>
+        </p:txBody>
+      </p:sp>
+    </p:spTree>
+  </p:cSld>
+  <p:clrMapOvr>
+    <a:masterClrMapping/>
+  </p:clrMapOvr>
+</p:sld>
+</file>
+
+<file path=ppt/slides/slide28.xml><?xml version="1.0" encoding="utf-8"?>
+<p:sld xmlns:a="http://schemas.openxmlformats.org/drawingml/2006/main" xmlns:r="http://schemas.openxmlformats.org/officeDocument/2006/relationships" xmlns:p="http://schemas.openxmlformats.org/presentationml/2006/main">
+  <p:cSld>
+    <p:spTree>
+      <p:nvGrpSpPr>
+        <p:cNvPr id="1" name=""/>
+        <p:cNvGrpSpPr/>
+        <p:nvPr/>
+      </p:nvGrpSpPr>
+      <p:grpSpPr>
+        <a:xfrm>
+          <a:off x="0" y="0"/>
+          <a:ext cx="0" cy="0"/>
+          <a:chOff x="0" y="0"/>
+          <a:chExt cx="0" cy="0"/>
+        </a:xfrm>
+      </p:grpSpPr>
+      <p:sp>
+        <p:nvSpPr>
+          <p:cNvPr id="2" name="Content Placeholder 1"/>
+          <p:cNvSpPr>
+            <a:spLocks noGrp="1"/>
+          </p:cNvSpPr>
+          <p:nvPr>
+            <p:ph idx="1"/>
+          </p:nvPr>
+        </p:nvSpPr>
+        <p:spPr/>
+        <p:txBody>
+          <a:bodyPr/>
+          <a:lstStyle/>
+          <a:p>
+            <a:r>
+              <a:rPr lang="en-US" dirty="0" smtClean="0">
+                <a:hlinkClick r:id="rId2"/>
+              </a:rPr>
+              <a:t>http://gruntjs.com/getting-started</a:t>
+            </a:r>
+            <a:endParaRPr lang="en-US" dirty="0" smtClean="0"/>
+          </a:p>
+          <a:p>
+            <a:r>
+              <a:rPr lang="en-US" dirty="0" smtClean="0">
+                <a:hlinkClick r:id="rId3"/>
+              </a:rPr>
+              <a:t>https://mochajs.org</a:t>
+            </a:r>
+            <a:r>
+              <a:rPr lang="en-US" dirty="0" smtClean="0">
+                <a:hlinkClick r:id="rId3"/>
+              </a:rPr>
+              <a:t>/</a:t>
+            </a:r>
+            <a:endParaRPr lang="en-US" dirty="0" smtClean="0"/>
+          </a:p>
+          <a:p>
+            <a:endParaRPr lang="en-US" dirty="0" smtClean="0"/>
+          </a:p>
+          <a:p>
+            <a:r>
+              <a:rPr lang="en-US" b="1" dirty="0" smtClean="0"/>
+              <a:t>Demo app</a:t>
+            </a:r>
+          </a:p>
+          <a:p>
+            <a:pPr lvl="1"/>
+            <a:r>
+              <a:rPr lang="en-US" dirty="0" smtClean="0">
+                <a:hlinkClick r:id="rId4"/>
+              </a:rPr>
+              <a:t>https://</a:t>
+            </a:r>
+            <a:r>
+              <a:rPr lang="en-US" dirty="0" smtClean="0">
+                <a:hlinkClick r:id="rId4"/>
+              </a:rPr>
+              <a:t>github.com/jerrykid/Automation-FrontEnd-With-Gruntjs</a:t>
+            </a:r>
+            <a:endParaRPr lang="en-US" dirty="0" smtClean="0"/>
+          </a:p>
+          <a:p>
+            <a:pPr lvl="1"/>
+            <a:r>
+              <a:rPr lang="en-US" dirty="0" smtClean="0">
+                <a:hlinkClick r:id="rId5"/>
+              </a:rPr>
+              <a:t>https://</a:t>
+            </a:r>
+            <a:r>
+              <a:rPr lang="en-US" dirty="0" smtClean="0">
+                <a:hlinkClick r:id="rId5"/>
+              </a:rPr>
+              <a:t>github.com/jerrykid/grunt-mocha-test</a:t>
+            </a:r>
+            <a:endParaRPr lang="en-US" dirty="0" smtClean="0"/>
+          </a:p>
+          <a:p>
+            <a:pPr lvl="1"/>
+            <a:endParaRPr lang="en-US" dirty="0" smtClean="0"/>
+          </a:p>
+          <a:p>
+            <a:pPr lvl="1">
+              <a:buNone/>
+            </a:pPr>
+            <a:endParaRPr lang="en-US" dirty="0" smtClean="0"/>
+          </a:p>
+          <a:p>
+            <a:pPr>
+              <a:buNone/>
+            </a:pPr>
+            <a:endParaRPr lang="en-US" dirty="0" smtClean="0"/>
+          </a:p>
+          <a:p>
+            <a:endParaRPr lang="en-US" dirty="0" smtClean="0"/>
+          </a:p>
+        </p:txBody>
+      </p:sp>
+      <p:sp>
+        <p:nvSpPr>
+          <p:cNvPr id="3" name="Title 2"/>
+          <p:cNvSpPr>
+            <a:spLocks noGrp="1"/>
+          </p:cNvSpPr>
+          <p:nvPr>
+            <p:ph type="title"/>
+          </p:nvPr>
+        </p:nvSpPr>
+        <p:spPr/>
+        <p:txBody>
+          <a:bodyPr>
+            <a:normAutofit/>
+          </a:bodyPr>
+          <a:lstStyle/>
+          <a:p>
+            <a:r>
+              <a:rPr lang="en-US" dirty="0" smtClean="0"/>
+              <a:t>References</a:t>
+            </a:r>
+            <a:endParaRPr lang="en-US" dirty="0"/>
+          </a:p>
+        </p:txBody>
+      </p:sp>
+    </p:spTree>
+  </p:cSld>
+  <p:clrMapOvr>
+    <a:masterClrMapping/>
+  </p:clrMapOvr>
+  <p:timing>
+    <p:tnLst>
+      <p:par>
+        <p:cTn id="1" dur="indefinite" restart="never" nodeType="tmRoot"/>
+      </p:par>
+    </p:tnLst>
+  </p:timing>
+</p:sld>
+</file>
+
+<file path=ppt/slides/slide3.xml><?xml version="1.0" encoding="utf-8"?>
+<p:sld xmlns:a="http://schemas.openxmlformats.org/drawingml/2006/main" xmlns:r="http://schemas.openxmlformats.org/officeDocument/2006/relationships" xmlns:p="http://schemas.openxmlformats.org/presentationml/2006/main">
+  <p:cSld>
+    <p:spTree>
+      <p:nvGrpSpPr>
+        <p:cNvPr id="1" name=""/>
+        <p:cNvGrpSpPr/>
+        <p:nvPr/>
+      </p:nvGrpSpPr>
+      <p:grpSpPr>
+        <a:xfrm>
+          <a:off x="0" y="0"/>
+          <a:ext cx="0" cy="0"/>
+          <a:chOff x="0" y="0"/>
+          <a:chExt cx="0" cy="0"/>
+        </a:xfrm>
+      </p:grpSpPr>
+      <p:sp>
+        <p:nvSpPr>
+          <p:cNvPr id="3" name="Title 2"/>
+          <p:cNvSpPr>
+            <a:spLocks noGrp="1"/>
+          </p:cNvSpPr>
+          <p:nvPr>
+            <p:ph type="title"/>
+          </p:nvPr>
+        </p:nvSpPr>
+        <p:spPr/>
+        <p:txBody>
+          <a:bodyPr/>
+          <a:lstStyle/>
+          <a:p>
             <a:pPr algn="ctr"/>
             <a:r>
               <a:rPr lang="en-US" dirty="0" smtClean="0"/>
-              <a:t>A </a:t>
-            </a:r>
-            <a:r>
-              <a:rPr lang="en-US" dirty="0" smtClean="0"/>
-              <a:t>Frontend workflow Dev</a:t>
+              <a:t>A Frontend workflow Dev</a:t>
             </a:r>
             <a:endParaRPr lang="en-US" dirty="0"/>
           </a:p>
@@ -10707,7 +12904,7 @@
 </p:sld>
 </file>
 
-<file path=ppt/slides/slide3.xml><?xml version="1.0" encoding="utf-8"?>
+<file path=ppt/slides/slide4.xml><?xml version="1.0" encoding="utf-8"?>
 <p:sld xmlns:a="http://schemas.openxmlformats.org/drawingml/2006/main" xmlns:r="http://schemas.openxmlformats.org/officeDocument/2006/relationships" xmlns:p="http://schemas.openxmlformats.org/presentationml/2006/main">
   <p:cSld>
     <p:spTree>
@@ -10736,7 +12933,9 @@
         </p:nvSpPr>
         <p:spPr/>
         <p:txBody>
-          <a:bodyPr/>
+          <a:bodyPr>
+            <a:normAutofit lnSpcReduction="10000"/>
+          </a:bodyPr>
           <a:lstStyle/>
           <a:p>
             <a:r>
@@ -10799,6 +12998,29 @@
             <a:r>
               <a:rPr lang="en-US" dirty="0" smtClean="0"/>
               <a:t>Automate testing and deployment and release process</a:t>
+            </a:r>
+          </a:p>
+          <a:p>
+            <a:pPr lvl="1"/>
+            <a:r>
+              <a:rPr lang="en-US" dirty="0" smtClean="0"/>
+              <a:t>Optimize performance by minify </a:t>
+            </a:r>
+            <a:r>
+              <a:rPr lang="en-US" dirty="0" err="1" smtClean="0"/>
+              <a:t>css</a:t>
+            </a:r>
+            <a:r>
+              <a:rPr lang="en-US" dirty="0" smtClean="0"/>
+              <a:t>, </a:t>
+            </a:r>
+            <a:r>
+              <a:rPr lang="en-US" dirty="0" err="1" smtClean="0"/>
+              <a:t>javascripts</a:t>
+            </a:r>
+            <a:r>
+              <a:rPr lang="en-US" dirty="0" smtClean="0"/>
+              <a:t>, image…</a:t>
             </a:r>
           </a:p>
           <a:p>
@@ -10834,7 +13056,7 @@
           <a:p>
             <a:r>
               <a:rPr lang="en-US" dirty="0" smtClean="0"/>
-              <a:t>What is Grunt?</a:t>
+              <a:t>Part I: What is Grunt?</a:t>
             </a:r>
             <a:endParaRPr lang="en-US" dirty="0"/>
           </a:p>
@@ -10855,7 +13077,7 @@
 </p:sld>
 </file>
 
-<file path=ppt/slides/slide4.xml><?xml version="1.0" encoding="utf-8"?>
+<file path=ppt/slides/slide5.xml><?xml version="1.0" encoding="utf-8"?>
 <p:sld xmlns:a="http://schemas.openxmlformats.org/drawingml/2006/main" xmlns:r="http://schemas.openxmlformats.org/officeDocument/2006/relationships" xmlns:p="http://schemas.openxmlformats.org/presentationml/2006/main">
   <p:cSld>
     <p:spTree>
@@ -10930,164 +13152,6 @@
 </p:sld>
 </file>
 
-<file path=ppt/slides/slide5.xml><?xml version="1.0" encoding="utf-8"?>
-<p:sld xmlns:a="http://schemas.openxmlformats.org/drawingml/2006/main" xmlns:r="http://schemas.openxmlformats.org/officeDocument/2006/relationships" xmlns:p="http://schemas.openxmlformats.org/presentationml/2006/main">
-  <p:cSld>
-    <p:spTree>
-      <p:nvGrpSpPr>
-        <p:cNvPr id="1" name=""/>
-        <p:cNvGrpSpPr/>
-        <p:nvPr/>
-      </p:nvGrpSpPr>
-      <p:grpSpPr>
-        <a:xfrm>
-          <a:off x="0" y="0"/>
-          <a:ext cx="0" cy="0"/>
-          <a:chOff x="0" y="0"/>
-          <a:chExt cx="0" cy="0"/>
-        </a:xfrm>
-      </p:grpSpPr>
-      <p:sp>
-        <p:nvSpPr>
-          <p:cNvPr id="3" name="Content Placeholder 2"/>
-          <p:cNvSpPr>
-            <a:spLocks noGrp="1"/>
-          </p:cNvSpPr>
-          <p:nvPr>
-            <p:ph idx="1"/>
-          </p:nvPr>
-        </p:nvSpPr>
-        <p:spPr/>
-        <p:txBody>
-          <a:bodyPr/>
-          <a:lstStyle/>
-          <a:p>
-            <a:r>
-              <a:rPr lang="en-US" dirty="0" smtClean="0"/>
-              <a:t>Development phase – scaffolding, </a:t>
-            </a:r>
-            <a:r>
-              <a:rPr lang="en-US" dirty="0" err="1" smtClean="0"/>
-              <a:t>htmlhint</a:t>
-            </a:r>
-            <a:r>
-              <a:rPr lang="en-US" dirty="0" smtClean="0"/>
-              <a:t>, </a:t>
-            </a:r>
-            <a:r>
-              <a:rPr lang="en-US" dirty="0" err="1" smtClean="0"/>
-              <a:t>jshint</a:t>
-            </a:r>
-            <a:endParaRPr lang="en-US" dirty="0" smtClean="0"/>
-          </a:p>
-          <a:p>
-            <a:endParaRPr lang="en-US" dirty="0" smtClean="0"/>
-          </a:p>
-          <a:p>
-            <a:r>
-              <a:rPr lang="en-US" dirty="0" smtClean="0"/>
-              <a:t> Build – compile, test runner, code coverage, </a:t>
-            </a:r>
-            <a:r>
-              <a:rPr lang="en-US" dirty="0" err="1" smtClean="0"/>
-              <a:t>css</a:t>
-            </a:r>
-            <a:r>
-              <a:rPr lang="en-US" dirty="0" smtClean="0"/>
-              <a:t> </a:t>
-            </a:r>
-            <a:r>
-              <a:rPr lang="en-US" dirty="0" err="1" smtClean="0"/>
-              <a:t>minification</a:t>
-            </a:r>
-            <a:r>
-              <a:rPr lang="en-US" dirty="0" smtClean="0"/>
-              <a:t>, </a:t>
-            </a:r>
-            <a:r>
-              <a:rPr lang="en-US" dirty="0" err="1" smtClean="0"/>
-              <a:t>js</a:t>
-            </a:r>
-            <a:r>
-              <a:rPr lang="en-US" dirty="0" smtClean="0"/>
-              <a:t> </a:t>
-            </a:r>
-            <a:r>
-              <a:rPr lang="en-US" dirty="0" err="1" smtClean="0"/>
-              <a:t>minificaiton</a:t>
-            </a:r>
-            <a:r>
-              <a:rPr lang="en-US" dirty="0" smtClean="0"/>
-              <a:t>, </a:t>
-            </a:r>
-            <a:r>
-              <a:rPr lang="en-US" dirty="0" err="1" smtClean="0"/>
-              <a:t>concatination</a:t>
-            </a:r>
-            <a:endParaRPr lang="en-US" dirty="0" smtClean="0"/>
-          </a:p>
-          <a:p>
-            <a:endParaRPr lang="en-US" dirty="0" smtClean="0"/>
-          </a:p>
-          <a:p>
-            <a:r>
-              <a:rPr lang="en-US" dirty="0" smtClean="0"/>
-              <a:t>Deploy – versioning, </a:t>
-            </a:r>
-            <a:r>
-              <a:rPr lang="en-US" dirty="0" err="1" smtClean="0"/>
-              <a:t>git</a:t>
-            </a:r>
-            <a:r>
-              <a:rPr lang="en-US" dirty="0" smtClean="0"/>
-              <a:t> tags, copy</a:t>
-            </a:r>
-          </a:p>
-          <a:p>
-            <a:endParaRPr lang="en-US" dirty="0"/>
-          </a:p>
-        </p:txBody>
-      </p:sp>
-      <p:sp>
-        <p:nvSpPr>
-          <p:cNvPr id="2" name="Title 1"/>
-          <p:cNvSpPr>
-            <a:spLocks noGrp="1"/>
-          </p:cNvSpPr>
-          <p:nvPr>
-            <p:ph type="title"/>
-          </p:nvPr>
-        </p:nvSpPr>
-        <p:spPr/>
-        <p:txBody>
-          <a:bodyPr>
-            <a:normAutofit/>
-          </a:bodyPr>
-          <a:lstStyle/>
-          <a:p>
-            <a:r>
-              <a:rPr lang="en-US" dirty="0" smtClean="0"/>
-              <a:t>Grunt as JS task runner</a:t>
-            </a:r>
-            <a:endParaRPr lang="en-US" dirty="0"/>
-          </a:p>
-        </p:txBody>
-      </p:sp>
-    </p:spTree>
-  </p:cSld>
-  <p:clrMapOvr>
-    <a:masterClrMapping/>
-  </p:clrMapOvr>
-  <p:timing>
-    <p:tnLst>
-      <p:par>
-        <p:cTn id="1" dur="indefinite" restart="never" nodeType="tmRoot"/>
-      </p:par>
-    </p:tnLst>
-  </p:timing>
-</p:sld>
-</file>
-
 <file path=ppt/slides/slide6.xml><?xml version="1.0" encoding="utf-8"?>
 <p:sld xmlns:a="http://schemas.openxmlformats.org/drawingml/2006/main" xmlns:r="http://schemas.openxmlformats.org/officeDocument/2006/relationships" xmlns:p="http://schemas.openxmlformats.org/presentationml/2006/main">
   <p:cSld>
@@ -11107,7 +13171,7 @@
       </p:grpSpPr>
       <p:sp>
         <p:nvSpPr>
-          <p:cNvPr id="2" name="Content Placeholder 1"/>
+          <p:cNvPr id="3" name="Content Placeholder 2"/>
           <p:cNvSpPr>
             <a:spLocks noGrp="1"/>
           </p:cNvSpPr>
@@ -11117,132 +13181,98 @@
         </p:nvSpPr>
         <p:spPr/>
         <p:txBody>
-          <a:bodyPr>
-            <a:normAutofit/>
-          </a:bodyPr>
+          <a:bodyPr/>
           <a:lstStyle/>
           <a:p>
             <a:r>
-              <a:rPr lang="en-US" sz="2300" dirty="0" err="1" smtClean="0"/>
-              <a:t>Jquery</a:t>
-            </a:r>
-            <a:r>
-              <a:rPr lang="en-US" sz="2300" dirty="0" smtClean="0"/>
-              <a:t>: https://github.com/jquery/jquery</a:t>
-            </a:r>
-            <a:endParaRPr lang="en-US" sz="2300" dirty="0" smtClean="0"/>
-          </a:p>
-          <a:p>
-            <a:r>
-              <a:rPr lang="en-US" sz="2300" dirty="0" err="1" smtClean="0"/>
-              <a:t>AngularJS</a:t>
-            </a:r>
-            <a:r>
-              <a:rPr lang="en-US" sz="2300" dirty="0" smtClean="0"/>
-              <a:t>: </a:t>
-            </a:r>
-            <a:r>
-              <a:rPr lang="en-US" sz="2300" dirty="0" smtClean="0"/>
-              <a:t>https</a:t>
-            </a:r>
-            <a:r>
-              <a:rPr lang="en-US" sz="2300" dirty="0" smtClean="0"/>
-              <a:t>://github.com/angular/angular.js</a:t>
-            </a:r>
-            <a:endParaRPr lang="en-US" sz="2300" dirty="0" smtClean="0"/>
-          </a:p>
-          <a:p>
-            <a:r>
-              <a:rPr lang="en-US" sz="2300" dirty="0" err="1" smtClean="0"/>
-              <a:t>Reactjs</a:t>
-            </a:r>
-            <a:r>
-              <a:rPr lang="en-US" sz="2300" dirty="0" smtClean="0"/>
-              <a:t>: https://github.com/facebook/react</a:t>
-            </a:r>
-            <a:endParaRPr lang="en-US" sz="2300" dirty="0" smtClean="0"/>
-          </a:p>
-          <a:p>
-            <a:r>
-              <a:rPr lang="en-US" sz="2300" dirty="0" err="1" smtClean="0"/>
-              <a:t>KnockoutJs</a:t>
-            </a:r>
-            <a:r>
-              <a:rPr lang="en-US" sz="2300" dirty="0" smtClean="0"/>
-              <a:t>: https://github.com/knockout/knockout</a:t>
-            </a:r>
-            <a:endParaRPr lang="en-US" sz="2300" dirty="0" smtClean="0"/>
-          </a:p>
-          <a:p>
-            <a:r>
-              <a:rPr lang="en-US" sz="2300" dirty="0" smtClean="0"/>
-              <a:t>Visual Studio 2015 now support </a:t>
-            </a:r>
-            <a:r>
-              <a:rPr lang="en-US" sz="2300" dirty="0" err="1" smtClean="0"/>
-              <a:t>Nodejs</a:t>
-            </a:r>
-            <a:r>
-              <a:rPr lang="en-US" sz="2300" dirty="0" smtClean="0"/>
-              <a:t> and grunt:</a:t>
-            </a:r>
-          </a:p>
-          <a:p>
-            <a:pPr lvl="1"/>
-            <a:r>
-              <a:rPr lang="en-US" sz="1900" dirty="0" smtClean="0"/>
+              <a:rPr lang="en-US" dirty="0" smtClean="0"/>
+              <a:t>Development phase – scaffolding, </a:t>
+            </a:r>
+            <a:r>
+              <a:rPr lang="en-US" dirty="0" err="1" smtClean="0"/>
+              <a:t>htmlhint</a:t>
+            </a:r>
+            <a:r>
+              <a:rPr lang="en-US" dirty="0" smtClean="0"/>
+              <a:t>, </a:t>
+            </a:r>
+            <a:r>
+              <a:rPr lang="en-US" dirty="0" err="1" smtClean="0"/>
+              <a:t>jshint</a:t>
+            </a:r>
+            <a:endParaRPr lang="en-US" dirty="0" smtClean="0"/>
+          </a:p>
+          <a:p>
+            <a:endParaRPr lang="en-US" dirty="0" smtClean="0"/>
+          </a:p>
+          <a:p>
+            <a:r>
+              <a:rPr lang="en-US" dirty="0" smtClean="0"/>
+              <a:t> Build – compile, test runner, code coverage, </a:t>
+            </a:r>
+            <a:r>
+              <a:rPr lang="en-US" dirty="0" err="1" smtClean="0"/>
+              <a:t>css</a:t>
+            </a:r>
+            <a:r>
+              <a:rPr lang="en-US" dirty="0" smtClean="0"/>
               <a:t> </a:t>
             </a:r>
             <a:r>
-              <a:rPr lang="en-US" sz="1900" dirty="0" smtClean="0">
-                <a:hlinkClick r:id="rId2"/>
-              </a:rPr>
-              <a:t>https://</a:t>
-            </a:r>
-            <a:r>
-              <a:rPr lang="en-US" sz="1900" dirty="0" smtClean="0">
-                <a:hlinkClick r:id="rId2"/>
-              </a:rPr>
-              <a:t>www.visualstudio.com/en-us/features/node-js-vs.aspx</a:t>
-            </a:r>
-            <a:endParaRPr lang="en-US" sz="1900" dirty="0" smtClean="0"/>
-          </a:p>
-          <a:p>
-            <a:r>
-              <a:rPr lang="en-US" sz="2300" dirty="0" smtClean="0"/>
-              <a:t>More: </a:t>
-            </a:r>
-            <a:r>
-              <a:rPr lang="en-US" sz="2300" dirty="0" smtClean="0">
-                <a:hlinkClick r:id="rId3"/>
-              </a:rPr>
-              <a:t>http://</a:t>
-            </a:r>
-            <a:r>
-              <a:rPr lang="en-US" sz="2300" dirty="0" smtClean="0">
-                <a:hlinkClick r:id="rId3"/>
-              </a:rPr>
-              <a:t>gruntjs.com/who-uses-grunt</a:t>
-            </a:r>
-            <a:r>
-              <a:rPr lang="en-US" sz="2300" dirty="0" smtClean="0"/>
-              <a:t> (Twitter, Wall mart, Victoria Secret…)</a:t>
-            </a:r>
-          </a:p>
-          <a:p>
-            <a:endParaRPr lang="en-US" sz="2300" dirty="0" smtClean="0"/>
-          </a:p>
-          <a:p>
-            <a:pPr>
-              <a:buNone/>
-            </a:pPr>
-            <a:endParaRPr lang="en-US" sz="2300" dirty="0"/>
+              <a:rPr lang="en-US" dirty="0" err="1" smtClean="0"/>
+              <a:t>minification</a:t>
+            </a:r>
+            <a:r>
+              <a:rPr lang="en-US" dirty="0" smtClean="0"/>
+              <a:t>, </a:t>
+            </a:r>
+            <a:r>
+              <a:rPr lang="en-US" dirty="0" err="1" smtClean="0"/>
+              <a:t>js</a:t>
+            </a:r>
+            <a:r>
+              <a:rPr lang="en-US" dirty="0" smtClean="0"/>
+              <a:t> </a:t>
+            </a:r>
+            <a:r>
+              <a:rPr lang="en-US" dirty="0" err="1" smtClean="0"/>
+              <a:t>minificaiton</a:t>
+            </a:r>
+            <a:r>
+              <a:rPr lang="en-US" dirty="0" smtClean="0"/>
+              <a:t>, </a:t>
+            </a:r>
+            <a:r>
+              <a:rPr lang="en-US" dirty="0" err="1" smtClean="0"/>
+              <a:t>concatination</a:t>
+            </a:r>
+            <a:endParaRPr lang="en-US" dirty="0" smtClean="0"/>
+          </a:p>
+          <a:p>
+            <a:endParaRPr lang="en-US" dirty="0" smtClean="0"/>
+          </a:p>
+          <a:p>
+            <a:r>
+              <a:rPr lang="en-US" dirty="0" smtClean="0"/>
+              <a:t>Deploy – versioning, </a:t>
+            </a:r>
+            <a:r>
+              <a:rPr lang="en-US" dirty="0" err="1" smtClean="0"/>
+              <a:t>git</a:t>
+            </a:r>
+            <a:r>
+              <a:rPr lang="en-US" dirty="0" smtClean="0"/>
+              <a:t> tags, copy</a:t>
+            </a:r>
+          </a:p>
+          <a:p>
+            <a:endParaRPr lang="en-US" dirty="0"/>
           </a:p>
         </p:txBody>
       </p:sp>
       <p:sp>
         <p:nvSpPr>
-          <p:cNvPr id="3" name="Title 2"/>
+          <p:cNvPr id="2" name="Title 1"/>
           <p:cNvSpPr>
             <a:spLocks noGrp="1"/>
           </p:cNvSpPr>
@@ -11253,17 +13283,14 @@
         <p:spPr/>
         <p:txBody>
           <a:bodyPr>
-            <a:normAutofit fontScale="90000"/>
+            <a:normAutofit/>
           </a:bodyPr>
           <a:lstStyle/>
           <a:p>
             <a:r>
               <a:rPr lang="en-US" dirty="0" smtClean="0"/>
-              <a:t>Who is using Grunt ?</a:t>
-            </a:r>
-            <a:br>
-              <a:rPr lang="en-US" dirty="0" smtClean="0"/>
-            </a:br>
+              <a:t>Grunt as JS task runner</a:t>
+            </a:r>
             <a:endParaRPr lang="en-US" dirty="0"/>
           </a:p>
         </p:txBody>
@@ -11302,7 +13329,118 @@
       </p:grpSpPr>
       <p:sp>
         <p:nvSpPr>
-          <p:cNvPr id="2" name="Title 1"/>
+          <p:cNvPr id="2" name="Content Placeholder 1"/>
+          <p:cNvSpPr>
+            <a:spLocks noGrp="1"/>
+          </p:cNvSpPr>
+          <p:nvPr>
+            <p:ph idx="1"/>
+          </p:nvPr>
+        </p:nvSpPr>
+        <p:spPr/>
+        <p:txBody>
+          <a:bodyPr>
+            <a:normAutofit/>
+          </a:bodyPr>
+          <a:lstStyle/>
+          <a:p>
+            <a:r>
+              <a:rPr lang="en-US" sz="2300" dirty="0" err="1" smtClean="0"/>
+              <a:t>Jquery</a:t>
+            </a:r>
+            <a:r>
+              <a:rPr lang="en-US" sz="2300" dirty="0" smtClean="0"/>
+              <a:t>: https://github.com/jquery/jquery</a:t>
+            </a:r>
+          </a:p>
+          <a:p>
+            <a:r>
+              <a:rPr lang="en-US" sz="2300" dirty="0" err="1" smtClean="0"/>
+              <a:t>AngularJS</a:t>
+            </a:r>
+            <a:r>
+              <a:rPr lang="en-US" sz="2300" dirty="0" smtClean="0"/>
+              <a:t>: https://github.com/angular/angular.js</a:t>
+            </a:r>
+          </a:p>
+          <a:p>
+            <a:r>
+              <a:rPr lang="en-US" sz="2300" dirty="0" err="1" smtClean="0"/>
+              <a:t>Reactjs</a:t>
+            </a:r>
+            <a:r>
+              <a:rPr lang="en-US" sz="2300" dirty="0" smtClean="0"/>
+              <a:t>: https://github.com/facebook/react</a:t>
+            </a:r>
+          </a:p>
+          <a:p>
+            <a:r>
+              <a:rPr lang="en-US" sz="2300" dirty="0" err="1" smtClean="0"/>
+              <a:t>KnockoutJs</a:t>
+            </a:r>
+            <a:r>
+              <a:rPr lang="en-US" sz="2300" dirty="0" smtClean="0"/>
+              <a:t>: https://github.com/knockout/knockout</a:t>
+            </a:r>
+          </a:p>
+          <a:p>
+            <a:r>
+              <a:rPr lang="en-US" sz="2300" dirty="0" smtClean="0"/>
+              <a:t>Visual Studio 2015 now support </a:t>
+            </a:r>
+            <a:r>
+              <a:rPr lang="en-US" sz="2300" dirty="0" err="1" smtClean="0"/>
+              <a:t>Nodejs</a:t>
+            </a:r>
+            <a:r>
+              <a:rPr lang="en-US" sz="2300" dirty="0" smtClean="0"/>
+              <a:t> and grunt:</a:t>
+            </a:r>
+          </a:p>
+          <a:p>
+            <a:pPr lvl="1"/>
+            <a:r>
+              <a:rPr lang="en-US" sz="1900" dirty="0" smtClean="0"/>
+              <a:t> </a:t>
+            </a:r>
+            <a:r>
+              <a:rPr lang="en-US" sz="1900" dirty="0" smtClean="0">
+                <a:hlinkClick r:id="rId2"/>
+              </a:rPr>
+              <a:t>https://www.visualstudio.com/en-us/features/node-js-vs.aspx</a:t>
+            </a:r>
+            <a:endParaRPr lang="en-US" sz="1900" dirty="0" smtClean="0"/>
+          </a:p>
+          <a:p>
+            <a:r>
+              <a:rPr lang="en-US" sz="2300" dirty="0" smtClean="0"/>
+              <a:t>More: </a:t>
+            </a:r>
+            <a:r>
+              <a:rPr lang="en-US" sz="2300" dirty="0" smtClean="0">
+                <a:hlinkClick r:id="rId3"/>
+              </a:rPr>
+              <a:t>http://gruntjs.com/who-uses-grunt</a:t>
+            </a:r>
+            <a:r>
+              <a:rPr lang="en-US" sz="2300" dirty="0" smtClean="0"/>
+              <a:t> (Twitter, Wall mart, Victoria Secret…)</a:t>
+            </a:r>
+          </a:p>
+          <a:p>
+            <a:endParaRPr lang="en-US" sz="2300" dirty="0" smtClean="0"/>
+          </a:p>
+          <a:p>
+            <a:pPr>
+              <a:buNone/>
+            </a:pPr>
+            <a:endParaRPr lang="en-US" sz="2300" dirty="0"/>
+          </a:p>
+        </p:txBody>
+      </p:sp>
+      <p:sp>
+        <p:nvSpPr>
+          <p:cNvPr id="3" name="Title 2"/>
           <p:cNvSpPr>
             <a:spLocks noGrp="1"/>
           </p:cNvSpPr>
@@ -11310,298 +13448,21 @@
             <p:ph type="title"/>
           </p:nvPr>
         </p:nvSpPr>
-        <p:spPr>
-          <a:xfrm>
-            <a:off x="457200" y="228600"/>
-            <a:ext cx="8229600" cy="1143000"/>
-          </a:xfrm>
-        </p:spPr>
+        <p:spPr/>
         <p:txBody>
           <a:bodyPr>
-            <a:normAutofit/>
+            <a:normAutofit fontScale="90000"/>
           </a:bodyPr>
           <a:lstStyle/>
           <a:p>
             <a:r>
               <a:rPr lang="en-US" dirty="0" smtClean="0"/>
-              <a:t>JS Project setup</a:t>
-            </a:r>
+              <a:t>Who is using Grunt ?</a:t>
+            </a:r>
+            <a:br>
+              <a:rPr lang="en-US" dirty="0" smtClean="0"/>
+            </a:br>
             <a:endParaRPr lang="en-US" dirty="0"/>
-          </a:p>
-        </p:txBody>
-      </p:sp>
-      <p:sp>
-        <p:nvSpPr>
-          <p:cNvPr id="5" name="Content Placeholder 4"/>
-          <p:cNvSpPr>
-            <a:spLocks noGrp="1"/>
-          </p:cNvSpPr>
-          <p:nvPr>
-            <p:ph idx="1"/>
-          </p:nvPr>
-        </p:nvSpPr>
-        <p:spPr>
-          <a:xfrm>
-            <a:off x="533400" y="1524000"/>
-            <a:ext cx="8229600" cy="4525963"/>
-          </a:xfrm>
-        </p:spPr>
-        <p:txBody>
-          <a:bodyPr>
-            <a:noAutofit/>
-          </a:bodyPr>
-          <a:lstStyle/>
-          <a:p>
-            <a:pPr lvl="0"/>
-            <a:r>
-              <a:rPr lang="en-US" sz="1800" dirty="0" smtClean="0"/>
-              <a:t>Install </a:t>
-            </a:r>
-            <a:r>
-              <a:rPr lang="en-US" sz="1800" dirty="0" err="1" smtClean="0"/>
-              <a:t>NodeJS</a:t>
-            </a:r>
-            <a:endParaRPr lang="en-US" sz="1800" dirty="0" smtClean="0"/>
-          </a:p>
-          <a:p>
-            <a:pPr lvl="0"/>
-            <a:r>
-              <a:rPr lang="en-US" sz="1800" dirty="0" smtClean="0"/>
-              <a:t>Install grunt </a:t>
-            </a:r>
-          </a:p>
-          <a:p>
-            <a:pPr lvl="1"/>
-            <a:r>
-              <a:rPr lang="en-US" sz="1600" dirty="0" err="1" smtClean="0"/>
-              <a:t>npm</a:t>
-            </a:r>
-            <a:r>
-              <a:rPr lang="en-US" sz="1600" dirty="0" smtClean="0"/>
-              <a:t> install –g grunt-</a:t>
-            </a:r>
-            <a:r>
-              <a:rPr lang="en-US" sz="1600" dirty="0" err="1" smtClean="0"/>
-              <a:t>cli</a:t>
-            </a:r>
-            <a:endParaRPr lang="en-US" sz="1600" dirty="0" smtClean="0"/>
-          </a:p>
-          <a:p>
-            <a:pPr lvl="1"/>
-            <a:r>
-              <a:rPr lang="en-US" sz="1600" dirty="0" err="1" smtClean="0"/>
-              <a:t>cd</a:t>
-            </a:r>
-            <a:r>
-              <a:rPr lang="en-US" sz="1600" dirty="0" smtClean="0"/>
-              <a:t> &lt;</a:t>
-            </a:r>
-            <a:r>
-              <a:rPr lang="en-US" sz="1600" dirty="0" err="1" smtClean="0"/>
-              <a:t>project_dir</a:t>
-            </a:r>
-            <a:r>
-              <a:rPr lang="en-US" sz="1600" dirty="0" smtClean="0"/>
-              <a:t>&gt;</a:t>
-            </a:r>
-          </a:p>
-          <a:p>
-            <a:pPr lvl="0"/>
-            <a:r>
-              <a:rPr lang="en-US" sz="1800" dirty="0" smtClean="0"/>
-              <a:t>Create </a:t>
-            </a:r>
-            <a:r>
-              <a:rPr lang="en-US" sz="1800" dirty="0" err="1" smtClean="0"/>
-              <a:t>package.json</a:t>
-            </a:r>
-            <a:r>
-              <a:rPr lang="en-US" sz="1800" dirty="0" smtClean="0"/>
-              <a:t> at root level or use </a:t>
-            </a:r>
-            <a:r>
-              <a:rPr lang="en-US" sz="1800" dirty="0" err="1" smtClean="0"/>
-              <a:t>npm</a:t>
-            </a:r>
-            <a:r>
-              <a:rPr lang="en-US" sz="1800" dirty="0" smtClean="0"/>
-              <a:t> init</a:t>
-            </a:r>
-          </a:p>
-          <a:p>
-            <a:pPr lvl="0"/>
-            <a:r>
-              <a:rPr lang="en-US" sz="1800" dirty="0" smtClean="0"/>
-              <a:t>Add grunt as dev dependency</a:t>
-            </a:r>
-          </a:p>
-          <a:p>
-            <a:pPr lvl="1"/>
-            <a:r>
-              <a:rPr lang="en-US" sz="1600" dirty="0" err="1" smtClean="0"/>
-              <a:t>npm</a:t>
-            </a:r>
-            <a:r>
-              <a:rPr lang="en-US" sz="1600" dirty="0" smtClean="0"/>
-              <a:t> install grunt --save-dev </a:t>
-            </a:r>
-          </a:p>
-          <a:p>
-            <a:pPr lvl="0"/>
-            <a:r>
-              <a:rPr lang="en-US" sz="1800" dirty="0" smtClean="0"/>
-              <a:t>Create Gruntfile.js(root level)</a:t>
-            </a:r>
-          </a:p>
-          <a:p>
-            <a:pPr lvl="1">
-              <a:buNone/>
-            </a:pPr>
-            <a:r>
-              <a:rPr lang="en-US" sz="1200" dirty="0" err="1" smtClean="0">
-                <a:latin typeface="Courier New" pitchFamily="49" charset="0"/>
-                <a:cs typeface="Courier New" pitchFamily="49" charset="0"/>
-              </a:rPr>
-              <a:t>module.exports</a:t>
-            </a:r>
-            <a:r>
-              <a:rPr lang="en-US" sz="1200" dirty="0" smtClean="0">
-                <a:latin typeface="Courier New" pitchFamily="49" charset="0"/>
-                <a:cs typeface="Courier New" pitchFamily="49" charset="0"/>
-              </a:rPr>
-              <a:t> = function(grunt){ </a:t>
-            </a:r>
-          </a:p>
-          <a:p>
-            <a:pPr lvl="2">
-              <a:buNone/>
-            </a:pPr>
-            <a:r>
-              <a:rPr lang="en-US" sz="1200" dirty="0" err="1" smtClean="0">
-                <a:latin typeface="Courier New" pitchFamily="49" charset="0"/>
-                <a:cs typeface="Courier New" pitchFamily="49" charset="0"/>
-              </a:rPr>
-              <a:t>grunt.initConfig</a:t>
-            </a:r>
-            <a:r>
-              <a:rPr lang="en-US" sz="1200" dirty="0" smtClean="0">
-                <a:latin typeface="Courier New" pitchFamily="49" charset="0"/>
-                <a:cs typeface="Courier New" pitchFamily="49" charset="0"/>
-              </a:rPr>
-              <a:t>(</a:t>
-            </a:r>
-          </a:p>
-          <a:p>
-            <a:pPr lvl="2">
-              <a:buNone/>
-            </a:pPr>
-            <a:r>
-              <a:rPr lang="en-US" sz="1200" dirty="0" smtClean="0">
-                <a:latin typeface="Courier New" pitchFamily="49" charset="0"/>
-                <a:cs typeface="Courier New" pitchFamily="49" charset="0"/>
-              </a:rPr>
-              <a:t>{ </a:t>
-            </a:r>
-          </a:p>
-          <a:p>
-            <a:pPr lvl="2">
-              <a:buNone/>
-            </a:pPr>
-            <a:r>
-              <a:rPr lang="en-US" sz="1200" dirty="0" smtClean="0">
-                <a:latin typeface="Courier New" pitchFamily="49" charset="0"/>
-                <a:cs typeface="Courier New" pitchFamily="49" charset="0"/>
-              </a:rPr>
-              <a:t>	</a:t>
-            </a:r>
-            <a:r>
-              <a:rPr lang="en-US" sz="1200" dirty="0" err="1" smtClean="0">
-                <a:latin typeface="Courier New" pitchFamily="49" charset="0"/>
-                <a:cs typeface="Courier New" pitchFamily="49" charset="0"/>
-              </a:rPr>
-              <a:t>pkg</a:t>
-            </a:r>
-            <a:r>
-              <a:rPr lang="en-US" sz="1200" dirty="0" smtClean="0">
-                <a:latin typeface="Courier New" pitchFamily="49" charset="0"/>
-                <a:cs typeface="Courier New" pitchFamily="49" charset="0"/>
-              </a:rPr>
-              <a:t>: </a:t>
-            </a:r>
-            <a:r>
-              <a:rPr lang="en-US" sz="1200" dirty="0" err="1" smtClean="0">
-                <a:latin typeface="Courier New" pitchFamily="49" charset="0"/>
-                <a:cs typeface="Courier New" pitchFamily="49" charset="0"/>
-              </a:rPr>
-              <a:t>grunt.file.readJSON</a:t>
-            </a:r>
-            <a:r>
-              <a:rPr lang="en-US" sz="1200" dirty="0" smtClean="0">
-                <a:latin typeface="Courier New" pitchFamily="49" charset="0"/>
-                <a:cs typeface="Courier New" pitchFamily="49" charset="0"/>
-              </a:rPr>
-              <a:t>('</a:t>
-            </a:r>
-            <a:r>
-              <a:rPr lang="en-US" sz="1200" dirty="0" err="1" smtClean="0">
-                <a:latin typeface="Courier New" pitchFamily="49" charset="0"/>
-                <a:cs typeface="Courier New" pitchFamily="49" charset="0"/>
-              </a:rPr>
-              <a:t>package.json</a:t>
-            </a:r>
-            <a:r>
-              <a:rPr lang="en-US" sz="1200" dirty="0" smtClean="0">
-                <a:latin typeface="Courier New" pitchFamily="49" charset="0"/>
-                <a:cs typeface="Courier New" pitchFamily="49" charset="0"/>
-              </a:rPr>
-              <a:t>')</a:t>
-            </a:r>
-          </a:p>
-          <a:p>
-            <a:pPr lvl="2">
-              <a:buNone/>
-            </a:pPr>
-            <a:r>
-              <a:rPr lang="en-US" sz="1200" dirty="0" smtClean="0">
-                <a:latin typeface="Courier New" pitchFamily="49" charset="0"/>
-                <a:cs typeface="Courier New" pitchFamily="49" charset="0"/>
-              </a:rPr>
-              <a:t>}); </a:t>
-            </a:r>
-          </a:p>
-          <a:p>
-            <a:pPr lvl="2">
-              <a:buNone/>
-            </a:pPr>
-            <a:r>
-              <a:rPr lang="en-US" sz="1200" dirty="0" err="1" smtClean="0">
-                <a:latin typeface="Courier New" pitchFamily="49" charset="0"/>
-                <a:cs typeface="Courier New" pitchFamily="49" charset="0"/>
-              </a:rPr>
-              <a:t>grunt.registerTask</a:t>
-            </a:r>
-            <a:r>
-              <a:rPr lang="en-US" sz="1200" dirty="0" smtClean="0">
-                <a:latin typeface="Courier New" pitchFamily="49" charset="0"/>
-                <a:cs typeface="Courier New" pitchFamily="49" charset="0"/>
-              </a:rPr>
-              <a:t>('default', []);</a:t>
-            </a:r>
-          </a:p>
-          <a:p>
-            <a:pPr lvl="1">
-              <a:buNone/>
-            </a:pPr>
-            <a:r>
-              <a:rPr lang="en-US" sz="1200" dirty="0" smtClean="0">
-                <a:latin typeface="Courier New" pitchFamily="49" charset="0"/>
-                <a:cs typeface="Courier New" pitchFamily="49" charset="0"/>
-              </a:rPr>
-              <a:t>};</a:t>
-            </a:r>
-          </a:p>
-          <a:p>
-            <a:endParaRPr lang="en-US" sz="1800" dirty="0"/>
           </a:p>
         </p:txBody>
       </p:sp>
@@ -11639,349 +13500,6 @@
       </p:grpSpPr>
       <p:sp>
         <p:nvSpPr>
-          <p:cNvPr id="3" name="Content Placeholder 2"/>
-          <p:cNvSpPr>
-            <a:spLocks noGrp="1"/>
-          </p:cNvSpPr>
-          <p:nvPr>
-            <p:ph idx="1"/>
-          </p:nvPr>
-        </p:nvSpPr>
-        <p:spPr/>
-        <p:txBody>
-          <a:bodyPr>
-            <a:normAutofit/>
-          </a:bodyPr>
-          <a:lstStyle/>
-          <a:p>
-            <a:r>
-              <a:rPr lang="en-US" sz="2400" dirty="0" smtClean="0"/>
-              <a:t>Install locally using command line and add it as dependency to </a:t>
-            </a:r>
-            <a:r>
-              <a:rPr lang="en-US" sz="2400" dirty="0" err="1" smtClean="0"/>
-              <a:t>package.json</a:t>
-            </a:r>
-            <a:endParaRPr lang="en-US" sz="2400" dirty="0" smtClean="0"/>
-          </a:p>
-          <a:p>
-            <a:pPr>
-              <a:buNone/>
-            </a:pPr>
-            <a:r>
-              <a:rPr lang="en-US" sz="1400" dirty="0" err="1" smtClean="0">
-                <a:latin typeface="Courier New" pitchFamily="49" charset="0"/>
-                <a:cs typeface="Courier New" pitchFamily="49" charset="0"/>
-              </a:rPr>
-              <a:t>npm</a:t>
-            </a:r>
-            <a:r>
-              <a:rPr lang="en-US" sz="1400" dirty="0" smtClean="0">
-                <a:latin typeface="Courier New" pitchFamily="49" charset="0"/>
-                <a:cs typeface="Courier New" pitchFamily="49" charset="0"/>
-              </a:rPr>
-              <a:t> install &lt;</a:t>
-            </a:r>
-            <a:r>
-              <a:rPr lang="en-US" sz="1400" dirty="0" err="1" smtClean="0">
-                <a:latin typeface="Courier New" pitchFamily="49" charset="0"/>
-                <a:cs typeface="Courier New" pitchFamily="49" charset="0"/>
-              </a:rPr>
-              <a:t>plugin</a:t>
-            </a:r>
-            <a:r>
-              <a:rPr lang="en-US" sz="1400" dirty="0" smtClean="0">
-                <a:latin typeface="Courier New" pitchFamily="49" charset="0"/>
-                <a:cs typeface="Courier New" pitchFamily="49" charset="0"/>
-              </a:rPr>
-              <a:t>&gt; --save-dependency</a:t>
-            </a:r>
-          </a:p>
-          <a:p>
-            <a:pPr>
-              <a:buNone/>
-            </a:pPr>
-            <a:endParaRPr lang="en-US" sz="1400" dirty="0" smtClean="0">
-              <a:latin typeface="Courier New" pitchFamily="49" charset="0"/>
-              <a:cs typeface="Courier New" pitchFamily="49" charset="0"/>
-            </a:endParaRPr>
-          </a:p>
-          <a:p>
-            <a:r>
-              <a:rPr lang="en-US" sz="2400" dirty="0" smtClean="0"/>
-              <a:t>Or manually add dependency to </a:t>
-            </a:r>
-            <a:r>
-              <a:rPr lang="en-US" sz="2400" dirty="0" err="1" smtClean="0"/>
-              <a:t>package.json</a:t>
-            </a:r>
-            <a:endParaRPr lang="en-US" sz="2400" dirty="0" smtClean="0"/>
-          </a:p>
-          <a:p>
-            <a:pPr>
-              <a:buNone/>
-            </a:pPr>
-            <a:r>
-              <a:rPr lang="en-US" sz="2400" dirty="0" smtClean="0"/>
-              <a:t>Sample:</a:t>
-            </a:r>
-          </a:p>
-          <a:p>
-            <a:pPr>
-              <a:buNone/>
-            </a:pPr>
-            <a:r>
-              <a:rPr lang="en-US" sz="1200" dirty="0" smtClean="0">
-                <a:latin typeface="Courier New" pitchFamily="49" charset="0"/>
-                <a:cs typeface="Courier New" pitchFamily="49" charset="0"/>
-              </a:rPr>
-              <a:t> "</a:t>
-            </a:r>
-            <a:r>
-              <a:rPr lang="en-US" sz="1200" dirty="0" err="1" smtClean="0">
-                <a:latin typeface="Courier New" pitchFamily="49" charset="0"/>
-                <a:cs typeface="Courier New" pitchFamily="49" charset="0"/>
-              </a:rPr>
-              <a:t>devDependencies</a:t>
-            </a:r>
-            <a:r>
-              <a:rPr lang="en-US" sz="1200" dirty="0" smtClean="0">
-                <a:latin typeface="Courier New" pitchFamily="49" charset="0"/>
-                <a:cs typeface="Courier New" pitchFamily="49" charset="0"/>
-              </a:rPr>
-              <a:t>": {    </a:t>
-            </a:r>
-          </a:p>
-          <a:p>
-            <a:pPr>
-              <a:buNone/>
-            </a:pPr>
-            <a:r>
-              <a:rPr lang="en-US" sz="1200" dirty="0" smtClean="0">
-                <a:latin typeface="Courier New" pitchFamily="49" charset="0"/>
-                <a:cs typeface="Courier New" pitchFamily="49" charset="0"/>
-              </a:rPr>
-              <a:t>	"grunt": "~0.4.2",    </a:t>
-            </a:r>
-          </a:p>
-          <a:p>
-            <a:pPr>
-              <a:buNone/>
-            </a:pPr>
-            <a:r>
-              <a:rPr lang="en-US" sz="1200" dirty="0" smtClean="0">
-                <a:latin typeface="Courier New" pitchFamily="49" charset="0"/>
-                <a:cs typeface="Courier New" pitchFamily="49" charset="0"/>
-              </a:rPr>
-              <a:t>	"grunt-</a:t>
-            </a:r>
-            <a:r>
-              <a:rPr lang="en-US" sz="1200" dirty="0" err="1" smtClean="0">
-                <a:latin typeface="Courier New" pitchFamily="49" charset="0"/>
-                <a:cs typeface="Courier New" pitchFamily="49" charset="0"/>
-              </a:rPr>
-              <a:t>htmlhint</a:t>
-            </a:r>
-            <a:r>
-              <a:rPr lang="en-US" sz="1200" dirty="0" smtClean="0">
-                <a:latin typeface="Courier New" pitchFamily="49" charset="0"/>
-                <a:cs typeface="Courier New" pitchFamily="49" charset="0"/>
-              </a:rPr>
-              <a:t>": "*",</a:t>
-            </a:r>
-          </a:p>
-          <a:p>
-            <a:pPr>
-              <a:buNone/>
-            </a:pPr>
-            <a:r>
-              <a:rPr lang="en-US" sz="1200" dirty="0" smtClean="0">
-                <a:latin typeface="Courier New" pitchFamily="49" charset="0"/>
-                <a:cs typeface="Courier New" pitchFamily="49" charset="0"/>
-              </a:rPr>
-              <a:t>   "</a:t>
-            </a:r>
-            <a:r>
-              <a:rPr lang="en-US" sz="1200" dirty="0" err="1" smtClean="0">
-                <a:latin typeface="Courier New" pitchFamily="49" charset="0"/>
-                <a:cs typeface="Courier New" pitchFamily="49" charset="0"/>
-              </a:rPr>
-              <a:t>matchdep</a:t>
-            </a:r>
-            <a:r>
-              <a:rPr lang="en-US" sz="1200" dirty="0" smtClean="0">
-                <a:latin typeface="Courier New" pitchFamily="49" charset="0"/>
-                <a:cs typeface="Courier New" pitchFamily="49" charset="0"/>
-              </a:rPr>
-              <a:t>": "*",    </a:t>
-            </a:r>
-          </a:p>
-          <a:p>
-            <a:pPr>
-              <a:buNone/>
-            </a:pPr>
-            <a:r>
-              <a:rPr lang="en-US" sz="1200" dirty="0" smtClean="0">
-                <a:latin typeface="Courier New" pitchFamily="49" charset="0"/>
-                <a:cs typeface="Courier New" pitchFamily="49" charset="0"/>
-              </a:rPr>
-              <a:t>   "grunt-</a:t>
-            </a:r>
-            <a:r>
-              <a:rPr lang="en-US" sz="1200" dirty="0" err="1" smtClean="0">
-                <a:latin typeface="Courier New" pitchFamily="49" charset="0"/>
-                <a:cs typeface="Courier New" pitchFamily="49" charset="0"/>
-              </a:rPr>
-              <a:t>contrib</a:t>
-            </a:r>
-            <a:r>
-              <a:rPr lang="en-US" sz="1200" dirty="0" smtClean="0">
-                <a:latin typeface="Courier New" pitchFamily="49" charset="0"/>
-                <a:cs typeface="Courier New" pitchFamily="49" charset="0"/>
-              </a:rPr>
-              <a:t>-watch": "*",    </a:t>
-            </a:r>
-          </a:p>
-          <a:p>
-            <a:pPr>
-              <a:buNone/>
-            </a:pPr>
-            <a:r>
-              <a:rPr lang="en-US" sz="1200" dirty="0" smtClean="0">
-                <a:latin typeface="Courier New" pitchFamily="49" charset="0"/>
-                <a:cs typeface="Courier New" pitchFamily="49" charset="0"/>
-              </a:rPr>
-              <a:t>   "grunt-</a:t>
-            </a:r>
-            <a:r>
-              <a:rPr lang="en-US" sz="1200" dirty="0" err="1" smtClean="0">
-                <a:latin typeface="Courier New" pitchFamily="49" charset="0"/>
-                <a:cs typeface="Courier New" pitchFamily="49" charset="0"/>
-              </a:rPr>
-              <a:t>contrib</a:t>
-            </a:r>
-            <a:r>
-              <a:rPr lang="en-US" sz="1200" dirty="0" smtClean="0">
-                <a:latin typeface="Courier New" pitchFamily="49" charset="0"/>
-                <a:cs typeface="Courier New" pitchFamily="49" charset="0"/>
-              </a:rPr>
-              <a:t>-clean": "~0.5.0",    </a:t>
-            </a:r>
-          </a:p>
-          <a:p>
-            <a:pPr>
-              <a:buNone/>
-            </a:pPr>
-            <a:r>
-              <a:rPr lang="en-US" sz="1200" dirty="0" smtClean="0">
-                <a:latin typeface="Courier New" pitchFamily="49" charset="0"/>
-                <a:cs typeface="Courier New" pitchFamily="49" charset="0"/>
-              </a:rPr>
-              <a:t>   "grunt-</a:t>
-            </a:r>
-            <a:r>
-              <a:rPr lang="en-US" sz="1200" dirty="0" err="1" smtClean="0">
-                <a:latin typeface="Courier New" pitchFamily="49" charset="0"/>
-                <a:cs typeface="Courier New" pitchFamily="49" charset="0"/>
-              </a:rPr>
-              <a:t>contrib</a:t>
-            </a:r>
-            <a:r>
-              <a:rPr lang="en-US" sz="1200" dirty="0" smtClean="0">
-                <a:latin typeface="Courier New" pitchFamily="49" charset="0"/>
-                <a:cs typeface="Courier New" pitchFamily="49" charset="0"/>
-              </a:rPr>
-              <a:t>-</a:t>
-            </a:r>
-            <a:r>
-              <a:rPr lang="en-US" sz="1200" dirty="0" err="1" smtClean="0">
-                <a:latin typeface="Courier New" pitchFamily="49" charset="0"/>
-                <a:cs typeface="Courier New" pitchFamily="49" charset="0"/>
-              </a:rPr>
-              <a:t>jshint</a:t>
-            </a:r>
-            <a:r>
-              <a:rPr lang="en-US" sz="1200" dirty="0" smtClean="0">
-                <a:latin typeface="Courier New" pitchFamily="49" charset="0"/>
-                <a:cs typeface="Courier New" pitchFamily="49" charset="0"/>
-              </a:rPr>
-              <a:t>": "~0.8.0",    </a:t>
-            </a:r>
-          </a:p>
-          <a:p>
-            <a:pPr>
-              <a:buNone/>
-            </a:pPr>
-            <a:r>
-              <a:rPr lang="en-US" sz="1200" dirty="0" smtClean="0">
-                <a:latin typeface="Courier New" pitchFamily="49" charset="0"/>
-                <a:cs typeface="Courier New" pitchFamily="49" charset="0"/>
-              </a:rPr>
-              <a:t>   "grunt-bump": "0.0.13",    </a:t>
-            </a:r>
-          </a:p>
-          <a:p>
-            <a:pPr>
-              <a:buNone/>
-            </a:pPr>
-            <a:r>
-              <a:rPr lang="en-US" sz="1200" dirty="0" smtClean="0">
-                <a:latin typeface="Courier New" pitchFamily="49" charset="0"/>
-                <a:cs typeface="Courier New" pitchFamily="49" charset="0"/>
-              </a:rPr>
-              <a:t>   "grunt-</a:t>
-            </a:r>
-            <a:r>
-              <a:rPr lang="en-US" sz="1200" dirty="0" err="1" smtClean="0">
-                <a:latin typeface="Courier New" pitchFamily="49" charset="0"/>
-                <a:cs typeface="Courier New" pitchFamily="49" charset="0"/>
-              </a:rPr>
-              <a:t>contrib</a:t>
-            </a:r>
-            <a:r>
-              <a:rPr lang="en-US" sz="1200" dirty="0" smtClean="0">
-                <a:latin typeface="Courier New" pitchFamily="49" charset="0"/>
-                <a:cs typeface="Courier New" pitchFamily="49" charset="0"/>
-              </a:rPr>
-              <a:t>-</a:t>
-            </a:r>
-            <a:r>
-              <a:rPr lang="en-US" sz="1200" dirty="0" err="1" smtClean="0">
-                <a:latin typeface="Courier New" pitchFamily="49" charset="0"/>
-                <a:cs typeface="Courier New" pitchFamily="49" charset="0"/>
-              </a:rPr>
-              <a:t>cssmin</a:t>
-            </a:r>
-            <a:r>
-              <a:rPr lang="en-US" sz="1200" dirty="0" smtClean="0">
-                <a:latin typeface="Courier New" pitchFamily="49" charset="0"/>
-                <a:cs typeface="Courier New" pitchFamily="49" charset="0"/>
-              </a:rPr>
-              <a:t>": "~0.7.0"  </a:t>
-            </a:r>
-          </a:p>
-          <a:p>
-            <a:pPr>
-              <a:buNone/>
-            </a:pPr>
-            <a:r>
-              <a:rPr lang="en-US" sz="1200" dirty="0" smtClean="0">
-                <a:latin typeface="Courier New" pitchFamily="49" charset="0"/>
-                <a:cs typeface="Courier New" pitchFamily="49" charset="0"/>
-              </a:rPr>
-              <a:t>}</a:t>
-            </a:r>
-          </a:p>
-          <a:p>
-            <a:endParaRPr lang="en-US" sz="1200" dirty="0" smtClean="0">
-              <a:latin typeface="Courier New" pitchFamily="49" charset="0"/>
-              <a:cs typeface="Courier New" pitchFamily="49" charset="0"/>
-            </a:endParaRPr>
-          </a:p>
-        </p:txBody>
-      </p:sp>
-      <p:sp>
-        <p:nvSpPr>
           <p:cNvPr id="2" name="Title 1"/>
           <p:cNvSpPr>
             <a:spLocks noGrp="1"/>
@@ -11990,24 +13508,305 @@
             <p:ph type="title"/>
           </p:nvPr>
         </p:nvSpPr>
-        <p:spPr/>
+        <p:spPr>
+          <a:xfrm>
+            <a:off x="457200" y="228600"/>
+            <a:ext cx="8229600" cy="1143000"/>
+          </a:xfrm>
+        </p:spPr>
         <p:txBody>
-          <a:bodyPr/>
+          <a:bodyPr>
+            <a:normAutofit/>
+          </a:bodyPr>
           <a:lstStyle/>
           <a:p>
             <a:r>
               <a:rPr lang="en-US" dirty="0" smtClean="0"/>
-              <a:t>Adding a </a:t>
-            </a:r>
-            <a:r>
-              <a:rPr lang="en-US" dirty="0" err="1" smtClean="0"/>
-              <a:t>plugin</a:t>
-            </a:r>
-            <a:r>
-              <a:rPr lang="en-US" dirty="0" smtClean="0"/>
-              <a:t> to Gruntfile.js</a:t>
+              <a:t>JS Project setup</a:t>
             </a:r>
             <a:endParaRPr lang="en-US" dirty="0"/>
+          </a:p>
+        </p:txBody>
+      </p:sp>
+      <p:sp>
+        <p:nvSpPr>
+          <p:cNvPr id="5" name="Content Placeholder 4"/>
+          <p:cNvSpPr>
+            <a:spLocks noGrp="1"/>
+          </p:cNvSpPr>
+          <p:nvPr>
+            <p:ph idx="1"/>
+          </p:nvPr>
+        </p:nvSpPr>
+        <p:spPr>
+          <a:xfrm>
+            <a:off x="533400" y="1524000"/>
+            <a:ext cx="8229600" cy="4525963"/>
+          </a:xfrm>
+        </p:spPr>
+        <p:txBody>
+          <a:bodyPr>
+            <a:noAutofit/>
+          </a:bodyPr>
+          <a:lstStyle/>
+          <a:p>
+            <a:pPr lvl="0"/>
+            <a:r>
+              <a:rPr lang="en-US" sz="1800" dirty="0" smtClean="0"/>
+              <a:t>Install grunt : </a:t>
+            </a:r>
+            <a:r>
+              <a:rPr lang="en-US" sz="1600" dirty="0" err="1" smtClean="0"/>
+              <a:t>npm</a:t>
+            </a:r>
+            <a:r>
+              <a:rPr lang="en-US" sz="1600" dirty="0" smtClean="0"/>
+              <a:t> install –g grunt-</a:t>
+            </a:r>
+            <a:r>
+              <a:rPr lang="en-US" sz="1600" dirty="0" err="1" smtClean="0"/>
+              <a:t>cli</a:t>
+            </a:r>
+            <a:endParaRPr lang="en-US" sz="1600" dirty="0" smtClean="0"/>
+          </a:p>
+          <a:p>
+            <a:pPr lvl="0"/>
+            <a:r>
+              <a:rPr lang="en-US" sz="1800" dirty="0" smtClean="0"/>
+              <a:t>Create Gruntfile.js(root level) with basic</a:t>
+            </a:r>
+          </a:p>
+          <a:p>
+            <a:pPr lvl="1">
+              <a:buNone/>
+            </a:pPr>
+            <a:r>
+              <a:rPr lang="en-US" sz="2000" dirty="0" err="1" smtClean="0">
+                <a:latin typeface="Courier New" pitchFamily="49" charset="0"/>
+                <a:cs typeface="Courier New" pitchFamily="49" charset="0"/>
+              </a:rPr>
+              <a:t>module.exports</a:t>
+            </a:r>
+            <a:r>
+              <a:rPr lang="en-US" sz="2000" dirty="0" smtClean="0">
+                <a:latin typeface="Courier New" pitchFamily="49" charset="0"/>
+                <a:cs typeface="Courier New" pitchFamily="49" charset="0"/>
+              </a:rPr>
+              <a:t> = function(grunt){ </a:t>
+            </a:r>
+          </a:p>
+          <a:p>
+            <a:pPr lvl="2">
+              <a:buNone/>
+            </a:pPr>
+            <a:r>
+              <a:rPr lang="en-US" sz="2000" dirty="0" err="1" smtClean="0">
+                <a:latin typeface="Courier New" pitchFamily="49" charset="0"/>
+                <a:cs typeface="Courier New" pitchFamily="49" charset="0"/>
+              </a:rPr>
+              <a:t>grunt.initConfig</a:t>
+            </a:r>
+            <a:r>
+              <a:rPr lang="en-US" sz="2000" dirty="0" smtClean="0">
+                <a:latin typeface="Courier New" pitchFamily="49" charset="0"/>
+                <a:cs typeface="Courier New" pitchFamily="49" charset="0"/>
+              </a:rPr>
+              <a:t>(</a:t>
+            </a:r>
+          </a:p>
+          <a:p>
+            <a:pPr lvl="2">
+              <a:buNone/>
+            </a:pPr>
+            <a:r>
+              <a:rPr lang="en-US" sz="2000" dirty="0" smtClean="0">
+                <a:latin typeface="Courier New" pitchFamily="49" charset="0"/>
+                <a:cs typeface="Courier New" pitchFamily="49" charset="0"/>
+              </a:rPr>
+              <a:t>{ </a:t>
+            </a:r>
+          </a:p>
+          <a:p>
+            <a:pPr lvl="2">
+              <a:buNone/>
+            </a:pPr>
+            <a:r>
+              <a:rPr lang="en-US" sz="2000" dirty="0" smtClean="0">
+                <a:latin typeface="Courier New" pitchFamily="49" charset="0"/>
+                <a:cs typeface="Courier New" pitchFamily="49" charset="0"/>
+              </a:rPr>
+              <a:t>	</a:t>
+            </a:r>
+            <a:r>
+              <a:rPr lang="en-US" sz="2000" dirty="0" err="1" smtClean="0">
+                <a:latin typeface="Courier New" pitchFamily="49" charset="0"/>
+                <a:cs typeface="Courier New" pitchFamily="49" charset="0"/>
+              </a:rPr>
+              <a:t>pkg</a:t>
+            </a:r>
+            <a:r>
+              <a:rPr lang="en-US" sz="2000" dirty="0" smtClean="0">
+                <a:latin typeface="Courier New" pitchFamily="49" charset="0"/>
+                <a:cs typeface="Courier New" pitchFamily="49" charset="0"/>
+              </a:rPr>
+              <a:t>: </a:t>
+            </a:r>
+            <a:r>
+              <a:rPr lang="en-US" sz="2000" dirty="0" err="1" smtClean="0">
+                <a:latin typeface="Courier New" pitchFamily="49" charset="0"/>
+                <a:cs typeface="Courier New" pitchFamily="49" charset="0"/>
+              </a:rPr>
+              <a:t>grunt.file.readJSON</a:t>
+            </a:r>
+            <a:r>
+              <a:rPr lang="en-US" sz="2000" dirty="0" smtClean="0">
+                <a:latin typeface="Courier New" pitchFamily="49" charset="0"/>
+                <a:cs typeface="Courier New" pitchFamily="49" charset="0"/>
+              </a:rPr>
+              <a:t>('</a:t>
+            </a:r>
+            <a:r>
+              <a:rPr lang="en-US" sz="2000" dirty="0" err="1" smtClean="0">
+                <a:latin typeface="Courier New" pitchFamily="49" charset="0"/>
+                <a:cs typeface="Courier New" pitchFamily="49" charset="0"/>
+              </a:rPr>
+              <a:t>package.json</a:t>
+            </a:r>
+            <a:r>
+              <a:rPr lang="en-US" sz="2000" dirty="0" smtClean="0">
+                <a:latin typeface="Courier New" pitchFamily="49" charset="0"/>
+                <a:cs typeface="Courier New" pitchFamily="49" charset="0"/>
+              </a:rPr>
+              <a:t>')</a:t>
+            </a:r>
+          </a:p>
+          <a:p>
+            <a:pPr lvl="2">
+              <a:buNone/>
+            </a:pPr>
+            <a:r>
+              <a:rPr lang="en-US" sz="2000" dirty="0" smtClean="0">
+                <a:latin typeface="Courier New" pitchFamily="49" charset="0"/>
+                <a:cs typeface="Courier New" pitchFamily="49" charset="0"/>
+              </a:rPr>
+              <a:t>}); </a:t>
+            </a:r>
+          </a:p>
+          <a:p>
+            <a:pPr lvl="2">
+              <a:buNone/>
+            </a:pPr>
+            <a:r>
+              <a:rPr lang="en-US" sz="2000" dirty="0" err="1" smtClean="0">
+                <a:latin typeface="Courier New" pitchFamily="49" charset="0"/>
+                <a:cs typeface="Courier New" pitchFamily="49" charset="0"/>
+              </a:rPr>
+              <a:t>grunt.registerTask</a:t>
+            </a:r>
+            <a:r>
+              <a:rPr lang="en-US" sz="2000" dirty="0" smtClean="0">
+                <a:latin typeface="Courier New" pitchFamily="49" charset="0"/>
+                <a:cs typeface="Courier New" pitchFamily="49" charset="0"/>
+              </a:rPr>
+              <a:t>('default', []);</a:t>
+            </a:r>
+          </a:p>
+          <a:p>
+            <a:pPr lvl="1">
+              <a:buNone/>
+            </a:pPr>
+            <a:r>
+              <a:rPr lang="en-US" sz="2000" dirty="0" smtClean="0">
+                <a:latin typeface="Courier New" pitchFamily="49" charset="0"/>
+                <a:cs typeface="Courier New" pitchFamily="49" charset="0"/>
+              </a:rPr>
+              <a:t>};</a:t>
+            </a:r>
+          </a:p>
+          <a:p>
+            <a:pPr>
+              <a:buNone/>
+            </a:pPr>
+            <a:r>
+              <a:rPr lang="en-US" sz="2400" dirty="0" smtClean="0">
+                <a:latin typeface="Courier New" pitchFamily="49" charset="0"/>
+                <a:cs typeface="Courier New" pitchFamily="49" charset="0"/>
+              </a:rPr>
+              <a:t>To run task:</a:t>
+            </a:r>
+          </a:p>
+          <a:p>
+            <a:pPr>
+              <a:buNone/>
+            </a:pPr>
+            <a:r>
+              <a:rPr lang="en-US" sz="2400" dirty="0" smtClean="0">
+                <a:latin typeface="Courier New" pitchFamily="49" charset="0"/>
+                <a:cs typeface="Courier New" pitchFamily="49" charset="0"/>
+              </a:rPr>
+              <a:t>	Grunt =&gt; run ‘default’ task</a:t>
+            </a:r>
+          </a:p>
+          <a:p>
+            <a:pPr>
+              <a:buNone/>
+            </a:pPr>
+            <a:r>
+              <a:rPr lang="en-US" sz="2400" dirty="0" smtClean="0">
+                <a:latin typeface="Courier New" pitchFamily="49" charset="0"/>
+                <a:cs typeface="Courier New" pitchFamily="49" charset="0"/>
+              </a:rPr>
+              <a:t>	Grunt </a:t>
+            </a:r>
+            <a:r>
+              <a:rPr lang="en-US" sz="2400" dirty="0" err="1" smtClean="0">
+                <a:latin typeface="Courier New" pitchFamily="49" charset="0"/>
+                <a:cs typeface="Courier New" pitchFamily="49" charset="0"/>
+              </a:rPr>
+              <a:t>taskname</a:t>
+            </a:r>
+            <a:r>
+              <a:rPr lang="en-US" sz="2400" dirty="0" smtClean="0">
+                <a:latin typeface="Courier New" pitchFamily="49" charset="0"/>
+                <a:cs typeface="Courier New" pitchFamily="49" charset="0"/>
+              </a:rPr>
+              <a:t> =&gt; run </a:t>
+            </a:r>
+            <a:r>
+              <a:rPr lang="en-US" sz="2400" dirty="0" err="1" smtClean="0">
+                <a:latin typeface="Courier New" pitchFamily="49" charset="0"/>
+                <a:cs typeface="Courier New" pitchFamily="49" charset="0"/>
+              </a:rPr>
+              <a:t>taskname</a:t>
+            </a:r>
+            <a:endParaRPr lang="en-US" sz="2400" dirty="0" smtClean="0">
+              <a:latin typeface="Courier New" pitchFamily="49" charset="0"/>
+              <a:cs typeface="Courier New" pitchFamily="49" charset="0"/>
+            </a:endParaRPr>
+          </a:p>
+          <a:p>
+            <a:pPr>
+              <a:buNone/>
+            </a:pPr>
+            <a:endParaRPr lang="en-US" sz="2400" dirty="0" smtClean="0">
+              <a:latin typeface="Courier New" pitchFamily="49" charset="0"/>
+              <a:cs typeface="Courier New" pitchFamily="49" charset="0"/>
+            </a:endParaRPr>
+          </a:p>
+          <a:p>
+            <a:pPr lvl="1">
+              <a:buNone/>
+            </a:pPr>
+            <a:r>
+              <a:rPr lang="en-US" sz="2000" dirty="0" smtClean="0">
+                <a:latin typeface="Courier New" pitchFamily="49" charset="0"/>
+                <a:cs typeface="Courier New" pitchFamily="49" charset="0"/>
+              </a:rPr>
+              <a:t>	</a:t>
+            </a:r>
+          </a:p>
+          <a:p>
+            <a:endParaRPr lang="en-US" sz="1800" dirty="0"/>
           </a:p>
         </p:txBody>
       </p:sp>
@@ -12193,14 +13992,13 @@
             <a:pPr fontAlgn="base"/>
             <a:r>
               <a:rPr lang="en-US" sz="2400" dirty="0" smtClean="0"/>
-              <a:t>grunt-mocha-test: </a:t>
-            </a:r>
-            <a:r>
-              <a:rPr lang="en-US" sz="2400" dirty="0" smtClean="0"/>
-              <a:t>A grunt task for running server side mocha tests</a:t>
-            </a:r>
-          </a:p>
-          <a:p>
+              <a:t>grunt-mocha-test: A grunt task for running server side mocha tests</a:t>
+            </a:r>
+          </a:p>
+          <a:p>
+            <a:pPr>
+              <a:buNone/>
+            </a:pPr>
             <a:r>
               <a:rPr lang="en-US" sz="2400" dirty="0" smtClean="0"/>
               <a:t/>
@@ -12251,11 +14049,7 @@
             </a:r>
             <a:r>
               <a:rPr lang="en-US" sz="2800" dirty="0" smtClean="0"/>
-              <a:t> </a:t>
-            </a:r>
-            <a:r>
-              <a:rPr lang="en-US" sz="2800" dirty="0" smtClean="0"/>
-              <a:t>http://gruntjs.com/plugins</a:t>
+              <a:t> http://gruntjs.com/plugins</a:t>
             </a:r>
             <a:br>
               <a:rPr lang="en-US" sz="2800" dirty="0" smtClean="0"/>
